--- a/坐在寶座上聖潔羔羊.pptx
+++ b/坐在寶座上聖潔羔羊.pptx
@@ -4,10 +4,18 @@
   <p:sldMasterIdLst>
     <p:sldMasterId id="2147483672" r:id="rId1"/>
   </p:sldMasterIdLst>
+  <p:notesMasterIdLst>
+    <p:notesMasterId r:id="rId10"/>
+  </p:notesMasterIdLst>
   <p:sldIdLst>
     <p:sldId id="256" r:id="rId2"/>
     <p:sldId id="257" r:id="rId3"/>
     <p:sldId id="258" r:id="rId4"/>
+    <p:sldId id="268" r:id="rId5"/>
+    <p:sldId id="269" r:id="rId6"/>
+    <p:sldId id="270" r:id="rId7"/>
+    <p:sldId id="271" r:id="rId8"/>
+    <p:sldId id="272" r:id="rId9"/>
   </p:sldIdLst>
   <p:sldSz cx="9144000" cy="6858000" type="screen4x3"/>
   <p:notesSz cx="6858000" cy="9144000"/>
@@ -109,6 +117,437 @@
 </p:presentation>
 </file>
 
+<file path=ppt/notesMasters/notesMaster1.xml><?xml version="1.0" encoding="utf-8"?>
+<p:notesMaster xmlns:a="http://schemas.openxmlformats.org/drawingml/2006/main" xmlns:r="http://schemas.openxmlformats.org/officeDocument/2006/relationships" xmlns:p="http://schemas.openxmlformats.org/presentationml/2006/main">
+  <p:cSld>
+    <p:bg>
+      <p:bgRef idx="1001">
+        <a:schemeClr val="bg1"/>
+      </p:bgRef>
+    </p:bg>
+    <p:spTree>
+      <p:nvGrpSpPr>
+        <p:cNvPr id="1" name=""/>
+        <p:cNvGrpSpPr/>
+        <p:nvPr/>
+      </p:nvGrpSpPr>
+      <p:grpSpPr>
+        <a:xfrm>
+          <a:off x="0" y="0"/>
+          <a:ext cx="0" cy="0"/>
+          <a:chOff x="0" y="0"/>
+          <a:chExt cx="0" cy="0"/>
+        </a:xfrm>
+      </p:grpSpPr>
+      <p:sp>
+        <p:nvSpPr>
+          <p:cNvPr id="2" name="頁首版面配置區 1"/>
+          <p:cNvSpPr>
+            <a:spLocks noGrp="1"/>
+          </p:cNvSpPr>
+          <p:nvPr>
+            <p:ph type="hdr" sz="quarter"/>
+          </p:nvPr>
+        </p:nvSpPr>
+        <p:spPr>
+          <a:xfrm>
+            <a:off x="0" y="0"/>
+            <a:ext cx="2971800" cy="457200"/>
+          </a:xfrm>
+          <a:prstGeom prst="rect">
+            <a:avLst/>
+          </a:prstGeom>
+        </p:spPr>
+        <p:txBody>
+          <a:bodyPr vert="horz" lIns="91440" tIns="45720" rIns="91440" bIns="45720" rtlCol="0"/>
+          <a:lstStyle>
+            <a:lvl1pPr algn="l">
+              <a:defRPr sz="1200"/>
+            </a:lvl1pPr>
+          </a:lstStyle>
+          <a:p>
+            <a:endParaRPr lang="zh-TW" altLang="en-US"/>
+          </a:p>
+        </p:txBody>
+      </p:sp>
+      <p:sp>
+        <p:nvSpPr>
+          <p:cNvPr id="3" name="日期版面配置區 2"/>
+          <p:cNvSpPr>
+            <a:spLocks noGrp="1"/>
+          </p:cNvSpPr>
+          <p:nvPr>
+            <p:ph type="dt" idx="1"/>
+          </p:nvPr>
+        </p:nvSpPr>
+        <p:spPr>
+          <a:xfrm>
+            <a:off x="3884613" y="0"/>
+            <a:ext cx="2971800" cy="457200"/>
+          </a:xfrm>
+          <a:prstGeom prst="rect">
+            <a:avLst/>
+          </a:prstGeom>
+        </p:spPr>
+        <p:txBody>
+          <a:bodyPr vert="horz" lIns="91440" tIns="45720" rIns="91440" bIns="45720" rtlCol="0"/>
+          <a:lstStyle>
+            <a:lvl1pPr algn="r">
+              <a:defRPr sz="1200"/>
+            </a:lvl1pPr>
+          </a:lstStyle>
+          <a:p>
+            <a:fld id="{007A548E-7098-4CE3-810E-47A3ADCC1150}" type="datetimeFigureOut">
+              <a:rPr lang="zh-TW" altLang="en-US" smtClean="0"/>
+              <a:pPr/>
+              <a:t>2019/6/28</a:t>
+            </a:fld>
+            <a:endParaRPr lang="zh-TW" altLang="en-US"/>
+          </a:p>
+        </p:txBody>
+      </p:sp>
+      <p:sp>
+        <p:nvSpPr>
+          <p:cNvPr id="4" name="投影片圖像版面配置區 3"/>
+          <p:cNvSpPr>
+            <a:spLocks noGrp="1" noRot="1" noChangeAspect="1"/>
+          </p:cNvSpPr>
+          <p:nvPr>
+            <p:ph type="sldImg" idx="2"/>
+          </p:nvPr>
+        </p:nvSpPr>
+        <p:spPr>
+          <a:xfrm>
+            <a:off x="1143000" y="685800"/>
+            <a:ext cx="4572000" cy="3429000"/>
+          </a:xfrm>
+          <a:prstGeom prst="rect">
+            <a:avLst/>
+          </a:prstGeom>
+          <a:noFill/>
+          <a:ln w="12700">
+            <a:solidFill>
+              <a:prstClr val="black"/>
+            </a:solidFill>
+          </a:ln>
+        </p:spPr>
+        <p:txBody>
+          <a:bodyPr vert="horz" lIns="91440" tIns="45720" rIns="91440" bIns="45720" rtlCol="0" anchor="ctr"/>
+          <a:lstStyle/>
+          <a:p>
+            <a:endParaRPr lang="zh-TW" altLang="en-US"/>
+          </a:p>
+        </p:txBody>
+      </p:sp>
+      <p:sp>
+        <p:nvSpPr>
+          <p:cNvPr id="5" name="備忘稿版面配置區 4"/>
+          <p:cNvSpPr>
+            <a:spLocks noGrp="1"/>
+          </p:cNvSpPr>
+          <p:nvPr>
+            <p:ph type="body" sz="quarter" idx="3"/>
+          </p:nvPr>
+        </p:nvSpPr>
+        <p:spPr>
+          <a:xfrm>
+            <a:off x="685800" y="4343400"/>
+            <a:ext cx="5486400" cy="4114800"/>
+          </a:xfrm>
+          <a:prstGeom prst="rect">
+            <a:avLst/>
+          </a:prstGeom>
+        </p:spPr>
+        <p:txBody>
+          <a:bodyPr vert="horz" lIns="91440" tIns="45720" rIns="91440" bIns="45720" rtlCol="0">
+            <a:normAutofit/>
+          </a:bodyPr>
+          <a:lstStyle/>
+          <a:p>
+            <a:pPr lvl="0"/>
+            <a:r>
+              <a:rPr lang="zh-TW" altLang="en-US" smtClean="0"/>
+              <a:t>按一下以編輯母片文字樣式</a:t>
+            </a:r>
+          </a:p>
+          <a:p>
+            <a:pPr lvl="1"/>
+            <a:r>
+              <a:rPr lang="zh-TW" altLang="en-US" smtClean="0"/>
+              <a:t>第二層</a:t>
+            </a:r>
+          </a:p>
+          <a:p>
+            <a:pPr lvl="2"/>
+            <a:r>
+              <a:rPr lang="zh-TW" altLang="en-US" smtClean="0"/>
+              <a:t>第三層</a:t>
+            </a:r>
+          </a:p>
+          <a:p>
+            <a:pPr lvl="3"/>
+            <a:r>
+              <a:rPr lang="zh-TW" altLang="en-US" smtClean="0"/>
+              <a:t>第四層</a:t>
+            </a:r>
+          </a:p>
+          <a:p>
+            <a:pPr lvl="4"/>
+            <a:r>
+              <a:rPr lang="zh-TW" altLang="en-US" smtClean="0"/>
+              <a:t>第五層</a:t>
+            </a:r>
+            <a:endParaRPr lang="zh-TW" altLang="en-US"/>
+          </a:p>
+        </p:txBody>
+      </p:sp>
+      <p:sp>
+        <p:nvSpPr>
+          <p:cNvPr id="6" name="頁尾版面配置區 5"/>
+          <p:cNvSpPr>
+            <a:spLocks noGrp="1"/>
+          </p:cNvSpPr>
+          <p:nvPr>
+            <p:ph type="ftr" sz="quarter" idx="4"/>
+          </p:nvPr>
+        </p:nvSpPr>
+        <p:spPr>
+          <a:xfrm>
+            <a:off x="0" y="8685213"/>
+            <a:ext cx="2971800" cy="457200"/>
+          </a:xfrm>
+          <a:prstGeom prst="rect">
+            <a:avLst/>
+          </a:prstGeom>
+        </p:spPr>
+        <p:txBody>
+          <a:bodyPr vert="horz" lIns="91440" tIns="45720" rIns="91440" bIns="45720" rtlCol="0" anchor="b"/>
+          <a:lstStyle>
+            <a:lvl1pPr algn="l">
+              <a:defRPr sz="1200"/>
+            </a:lvl1pPr>
+          </a:lstStyle>
+          <a:p>
+            <a:endParaRPr lang="zh-TW" altLang="en-US"/>
+          </a:p>
+        </p:txBody>
+      </p:sp>
+      <p:sp>
+        <p:nvSpPr>
+          <p:cNvPr id="7" name="投影片編號版面配置區 6"/>
+          <p:cNvSpPr>
+            <a:spLocks noGrp="1"/>
+          </p:cNvSpPr>
+          <p:nvPr>
+            <p:ph type="sldNum" sz="quarter" idx="5"/>
+          </p:nvPr>
+        </p:nvSpPr>
+        <p:spPr>
+          <a:xfrm>
+            <a:off x="3884613" y="8685213"/>
+            <a:ext cx="2971800" cy="457200"/>
+          </a:xfrm>
+          <a:prstGeom prst="rect">
+            <a:avLst/>
+          </a:prstGeom>
+        </p:spPr>
+        <p:txBody>
+          <a:bodyPr vert="horz" lIns="91440" tIns="45720" rIns="91440" bIns="45720" rtlCol="0" anchor="b"/>
+          <a:lstStyle>
+            <a:lvl1pPr algn="r">
+              <a:defRPr sz="1200"/>
+            </a:lvl1pPr>
+          </a:lstStyle>
+          <a:p>
+            <a:fld id="{1F3F5638-3618-4DF4-8C9F-7A090890D13D}" type="slidenum">
+              <a:rPr lang="zh-TW" altLang="en-US" smtClean="0"/>
+              <a:pPr/>
+              <a:t>‹#›</a:t>
+            </a:fld>
+            <a:endParaRPr lang="zh-TW" altLang="en-US"/>
+          </a:p>
+        </p:txBody>
+      </p:sp>
+    </p:spTree>
+  </p:cSld>
+  <p:clrMap bg1="lt1" tx1="dk1" bg2="lt2" tx2="dk2" accent1="accent1" accent2="accent2" accent3="accent3" accent4="accent4" accent5="accent5" accent6="accent6" hlink="hlink" folHlink="folHlink"/>
+  <p:notesStyle>
+    <a:lvl1pPr marL="0" algn="l" defTabSz="914400" rtl="0" eaLnBrk="1" latinLnBrk="0" hangingPunct="1">
+      <a:defRPr sz="1200" kern="1200">
+        <a:solidFill>
+          <a:schemeClr val="tx1"/>
+        </a:solidFill>
+        <a:latin typeface="+mn-lt"/>
+        <a:ea typeface="+mn-ea"/>
+        <a:cs typeface="+mn-cs"/>
+      </a:defRPr>
+    </a:lvl1pPr>
+    <a:lvl2pPr marL="457200" algn="l" defTabSz="914400" rtl="0" eaLnBrk="1" latinLnBrk="0" hangingPunct="1">
+      <a:defRPr sz="1200" kern="1200">
+        <a:solidFill>
+          <a:schemeClr val="tx1"/>
+        </a:solidFill>
+        <a:latin typeface="+mn-lt"/>
+        <a:ea typeface="+mn-ea"/>
+        <a:cs typeface="+mn-cs"/>
+      </a:defRPr>
+    </a:lvl2pPr>
+    <a:lvl3pPr marL="914400" algn="l" defTabSz="914400" rtl="0" eaLnBrk="1" latinLnBrk="0" hangingPunct="1">
+      <a:defRPr sz="1200" kern="1200">
+        <a:solidFill>
+          <a:schemeClr val="tx1"/>
+        </a:solidFill>
+        <a:latin typeface="+mn-lt"/>
+        <a:ea typeface="+mn-ea"/>
+        <a:cs typeface="+mn-cs"/>
+      </a:defRPr>
+    </a:lvl3pPr>
+    <a:lvl4pPr marL="1371600" algn="l" defTabSz="914400" rtl="0" eaLnBrk="1" latinLnBrk="0" hangingPunct="1">
+      <a:defRPr sz="1200" kern="1200">
+        <a:solidFill>
+          <a:schemeClr val="tx1"/>
+        </a:solidFill>
+        <a:latin typeface="+mn-lt"/>
+        <a:ea typeface="+mn-ea"/>
+        <a:cs typeface="+mn-cs"/>
+      </a:defRPr>
+    </a:lvl4pPr>
+    <a:lvl5pPr marL="1828800" algn="l" defTabSz="914400" rtl="0" eaLnBrk="1" latinLnBrk="0" hangingPunct="1">
+      <a:defRPr sz="1200" kern="1200">
+        <a:solidFill>
+          <a:schemeClr val="tx1"/>
+        </a:solidFill>
+        <a:latin typeface="+mn-lt"/>
+        <a:ea typeface="+mn-ea"/>
+        <a:cs typeface="+mn-cs"/>
+      </a:defRPr>
+    </a:lvl5pPr>
+    <a:lvl6pPr marL="2286000" algn="l" defTabSz="914400" rtl="0" eaLnBrk="1" latinLnBrk="0" hangingPunct="1">
+      <a:defRPr sz="1200" kern="1200">
+        <a:solidFill>
+          <a:schemeClr val="tx1"/>
+        </a:solidFill>
+        <a:latin typeface="+mn-lt"/>
+        <a:ea typeface="+mn-ea"/>
+        <a:cs typeface="+mn-cs"/>
+      </a:defRPr>
+    </a:lvl6pPr>
+    <a:lvl7pPr marL="2743200" algn="l" defTabSz="914400" rtl="0" eaLnBrk="1" latinLnBrk="0" hangingPunct="1">
+      <a:defRPr sz="1200" kern="1200">
+        <a:solidFill>
+          <a:schemeClr val="tx1"/>
+        </a:solidFill>
+        <a:latin typeface="+mn-lt"/>
+        <a:ea typeface="+mn-ea"/>
+        <a:cs typeface="+mn-cs"/>
+      </a:defRPr>
+    </a:lvl7pPr>
+    <a:lvl8pPr marL="3200400" algn="l" defTabSz="914400" rtl="0" eaLnBrk="1" latinLnBrk="0" hangingPunct="1">
+      <a:defRPr sz="1200" kern="1200">
+        <a:solidFill>
+          <a:schemeClr val="tx1"/>
+        </a:solidFill>
+        <a:latin typeface="+mn-lt"/>
+        <a:ea typeface="+mn-ea"/>
+        <a:cs typeface="+mn-cs"/>
+      </a:defRPr>
+    </a:lvl8pPr>
+    <a:lvl9pPr marL="3657600" algn="l" defTabSz="914400" rtl="0" eaLnBrk="1" latinLnBrk="0" hangingPunct="1">
+      <a:defRPr sz="1200" kern="1200">
+        <a:solidFill>
+          <a:schemeClr val="tx1"/>
+        </a:solidFill>
+        <a:latin typeface="+mn-lt"/>
+        <a:ea typeface="+mn-ea"/>
+        <a:cs typeface="+mn-cs"/>
+      </a:defRPr>
+    </a:lvl9pPr>
+  </p:notesStyle>
+</p:notesMaster>
+</file>
+
+<file path=ppt/notesSlides/notesSlide1.xml><?xml version="1.0" encoding="utf-8"?>
+<p:notes xmlns:a="http://schemas.openxmlformats.org/drawingml/2006/main" xmlns:r="http://schemas.openxmlformats.org/officeDocument/2006/relationships" xmlns:p="http://schemas.openxmlformats.org/presentationml/2006/main">
+  <p:cSld>
+    <p:spTree>
+      <p:nvGrpSpPr>
+        <p:cNvPr id="1" name=""/>
+        <p:cNvGrpSpPr/>
+        <p:nvPr/>
+      </p:nvGrpSpPr>
+      <p:grpSpPr>
+        <a:xfrm>
+          <a:off x="0" y="0"/>
+          <a:ext cx="0" cy="0"/>
+          <a:chOff x="0" y="0"/>
+          <a:chExt cx="0" cy="0"/>
+        </a:xfrm>
+      </p:grpSpPr>
+      <p:sp>
+        <p:nvSpPr>
+          <p:cNvPr id="2" name="投影片圖像版面配置區 1"/>
+          <p:cNvSpPr>
+            <a:spLocks noGrp="1" noRot="1" noChangeAspect="1"/>
+          </p:cNvSpPr>
+          <p:nvPr>
+            <p:ph type="sldImg"/>
+          </p:nvPr>
+        </p:nvSpPr>
+        <p:spPr/>
+      </p:sp>
+      <p:sp>
+        <p:nvSpPr>
+          <p:cNvPr id="3" name="備忘稿版面配置區 2"/>
+          <p:cNvSpPr>
+            <a:spLocks noGrp="1"/>
+          </p:cNvSpPr>
+          <p:nvPr>
+            <p:ph type="body" idx="1"/>
+          </p:nvPr>
+        </p:nvSpPr>
+        <p:spPr/>
+        <p:txBody>
+          <a:bodyPr>
+            <a:normAutofit/>
+          </a:bodyPr>
+          <a:lstStyle/>
+          <a:p>
+            <a:endParaRPr lang="zh-TW" altLang="en-US" dirty="0"/>
+          </a:p>
+        </p:txBody>
+      </p:sp>
+      <p:sp>
+        <p:nvSpPr>
+          <p:cNvPr id="4" name="投影片編號版面配置區 3"/>
+          <p:cNvSpPr>
+            <a:spLocks noGrp="1"/>
+          </p:cNvSpPr>
+          <p:nvPr>
+            <p:ph type="sldNum" sz="quarter" idx="10"/>
+          </p:nvPr>
+        </p:nvSpPr>
+        <p:spPr/>
+        <p:txBody>
+          <a:bodyPr/>
+          <a:lstStyle/>
+          <a:p>
+            <a:fld id="{1F3F5638-3618-4DF4-8C9F-7A090890D13D}" type="slidenum">
+              <a:rPr lang="zh-TW" altLang="en-US" smtClean="0"/>
+              <a:pPr/>
+              <a:t>3</a:t>
+            </a:fld>
+            <a:endParaRPr lang="zh-TW" altLang="en-US"/>
+          </a:p>
+        </p:txBody>
+      </p:sp>
+    </p:spTree>
+  </p:cSld>
+  <p:clrMapOvr>
+    <a:masterClrMapping/>
+  </p:clrMapOvr>
+</p:notes>
+</file>
+
 <file path=ppt/slideLayouts/slideLayout1.xml><?xml version="1.0" encoding="utf-8"?>
 <p:sldLayout xmlns:a="http://schemas.openxmlformats.org/drawingml/2006/main" xmlns:r="http://schemas.openxmlformats.org/officeDocument/2006/relationships" xmlns:p="http://schemas.openxmlformats.org/presentationml/2006/main" type="title" preserve="1">
   <p:cSld name="標題投影片">
@@ -291,7 +730,7 @@
             <a:fld id="{14DD3661-1E76-4273-BDC4-E36D4AAA0C58}" type="datetimeFigureOut">
               <a:rPr lang="zh-TW" altLang="en-US" smtClean="0"/>
               <a:pPr/>
-              <a:t>2017/10/14</a:t>
+              <a:t>2019/6/28</a:t>
             </a:fld>
             <a:endParaRPr lang="zh-TW" altLang="en-US"/>
           </a:p>
@@ -458,7 +897,7 @@
             <a:fld id="{14DD3661-1E76-4273-BDC4-E36D4AAA0C58}" type="datetimeFigureOut">
               <a:rPr lang="zh-TW" altLang="en-US" smtClean="0"/>
               <a:pPr/>
-              <a:t>2017/10/14</a:t>
+              <a:t>2019/6/28</a:t>
             </a:fld>
             <a:endParaRPr lang="zh-TW" altLang="en-US"/>
           </a:p>
@@ -635,7 +1074,7 @@
             <a:fld id="{14DD3661-1E76-4273-BDC4-E36D4AAA0C58}" type="datetimeFigureOut">
               <a:rPr lang="zh-TW" altLang="en-US" smtClean="0"/>
               <a:pPr/>
-              <a:t>2017/10/14</a:t>
+              <a:t>2019/6/28</a:t>
             </a:fld>
             <a:endParaRPr lang="zh-TW" altLang="en-US"/>
           </a:p>
@@ -802,7 +1241,7 @@
             <a:fld id="{14DD3661-1E76-4273-BDC4-E36D4AAA0C58}" type="datetimeFigureOut">
               <a:rPr lang="zh-TW" altLang="en-US" smtClean="0"/>
               <a:pPr/>
-              <a:t>2017/10/14</a:t>
+              <a:t>2019/6/28</a:t>
             </a:fld>
             <a:endParaRPr lang="zh-TW" altLang="en-US"/>
           </a:p>
@@ -1045,7 +1484,7 @@
             <a:fld id="{14DD3661-1E76-4273-BDC4-E36D4AAA0C58}" type="datetimeFigureOut">
               <a:rPr lang="zh-TW" altLang="en-US" smtClean="0"/>
               <a:pPr/>
-              <a:t>2017/10/14</a:t>
+              <a:t>2019/6/28</a:t>
             </a:fld>
             <a:endParaRPr lang="zh-TW" altLang="en-US"/>
           </a:p>
@@ -1330,7 +1769,7 @@
             <a:fld id="{14DD3661-1E76-4273-BDC4-E36D4AAA0C58}" type="datetimeFigureOut">
               <a:rPr lang="zh-TW" altLang="en-US" smtClean="0"/>
               <a:pPr/>
-              <a:t>2017/10/14</a:t>
+              <a:t>2019/6/28</a:t>
             </a:fld>
             <a:endParaRPr lang="zh-TW" altLang="en-US"/>
           </a:p>
@@ -1749,7 +2188,7 @@
             <a:fld id="{14DD3661-1E76-4273-BDC4-E36D4AAA0C58}" type="datetimeFigureOut">
               <a:rPr lang="zh-TW" altLang="en-US" smtClean="0"/>
               <a:pPr/>
-              <a:t>2017/10/14</a:t>
+              <a:t>2019/6/28</a:t>
             </a:fld>
             <a:endParaRPr lang="zh-TW" altLang="en-US"/>
           </a:p>
@@ -1864,7 +2303,7 @@
             <a:fld id="{14DD3661-1E76-4273-BDC4-E36D4AAA0C58}" type="datetimeFigureOut">
               <a:rPr lang="zh-TW" altLang="en-US" smtClean="0"/>
               <a:pPr/>
-              <a:t>2017/10/14</a:t>
+              <a:t>2019/6/28</a:t>
             </a:fld>
             <a:endParaRPr lang="zh-TW" altLang="en-US"/>
           </a:p>
@@ -1956,7 +2395,7 @@
             <a:fld id="{14DD3661-1E76-4273-BDC4-E36D4AAA0C58}" type="datetimeFigureOut">
               <a:rPr lang="zh-TW" altLang="en-US" smtClean="0"/>
               <a:pPr/>
-              <a:t>2017/10/14</a:t>
+              <a:t>2019/6/28</a:t>
             </a:fld>
             <a:endParaRPr lang="zh-TW" altLang="en-US"/>
           </a:p>
@@ -2230,7 +2669,7 @@
             <a:fld id="{14DD3661-1E76-4273-BDC4-E36D4AAA0C58}" type="datetimeFigureOut">
               <a:rPr lang="zh-TW" altLang="en-US" smtClean="0"/>
               <a:pPr/>
-              <a:t>2017/10/14</a:t>
+              <a:t>2019/6/28</a:t>
             </a:fld>
             <a:endParaRPr lang="zh-TW" altLang="en-US"/>
           </a:p>
@@ -2484,7 +2923,7 @@
             <a:fld id="{14DD3661-1E76-4273-BDC4-E36D4AAA0C58}" type="datetimeFigureOut">
               <a:rPr lang="zh-TW" altLang="en-US" smtClean="0"/>
               <a:pPr/>
-              <a:t>2017/10/14</a:t>
+              <a:t>2019/6/28</a:t>
             </a:fld>
             <a:endParaRPr lang="zh-TW" altLang="en-US"/>
           </a:p>
@@ -2699,7 +3138,7 @@
             <a:fld id="{14DD3661-1E76-4273-BDC4-E36D4AAA0C58}" type="datetimeFigureOut">
               <a:rPr lang="zh-TW" altLang="en-US" smtClean="0"/>
               <a:pPr/>
-              <a:t>2017/10/14</a:t>
+              <a:t>2019/6/28</a:t>
             </a:fld>
             <a:endParaRPr lang="zh-TW" altLang="en-US"/>
           </a:p>
@@ -3302,8 +3741,45 @@
                 <a:latin typeface="微軟正黑體" pitchFamily="34" charset="-120"/>
                 <a:ea typeface="微軟正黑體" pitchFamily="34" charset="-120"/>
               </a:rPr>
-              <a:t>坐在寶座上聖潔羔羊</a:t>
-            </a:r>
+              <a:t>坐在寶座</a:t>
+            </a:r>
+            <a:r>
+              <a:rPr lang="zh-TW" altLang="en-US" sz="5400" b="1" dirty="0" smtClean="0">
+                <a:solidFill>
+                  <a:srgbClr val="660033"/>
+                </a:solidFill>
+                <a:latin typeface="微軟正黑體" pitchFamily="34" charset="-120"/>
+                <a:ea typeface="微軟正黑體" pitchFamily="34" charset="-120"/>
+              </a:rPr>
+              <a:t>上</a:t>
+            </a:r>
+            <a:r>
+              <a:rPr lang="zh-CN" altLang="en-US" sz="5400" b="1" dirty="0" smtClean="0">
+                <a:solidFill>
+                  <a:srgbClr val="660033"/>
+                </a:solidFill>
+                <a:latin typeface="微軟正黑體" pitchFamily="34" charset="-120"/>
+                <a:ea typeface="微軟正黑體" pitchFamily="34" charset="-120"/>
+              </a:rPr>
+              <a:t>尊貴</a:t>
+            </a:r>
+            <a:r>
+              <a:rPr lang="zh-TW" altLang="en-US" sz="5400" b="1" dirty="0" smtClean="0">
+                <a:solidFill>
+                  <a:srgbClr val="660033"/>
+                </a:solidFill>
+                <a:latin typeface="微軟正黑體" pitchFamily="34" charset="-120"/>
+                <a:ea typeface="微軟正黑體" pitchFamily="34" charset="-120"/>
+              </a:rPr>
+              <a:t>羔羊</a:t>
+            </a:r>
+            <a:endParaRPr lang="zh-TW" altLang="en-US" sz="5400" b="1" dirty="0">
+              <a:solidFill>
+                <a:srgbClr val="660033"/>
+              </a:solidFill>
+              <a:latin typeface="微軟正黑體" pitchFamily="34" charset="-120"/>
+              <a:ea typeface="微軟正黑體" pitchFamily="34" charset="-120"/>
+            </a:endParaRPr>
           </a:p>
           <a:p>
             <a:pPr algn="ctr">
@@ -3543,6 +4019,928 @@
               </a:rPr>
               <a:t>我們高舉你聖名直到永遠</a:t>
             </a:r>
+          </a:p>
+        </p:txBody>
+      </p:sp>
+    </p:spTree>
+  </p:cSld>
+  <p:clrMapOvr>
+    <a:masterClrMapping/>
+  </p:clrMapOvr>
+  <p:timing>
+    <p:tnLst>
+      <p:par>
+        <p:cTn id="1" dur="indefinite" restart="never" nodeType="tmRoot"/>
+      </p:par>
+    </p:tnLst>
+  </p:timing>
+</p:sld>
+</file>
+
+<file path=ppt/slides/slide4.xml><?xml version="1.0" encoding="utf-8"?>
+<p:sld xmlns:a="http://schemas.openxmlformats.org/drawingml/2006/main" xmlns:r="http://schemas.openxmlformats.org/officeDocument/2006/relationships" xmlns:p="http://schemas.openxmlformats.org/presentationml/2006/main">
+  <p:cSld>
+    <p:spTree>
+      <p:nvGrpSpPr>
+        <p:cNvPr id="1" name=""/>
+        <p:cNvGrpSpPr/>
+        <p:nvPr/>
+      </p:nvGrpSpPr>
+      <p:grpSpPr>
+        <a:xfrm>
+          <a:off x="0" y="0"/>
+          <a:ext cx="0" cy="0"/>
+          <a:chOff x="0" y="0"/>
+          <a:chExt cx="0" cy="0"/>
+        </a:xfrm>
+      </p:grpSpPr>
+      <p:sp>
+        <p:nvSpPr>
+          <p:cNvPr id="4" name="標題 3"/>
+          <p:cNvSpPr>
+            <a:spLocks noGrp="1"/>
+          </p:cNvSpPr>
+          <p:nvPr>
+            <p:ph type="title"/>
+          </p:nvPr>
+        </p:nvSpPr>
+        <p:spPr/>
+        <p:txBody>
+          <a:bodyPr>
+            <a:normAutofit/>
+          </a:bodyPr>
+          <a:lstStyle/>
+          <a:p>
+            <a:r>
+              <a:rPr lang="zh-TW" altLang="en-US" b="1" dirty="0">
+                <a:solidFill>
+                  <a:srgbClr val="660033"/>
+                </a:solidFill>
+                <a:latin typeface="微軟正黑體" pitchFamily="34" charset="-120"/>
+                <a:ea typeface="微軟正黑體" pitchFamily="34" charset="-120"/>
+              </a:rPr>
+              <a:t>坐在寶座上聖潔</a:t>
+            </a:r>
+            <a:r>
+              <a:rPr lang="zh-TW" altLang="en-US" b="1" dirty="0" smtClean="0">
+                <a:solidFill>
+                  <a:srgbClr val="660033"/>
+                </a:solidFill>
+                <a:latin typeface="微軟正黑體" pitchFamily="34" charset="-120"/>
+                <a:ea typeface="微軟正黑體" pitchFamily="34" charset="-120"/>
+              </a:rPr>
+              <a:t>羔羊</a:t>
+            </a:r>
+            <a:endParaRPr lang="zh-TW" altLang="en-US" b="1" dirty="0">
+              <a:solidFill>
+                <a:srgbClr val="660033"/>
+              </a:solidFill>
+              <a:latin typeface="微軟正黑體" pitchFamily="34" charset="-120"/>
+              <a:ea typeface="微軟正黑體" pitchFamily="34" charset="-120"/>
+            </a:endParaRPr>
+          </a:p>
+        </p:txBody>
+      </p:sp>
+      <p:sp>
+        <p:nvSpPr>
+          <p:cNvPr id="5" name="內容版面配置區 4"/>
+          <p:cNvSpPr>
+            <a:spLocks noGrp="1"/>
+          </p:cNvSpPr>
+          <p:nvPr>
+            <p:ph idx="1"/>
+          </p:nvPr>
+        </p:nvSpPr>
+        <p:spPr/>
+        <p:txBody>
+          <a:bodyPr>
+            <a:normAutofit/>
+          </a:bodyPr>
+          <a:lstStyle/>
+          <a:p>
+            <a:pPr algn="ctr">
+              <a:buNone/>
+            </a:pPr>
+            <a:r>
+              <a:rPr lang="zh-TW" altLang="en-US" sz="5400" b="1" dirty="0">
+                <a:solidFill>
+                  <a:srgbClr val="660033"/>
+                </a:solidFill>
+                <a:latin typeface="微軟正黑體" pitchFamily="34" charset="-120"/>
+                <a:ea typeface="微軟正黑體" pitchFamily="34" charset="-120"/>
+              </a:rPr>
+              <a:t>坐在寶座上聖潔羔羊</a:t>
+            </a:r>
+          </a:p>
+          <a:p>
+            <a:pPr algn="ctr">
+              <a:buNone/>
+            </a:pPr>
+            <a:r>
+              <a:rPr lang="zh-TW" altLang="en-US" sz="5400" b="1" dirty="0">
+                <a:solidFill>
+                  <a:srgbClr val="660033"/>
+                </a:solidFill>
+                <a:latin typeface="微軟正黑體" pitchFamily="34" charset="-120"/>
+                <a:ea typeface="微軟正黑體" pitchFamily="34" charset="-120"/>
+              </a:rPr>
+              <a:t>我們俯伏敬拜你</a:t>
+            </a:r>
+          </a:p>
+          <a:p>
+            <a:pPr algn="ctr">
+              <a:buNone/>
+            </a:pPr>
+            <a:r>
+              <a:rPr lang="zh-TW" altLang="en-US" sz="5400" b="1" dirty="0">
+                <a:solidFill>
+                  <a:srgbClr val="660033"/>
+                </a:solidFill>
+                <a:latin typeface="微軟正黑體" pitchFamily="34" charset="-120"/>
+                <a:ea typeface="微軟正黑體" pitchFamily="34" charset="-120"/>
+              </a:rPr>
+              <a:t>昔在 今在以後永在</a:t>
+            </a:r>
+          </a:p>
+          <a:p>
+            <a:pPr algn="ctr">
+              <a:buNone/>
+            </a:pPr>
+            <a:r>
+              <a:rPr lang="zh-TW" altLang="en-US" sz="5400" b="1" dirty="0">
+                <a:solidFill>
+                  <a:srgbClr val="660033"/>
+                </a:solidFill>
+                <a:latin typeface="微軟正黑體" pitchFamily="34" charset="-120"/>
+                <a:ea typeface="微軟正黑體" pitchFamily="34" charset="-120"/>
+              </a:rPr>
+              <a:t>唯有你是全能真神</a:t>
+            </a:r>
+          </a:p>
+        </p:txBody>
+      </p:sp>
+    </p:spTree>
+  </p:cSld>
+  <p:clrMapOvr>
+    <a:masterClrMapping/>
+  </p:clrMapOvr>
+  <p:timing>
+    <p:tnLst>
+      <p:par>
+        <p:cTn id="1" dur="indefinite" restart="never" nodeType="tmRoot"/>
+      </p:par>
+    </p:tnLst>
+  </p:timing>
+</p:sld>
+</file>
+
+<file path=ppt/slides/slide5.xml><?xml version="1.0" encoding="utf-8"?>
+<p:sld xmlns:a="http://schemas.openxmlformats.org/drawingml/2006/main" xmlns:r="http://schemas.openxmlformats.org/officeDocument/2006/relationships" xmlns:p="http://schemas.openxmlformats.org/presentationml/2006/main">
+  <p:cSld>
+    <p:spTree>
+      <p:nvGrpSpPr>
+        <p:cNvPr id="1" name=""/>
+        <p:cNvGrpSpPr/>
+        <p:nvPr/>
+      </p:nvGrpSpPr>
+      <p:grpSpPr>
+        <a:xfrm>
+          <a:off x="0" y="0"/>
+          <a:ext cx="0" cy="0"/>
+          <a:chOff x="0" y="0"/>
+          <a:chExt cx="0" cy="0"/>
+        </a:xfrm>
+      </p:grpSpPr>
+      <p:sp>
+        <p:nvSpPr>
+          <p:cNvPr id="4" name="標題 3"/>
+          <p:cNvSpPr>
+            <a:spLocks noGrp="1"/>
+          </p:cNvSpPr>
+          <p:nvPr>
+            <p:ph type="title"/>
+          </p:nvPr>
+        </p:nvSpPr>
+        <p:spPr/>
+        <p:txBody>
+          <a:bodyPr>
+            <a:normAutofit/>
+          </a:bodyPr>
+          <a:lstStyle/>
+          <a:p>
+            <a:r>
+              <a:rPr lang="zh-TW" altLang="en-US" b="1" dirty="0">
+                <a:solidFill>
+                  <a:srgbClr val="660033"/>
+                </a:solidFill>
+                <a:latin typeface="微軟正黑體" pitchFamily="34" charset="-120"/>
+                <a:ea typeface="微軟正黑體" pitchFamily="34" charset="-120"/>
+              </a:rPr>
+              <a:t>坐在寶座上聖潔</a:t>
+            </a:r>
+            <a:r>
+              <a:rPr lang="zh-TW" altLang="en-US" b="1" dirty="0" smtClean="0">
+                <a:solidFill>
+                  <a:srgbClr val="660033"/>
+                </a:solidFill>
+                <a:latin typeface="微軟正黑體" pitchFamily="34" charset="-120"/>
+                <a:ea typeface="微軟正黑體" pitchFamily="34" charset="-120"/>
+              </a:rPr>
+              <a:t>羔羊</a:t>
+            </a:r>
+            <a:endParaRPr lang="zh-TW" altLang="en-US" b="1" dirty="0">
+              <a:solidFill>
+                <a:srgbClr val="660033"/>
+              </a:solidFill>
+              <a:latin typeface="微軟正黑體" pitchFamily="34" charset="-120"/>
+              <a:ea typeface="微軟正黑體" pitchFamily="34" charset="-120"/>
+            </a:endParaRPr>
+          </a:p>
+        </p:txBody>
+      </p:sp>
+      <p:sp>
+        <p:nvSpPr>
+          <p:cNvPr id="5" name="內容版面配置區 4"/>
+          <p:cNvSpPr>
+            <a:spLocks noGrp="1"/>
+          </p:cNvSpPr>
+          <p:nvPr>
+            <p:ph idx="1"/>
+          </p:nvPr>
+        </p:nvSpPr>
+        <p:spPr/>
+        <p:txBody>
+          <a:bodyPr>
+            <a:normAutofit/>
+          </a:bodyPr>
+          <a:lstStyle/>
+          <a:p>
+            <a:pPr algn="ctr">
+              <a:buNone/>
+            </a:pPr>
+            <a:r>
+              <a:rPr lang="zh-TW" altLang="en-US" sz="5400" b="1" dirty="0">
+                <a:solidFill>
+                  <a:srgbClr val="660033"/>
+                </a:solidFill>
+                <a:latin typeface="微軟正黑體" pitchFamily="34" charset="-120"/>
+                <a:ea typeface="微軟正黑體" pitchFamily="34" charset="-120"/>
+              </a:rPr>
+              <a:t>坐在寶座</a:t>
+            </a:r>
+            <a:r>
+              <a:rPr lang="zh-TW" altLang="en-US" sz="5400" b="1" dirty="0" smtClean="0">
+                <a:solidFill>
+                  <a:srgbClr val="660033"/>
+                </a:solidFill>
+                <a:latin typeface="微軟正黑體" pitchFamily="34" charset="-120"/>
+                <a:ea typeface="微軟正黑體" pitchFamily="34" charset="-120"/>
+              </a:rPr>
+              <a:t>上</a:t>
+            </a:r>
+            <a:r>
+              <a:rPr lang="zh-CN" altLang="en-US" sz="5400" b="1" dirty="0" smtClean="0">
+                <a:solidFill>
+                  <a:srgbClr val="660033"/>
+                </a:solidFill>
+                <a:latin typeface="微軟正黑體" pitchFamily="34" charset="-120"/>
+                <a:ea typeface="微軟正黑體" pitchFamily="34" charset="-120"/>
+              </a:rPr>
+              <a:t>尊貴</a:t>
+            </a:r>
+            <a:r>
+              <a:rPr lang="zh-TW" altLang="en-US" sz="5400" b="1" dirty="0" smtClean="0">
+                <a:solidFill>
+                  <a:srgbClr val="660033"/>
+                </a:solidFill>
+                <a:latin typeface="微軟正黑體" pitchFamily="34" charset="-120"/>
+                <a:ea typeface="微軟正黑體" pitchFamily="34" charset="-120"/>
+              </a:rPr>
+              <a:t>羔羊</a:t>
+            </a:r>
+            <a:endParaRPr lang="zh-TW" altLang="en-US" sz="5400" b="1" dirty="0">
+              <a:solidFill>
+                <a:srgbClr val="660033"/>
+              </a:solidFill>
+              <a:latin typeface="微軟正黑體" pitchFamily="34" charset="-120"/>
+              <a:ea typeface="微軟正黑體" pitchFamily="34" charset="-120"/>
+            </a:endParaRPr>
+          </a:p>
+          <a:p>
+            <a:pPr algn="ctr">
+              <a:buNone/>
+            </a:pPr>
+            <a:r>
+              <a:rPr lang="zh-TW" altLang="en-US" sz="5400" b="1" dirty="0">
+                <a:solidFill>
+                  <a:srgbClr val="660033"/>
+                </a:solidFill>
+                <a:latin typeface="微軟正黑體" pitchFamily="34" charset="-120"/>
+                <a:ea typeface="微軟正黑體" pitchFamily="34" charset="-120"/>
+              </a:rPr>
+              <a:t>我們俯伏敬拜你</a:t>
+            </a:r>
+          </a:p>
+          <a:p>
+            <a:pPr algn="ctr">
+              <a:buNone/>
+            </a:pPr>
+            <a:r>
+              <a:rPr lang="zh-TW" altLang="en-US" sz="5400" b="1" dirty="0">
+                <a:solidFill>
+                  <a:srgbClr val="660033"/>
+                </a:solidFill>
+                <a:latin typeface="微軟正黑體" pitchFamily="34" charset="-120"/>
+                <a:ea typeface="微軟正黑體" pitchFamily="34" charset="-120"/>
+              </a:rPr>
+              <a:t>頌讚 尊貴榮耀權勢</a:t>
+            </a:r>
+          </a:p>
+          <a:p>
+            <a:pPr algn="ctr">
+              <a:buNone/>
+            </a:pPr>
+            <a:r>
+              <a:rPr lang="zh-TW" altLang="en-US" sz="5400" b="1" dirty="0">
+                <a:solidFill>
+                  <a:srgbClr val="660033"/>
+                </a:solidFill>
+                <a:latin typeface="微軟正黑體" pitchFamily="34" charset="-120"/>
+                <a:ea typeface="微軟正黑體" pitchFamily="34" charset="-120"/>
+              </a:rPr>
+              <a:t>都歸給你直到永遠</a:t>
+            </a:r>
+          </a:p>
+        </p:txBody>
+      </p:sp>
+    </p:spTree>
+  </p:cSld>
+  <p:clrMapOvr>
+    <a:masterClrMapping/>
+  </p:clrMapOvr>
+  <p:timing>
+    <p:tnLst>
+      <p:par>
+        <p:cTn id="1" dur="indefinite" restart="never" nodeType="tmRoot"/>
+      </p:par>
+    </p:tnLst>
+  </p:timing>
+</p:sld>
+</file>
+
+<file path=ppt/slides/slide6.xml><?xml version="1.0" encoding="utf-8"?>
+<p:sld xmlns:a="http://schemas.openxmlformats.org/drawingml/2006/main" xmlns:r="http://schemas.openxmlformats.org/officeDocument/2006/relationships" xmlns:p="http://schemas.openxmlformats.org/presentationml/2006/main">
+  <p:cSld>
+    <p:spTree>
+      <p:nvGrpSpPr>
+        <p:cNvPr id="1" name=""/>
+        <p:cNvGrpSpPr/>
+        <p:nvPr/>
+      </p:nvGrpSpPr>
+      <p:grpSpPr>
+        <a:xfrm>
+          <a:off x="0" y="0"/>
+          <a:ext cx="0" cy="0"/>
+          <a:chOff x="0" y="0"/>
+          <a:chExt cx="0" cy="0"/>
+        </a:xfrm>
+      </p:grpSpPr>
+      <p:sp>
+        <p:nvSpPr>
+          <p:cNvPr id="4" name="標題 3"/>
+          <p:cNvSpPr>
+            <a:spLocks noGrp="1"/>
+          </p:cNvSpPr>
+          <p:nvPr>
+            <p:ph type="title"/>
+          </p:nvPr>
+        </p:nvSpPr>
+        <p:spPr/>
+        <p:txBody>
+          <a:bodyPr>
+            <a:normAutofit/>
+          </a:bodyPr>
+          <a:lstStyle/>
+          <a:p>
+            <a:r>
+              <a:rPr lang="zh-TW" altLang="en-US" b="1" dirty="0">
+                <a:solidFill>
+                  <a:srgbClr val="660033"/>
+                </a:solidFill>
+                <a:latin typeface="微軟正黑體" pitchFamily="34" charset="-120"/>
+                <a:ea typeface="微軟正黑體" pitchFamily="34" charset="-120"/>
+              </a:rPr>
+              <a:t>坐在寶座上聖潔</a:t>
+            </a:r>
+            <a:r>
+              <a:rPr lang="zh-TW" altLang="en-US" b="1" dirty="0" smtClean="0">
+                <a:solidFill>
+                  <a:srgbClr val="660033"/>
+                </a:solidFill>
+                <a:latin typeface="微軟正黑體" pitchFamily="34" charset="-120"/>
+                <a:ea typeface="微軟正黑體" pitchFamily="34" charset="-120"/>
+              </a:rPr>
+              <a:t>羔羊</a:t>
+            </a:r>
+            <a:endParaRPr lang="zh-TW" altLang="en-US" b="1" dirty="0">
+              <a:solidFill>
+                <a:srgbClr val="660033"/>
+              </a:solidFill>
+              <a:latin typeface="微軟正黑體" pitchFamily="34" charset="-120"/>
+              <a:ea typeface="微軟正黑體" pitchFamily="34" charset="-120"/>
+            </a:endParaRPr>
+          </a:p>
+        </p:txBody>
+      </p:sp>
+      <p:sp>
+        <p:nvSpPr>
+          <p:cNvPr id="5" name="內容版面配置區 4"/>
+          <p:cNvSpPr>
+            <a:spLocks noGrp="1"/>
+          </p:cNvSpPr>
+          <p:nvPr>
+            <p:ph idx="1"/>
+          </p:nvPr>
+        </p:nvSpPr>
+        <p:spPr/>
+        <p:txBody>
+          <a:bodyPr>
+            <a:normAutofit/>
+          </a:bodyPr>
+          <a:lstStyle/>
+          <a:p>
+            <a:pPr algn="ctr">
+              <a:buNone/>
+            </a:pPr>
+            <a:r>
+              <a:rPr lang="zh-TW" altLang="en-US" sz="5400" b="1" dirty="0">
+                <a:solidFill>
+                  <a:srgbClr val="660033"/>
+                </a:solidFill>
+                <a:latin typeface="微軟正黑體" pitchFamily="34" charset="-120"/>
+                <a:ea typeface="微軟正黑體" pitchFamily="34" charset="-120"/>
+              </a:rPr>
+              <a:t>萬王之王 萬主之主</a:t>
+            </a:r>
+          </a:p>
+          <a:p>
+            <a:pPr algn="ctr">
+              <a:buNone/>
+            </a:pPr>
+            <a:r>
+              <a:rPr lang="zh-TW" altLang="en-US" sz="5400" b="1" dirty="0">
+                <a:solidFill>
+                  <a:srgbClr val="660033"/>
+                </a:solidFill>
+                <a:latin typeface="微軟正黑體" pitchFamily="34" charset="-120"/>
+                <a:ea typeface="微軟正黑體" pitchFamily="34" charset="-120"/>
+              </a:rPr>
+              <a:t>唯有你配</a:t>
+            </a:r>
+            <a:r>
+              <a:rPr lang="zh-TW" altLang="en-US" sz="5400" b="1" dirty="0" smtClean="0">
+                <a:solidFill>
+                  <a:srgbClr val="660033"/>
+                </a:solidFill>
+                <a:latin typeface="微軟正黑體" pitchFamily="34" charset="-120"/>
+                <a:ea typeface="微軟正黑體" pitchFamily="34" charset="-120"/>
+              </a:rPr>
+              <a:t>得</a:t>
+            </a:r>
+            <a:r>
+              <a:rPr lang="zh-CN" altLang="en-US" sz="5400" b="1" dirty="0" smtClean="0">
+                <a:solidFill>
+                  <a:srgbClr val="660033"/>
+                </a:solidFill>
+                <a:latin typeface="微軟正黑體" pitchFamily="34" charset="-120"/>
+                <a:ea typeface="微軟正黑體" pitchFamily="34" charset="-120"/>
+              </a:rPr>
+              <a:t>敬拜</a:t>
+            </a:r>
+            <a:r>
+              <a:rPr lang="zh-TW" altLang="en-US" sz="5400" b="1" dirty="0" smtClean="0">
+                <a:solidFill>
+                  <a:srgbClr val="660033"/>
+                </a:solidFill>
+                <a:latin typeface="微軟正黑體" pitchFamily="34" charset="-120"/>
+                <a:ea typeface="微軟正黑體" pitchFamily="34" charset="-120"/>
+              </a:rPr>
+              <a:t>和尊崇</a:t>
+            </a:r>
+            <a:endParaRPr lang="zh-TW" altLang="en-US" sz="5400" b="1" dirty="0">
+              <a:solidFill>
+                <a:srgbClr val="660033"/>
+              </a:solidFill>
+              <a:latin typeface="微軟正黑體" pitchFamily="34" charset="-120"/>
+              <a:ea typeface="微軟正黑體" pitchFamily="34" charset="-120"/>
+            </a:endParaRPr>
+          </a:p>
+          <a:p>
+            <a:pPr algn="ctr">
+              <a:buNone/>
+            </a:pPr>
+            <a:r>
+              <a:rPr lang="zh-TW" altLang="en-US" sz="5400" b="1" dirty="0">
+                <a:solidFill>
+                  <a:srgbClr val="660033"/>
+                </a:solidFill>
+                <a:latin typeface="微軟正黑體" pitchFamily="34" charset="-120"/>
+                <a:ea typeface="微軟正黑體" pitchFamily="34" charset="-120"/>
+              </a:rPr>
+              <a:t>萬王之王 萬主之主</a:t>
+            </a:r>
+          </a:p>
+          <a:p>
+            <a:pPr algn="ctr">
+              <a:buNone/>
+            </a:pPr>
+            <a:r>
+              <a:rPr lang="zh-TW" altLang="en-US" sz="5400" b="1" dirty="0">
+                <a:solidFill>
+                  <a:srgbClr val="660033"/>
+                </a:solidFill>
+                <a:latin typeface="微軟正黑體" pitchFamily="34" charset="-120"/>
+                <a:ea typeface="微軟正黑體" pitchFamily="34" charset="-120"/>
+              </a:rPr>
+              <a:t>我們高舉你聖名直到永遠</a:t>
+            </a:r>
+          </a:p>
+        </p:txBody>
+      </p:sp>
+    </p:spTree>
+  </p:cSld>
+  <p:clrMapOvr>
+    <a:masterClrMapping/>
+  </p:clrMapOvr>
+  <p:timing>
+    <p:tnLst>
+      <p:par>
+        <p:cTn id="1" dur="indefinite" restart="never" nodeType="tmRoot"/>
+      </p:par>
+    </p:tnLst>
+  </p:timing>
+</p:sld>
+</file>
+
+<file path=ppt/slides/slide7.xml><?xml version="1.0" encoding="utf-8"?>
+<p:sld xmlns:a="http://schemas.openxmlformats.org/drawingml/2006/main" xmlns:r="http://schemas.openxmlformats.org/officeDocument/2006/relationships" xmlns:p="http://schemas.openxmlformats.org/presentationml/2006/main">
+  <p:cSld>
+    <p:spTree>
+      <p:nvGrpSpPr>
+        <p:cNvPr id="1" name=""/>
+        <p:cNvGrpSpPr/>
+        <p:nvPr/>
+      </p:nvGrpSpPr>
+      <p:grpSpPr>
+        <a:xfrm>
+          <a:off x="0" y="0"/>
+          <a:ext cx="0" cy="0"/>
+          <a:chOff x="0" y="0"/>
+          <a:chExt cx="0" cy="0"/>
+        </a:xfrm>
+      </p:grpSpPr>
+      <p:sp>
+        <p:nvSpPr>
+          <p:cNvPr id="4" name="標題 3"/>
+          <p:cNvSpPr>
+            <a:spLocks noGrp="1"/>
+          </p:cNvSpPr>
+          <p:nvPr>
+            <p:ph type="title"/>
+          </p:nvPr>
+        </p:nvSpPr>
+        <p:spPr/>
+        <p:txBody>
+          <a:bodyPr>
+            <a:normAutofit/>
+          </a:bodyPr>
+          <a:lstStyle/>
+          <a:p>
+            <a:r>
+              <a:rPr lang="zh-TW" altLang="en-US" b="1" dirty="0">
+                <a:solidFill>
+                  <a:srgbClr val="660033"/>
+                </a:solidFill>
+                <a:latin typeface="微軟正黑體" pitchFamily="34" charset="-120"/>
+                <a:ea typeface="微軟正黑體" pitchFamily="34" charset="-120"/>
+              </a:rPr>
+              <a:t>坐在寶座上聖潔</a:t>
+            </a:r>
+            <a:r>
+              <a:rPr lang="zh-TW" altLang="en-US" b="1" dirty="0" smtClean="0">
+                <a:solidFill>
+                  <a:srgbClr val="660033"/>
+                </a:solidFill>
+                <a:latin typeface="微軟正黑體" pitchFamily="34" charset="-120"/>
+                <a:ea typeface="微軟正黑體" pitchFamily="34" charset="-120"/>
+              </a:rPr>
+              <a:t>羔羊</a:t>
+            </a:r>
+            <a:endParaRPr lang="zh-TW" altLang="en-US" b="1" dirty="0">
+              <a:solidFill>
+                <a:srgbClr val="660033"/>
+              </a:solidFill>
+              <a:latin typeface="微軟正黑體" pitchFamily="34" charset="-120"/>
+              <a:ea typeface="微軟正黑體" pitchFamily="34" charset="-120"/>
+            </a:endParaRPr>
+          </a:p>
+        </p:txBody>
+      </p:sp>
+      <p:sp>
+        <p:nvSpPr>
+          <p:cNvPr id="5" name="內容版面配置區 4"/>
+          <p:cNvSpPr>
+            <a:spLocks noGrp="1"/>
+          </p:cNvSpPr>
+          <p:nvPr>
+            <p:ph idx="1"/>
+          </p:nvPr>
+        </p:nvSpPr>
+        <p:spPr/>
+        <p:txBody>
+          <a:bodyPr>
+            <a:normAutofit/>
+          </a:bodyPr>
+          <a:lstStyle/>
+          <a:p>
+            <a:pPr algn="ctr">
+              <a:buNone/>
+            </a:pPr>
+            <a:r>
+              <a:rPr lang="zh-TW" altLang="en-US" sz="5400" b="1" dirty="0">
+                <a:solidFill>
+                  <a:srgbClr val="660033"/>
+                </a:solidFill>
+                <a:latin typeface="微軟正黑體" pitchFamily="34" charset="-120"/>
+                <a:ea typeface="微軟正黑體" pitchFamily="34" charset="-120"/>
+              </a:rPr>
+              <a:t>萬王之王 萬主之主</a:t>
+            </a:r>
+          </a:p>
+          <a:p>
+            <a:pPr algn="ctr">
+              <a:buNone/>
+            </a:pPr>
+            <a:r>
+              <a:rPr lang="zh-TW" altLang="en-US" sz="5400" b="1" dirty="0">
+                <a:solidFill>
+                  <a:srgbClr val="660033"/>
+                </a:solidFill>
+                <a:latin typeface="微軟正黑體" pitchFamily="34" charset="-120"/>
+                <a:ea typeface="微軟正黑體" pitchFamily="34" charset="-120"/>
+              </a:rPr>
+              <a:t>唯有你配</a:t>
+            </a:r>
+            <a:r>
+              <a:rPr lang="zh-TW" altLang="en-US" sz="5400" b="1" dirty="0" smtClean="0">
+                <a:solidFill>
+                  <a:srgbClr val="660033"/>
+                </a:solidFill>
+                <a:latin typeface="微軟正黑體" pitchFamily="34" charset="-120"/>
+                <a:ea typeface="微軟正黑體" pitchFamily="34" charset="-120"/>
+              </a:rPr>
+              <a:t>得</a:t>
+            </a:r>
+            <a:r>
+              <a:rPr lang="zh-CN" altLang="en-US" sz="5400" b="1" dirty="0" smtClean="0">
+                <a:solidFill>
+                  <a:srgbClr val="660033"/>
+                </a:solidFill>
+                <a:latin typeface="微軟正黑體" pitchFamily="34" charset="-120"/>
+                <a:ea typeface="微軟正黑體" pitchFamily="34" charset="-120"/>
+              </a:rPr>
+              <a:t>敬拜</a:t>
+            </a:r>
+            <a:r>
+              <a:rPr lang="zh-TW" altLang="en-US" sz="5400" b="1" dirty="0" smtClean="0">
+                <a:solidFill>
+                  <a:srgbClr val="660033"/>
+                </a:solidFill>
+                <a:latin typeface="微軟正黑體" pitchFamily="34" charset="-120"/>
+                <a:ea typeface="微軟正黑體" pitchFamily="34" charset="-120"/>
+              </a:rPr>
+              <a:t>和尊崇</a:t>
+            </a:r>
+            <a:endParaRPr lang="zh-TW" altLang="en-US" sz="5400" b="1" dirty="0">
+              <a:solidFill>
+                <a:srgbClr val="660033"/>
+              </a:solidFill>
+              <a:latin typeface="微軟正黑體" pitchFamily="34" charset="-120"/>
+              <a:ea typeface="微軟正黑體" pitchFamily="34" charset="-120"/>
+            </a:endParaRPr>
+          </a:p>
+          <a:p>
+            <a:pPr algn="ctr">
+              <a:buNone/>
+            </a:pPr>
+            <a:r>
+              <a:rPr lang="zh-TW" altLang="en-US" sz="5400" b="1" dirty="0">
+                <a:solidFill>
+                  <a:srgbClr val="660033"/>
+                </a:solidFill>
+                <a:latin typeface="微軟正黑體" pitchFamily="34" charset="-120"/>
+                <a:ea typeface="微軟正黑體" pitchFamily="34" charset="-120"/>
+              </a:rPr>
+              <a:t>萬王之王 萬主之主</a:t>
+            </a:r>
+          </a:p>
+          <a:p>
+            <a:pPr algn="ctr">
+              <a:buNone/>
+            </a:pPr>
+            <a:r>
+              <a:rPr lang="zh-TW" altLang="en-US" sz="5400" b="1" dirty="0">
+                <a:solidFill>
+                  <a:srgbClr val="660033"/>
+                </a:solidFill>
+                <a:latin typeface="微軟正黑體" pitchFamily="34" charset="-120"/>
+                <a:ea typeface="微軟正黑體" pitchFamily="34" charset="-120"/>
+              </a:rPr>
+              <a:t>我們高舉你聖名直到永遠</a:t>
+            </a:r>
+          </a:p>
+        </p:txBody>
+      </p:sp>
+    </p:spTree>
+  </p:cSld>
+  <p:clrMapOvr>
+    <a:masterClrMapping/>
+  </p:clrMapOvr>
+  <p:timing>
+    <p:tnLst>
+      <p:par>
+        <p:cTn id="1" dur="indefinite" restart="never" nodeType="tmRoot"/>
+      </p:par>
+    </p:tnLst>
+  </p:timing>
+</p:sld>
+</file>
+
+<file path=ppt/slides/slide8.xml><?xml version="1.0" encoding="utf-8"?>
+<p:sld xmlns:a="http://schemas.openxmlformats.org/drawingml/2006/main" xmlns:r="http://schemas.openxmlformats.org/officeDocument/2006/relationships" xmlns:p="http://schemas.openxmlformats.org/presentationml/2006/main">
+  <p:cSld>
+    <p:spTree>
+      <p:nvGrpSpPr>
+        <p:cNvPr id="1" name=""/>
+        <p:cNvGrpSpPr/>
+        <p:nvPr/>
+      </p:nvGrpSpPr>
+      <p:grpSpPr>
+        <a:xfrm>
+          <a:off x="0" y="0"/>
+          <a:ext cx="0" cy="0"/>
+          <a:chOff x="0" y="0"/>
+          <a:chExt cx="0" cy="0"/>
+        </a:xfrm>
+      </p:grpSpPr>
+      <p:sp>
+        <p:nvSpPr>
+          <p:cNvPr id="4" name="標題 3"/>
+          <p:cNvSpPr>
+            <a:spLocks noGrp="1"/>
+          </p:cNvSpPr>
+          <p:nvPr>
+            <p:ph type="title"/>
+          </p:nvPr>
+        </p:nvSpPr>
+        <p:spPr/>
+        <p:txBody>
+          <a:bodyPr>
+            <a:normAutofit/>
+          </a:bodyPr>
+          <a:lstStyle/>
+          <a:p>
+            <a:r>
+              <a:rPr lang="zh-TW" altLang="en-US" b="1" dirty="0">
+                <a:solidFill>
+                  <a:srgbClr val="660033"/>
+                </a:solidFill>
+                <a:latin typeface="微軟正黑體" pitchFamily="34" charset="-120"/>
+                <a:ea typeface="微軟正黑體" pitchFamily="34" charset="-120"/>
+              </a:rPr>
+              <a:t>坐在寶座上聖潔</a:t>
+            </a:r>
+            <a:r>
+              <a:rPr lang="zh-TW" altLang="en-US" b="1" dirty="0" smtClean="0">
+                <a:solidFill>
+                  <a:srgbClr val="660033"/>
+                </a:solidFill>
+                <a:latin typeface="微軟正黑體" pitchFamily="34" charset="-120"/>
+                <a:ea typeface="微軟正黑體" pitchFamily="34" charset="-120"/>
+              </a:rPr>
+              <a:t>羔羊</a:t>
+            </a:r>
+            <a:endParaRPr lang="zh-TW" altLang="en-US" b="1" dirty="0">
+              <a:solidFill>
+                <a:srgbClr val="660033"/>
+              </a:solidFill>
+              <a:latin typeface="微軟正黑體" pitchFamily="34" charset="-120"/>
+              <a:ea typeface="微軟正黑體" pitchFamily="34" charset="-120"/>
+            </a:endParaRPr>
+          </a:p>
+        </p:txBody>
+      </p:sp>
+      <p:sp>
+        <p:nvSpPr>
+          <p:cNvPr id="5" name="內容版面配置區 4"/>
+          <p:cNvSpPr>
+            <a:spLocks noGrp="1"/>
+          </p:cNvSpPr>
+          <p:nvPr>
+            <p:ph idx="1"/>
+          </p:nvPr>
+        </p:nvSpPr>
+        <p:spPr/>
+        <p:txBody>
+          <a:bodyPr>
+            <a:normAutofit/>
+          </a:bodyPr>
+          <a:lstStyle/>
+          <a:p>
+            <a:pPr algn="ctr">
+              <a:buNone/>
+            </a:pPr>
+            <a:endParaRPr lang="en-US" altLang="zh-TW" sz="5400" b="1" dirty="0" smtClean="0">
+              <a:solidFill>
+                <a:srgbClr val="660033"/>
+              </a:solidFill>
+              <a:latin typeface="微軟正黑體" pitchFamily="34" charset="-120"/>
+              <a:ea typeface="微軟正黑體" pitchFamily="34" charset="-120"/>
+            </a:endParaRPr>
+          </a:p>
+          <a:p>
+            <a:pPr algn="ctr">
+              <a:buNone/>
+            </a:pPr>
+            <a:r>
+              <a:rPr lang="zh-TW" altLang="en-US" sz="5400" b="1" dirty="0" smtClean="0">
+                <a:solidFill>
+                  <a:srgbClr val="660033"/>
+                </a:solidFill>
+                <a:latin typeface="微軟正黑體" pitchFamily="34" charset="-120"/>
+                <a:ea typeface="微軟正黑體" pitchFamily="34" charset="-120"/>
+              </a:rPr>
+              <a:t>我們</a:t>
+            </a:r>
+            <a:r>
+              <a:rPr lang="zh-TW" altLang="en-US" sz="5400" b="1" dirty="0">
+                <a:solidFill>
+                  <a:srgbClr val="660033"/>
+                </a:solidFill>
+                <a:latin typeface="微軟正黑體" pitchFamily="34" charset="-120"/>
+                <a:ea typeface="微軟正黑體" pitchFamily="34" charset="-120"/>
+              </a:rPr>
+              <a:t>高舉你</a:t>
+            </a:r>
+            <a:r>
+              <a:rPr lang="zh-TW" altLang="en-US" sz="5400" b="1" dirty="0" smtClean="0">
+                <a:solidFill>
+                  <a:srgbClr val="660033"/>
+                </a:solidFill>
+                <a:latin typeface="微軟正黑體" pitchFamily="34" charset="-120"/>
+                <a:ea typeface="微軟正黑體" pitchFamily="34" charset="-120"/>
+              </a:rPr>
+              <a:t>聖名</a:t>
+            </a:r>
+            <a:endParaRPr lang="en-US" altLang="zh-TW" sz="5400" b="1" dirty="0" smtClean="0">
+              <a:solidFill>
+                <a:srgbClr val="660033"/>
+              </a:solidFill>
+              <a:latin typeface="微軟正黑體" pitchFamily="34" charset="-120"/>
+              <a:ea typeface="微軟正黑體" pitchFamily="34" charset="-120"/>
+            </a:endParaRPr>
+          </a:p>
+          <a:p>
+            <a:pPr algn="ctr">
+              <a:buNone/>
+            </a:pPr>
+            <a:r>
+              <a:rPr lang="zh-TW" altLang="en-US" sz="5400" b="1" dirty="0" smtClean="0">
+                <a:solidFill>
+                  <a:srgbClr val="660033"/>
+                </a:solidFill>
+                <a:latin typeface="微軟正黑體" pitchFamily="34" charset="-120"/>
+                <a:ea typeface="微軟正黑體" pitchFamily="34" charset="-120"/>
+              </a:rPr>
+              <a:t>直到永遠 </a:t>
+            </a:r>
+            <a:r>
+              <a:rPr lang="en-US" altLang="zh-CN" sz="5400" b="1" dirty="0" smtClean="0">
+                <a:solidFill>
+                  <a:srgbClr val="660033"/>
+                </a:solidFill>
+                <a:latin typeface="微軟正黑體" pitchFamily="34" charset="-120"/>
+                <a:ea typeface="微軟正黑體" pitchFamily="34" charset="-120"/>
+              </a:rPr>
+              <a:t>x2</a:t>
+            </a:r>
+            <a:endParaRPr lang="zh-TW" altLang="en-US" sz="5400" b="1" dirty="0">
+              <a:solidFill>
+                <a:srgbClr val="660033"/>
+              </a:solidFill>
+              <a:latin typeface="微軟正黑體" pitchFamily="34" charset="-120"/>
+              <a:ea typeface="微軟正黑體" pitchFamily="34" charset="-120"/>
+            </a:endParaRPr>
           </a:p>
         </p:txBody>
       </p:sp>
@@ -3842,4 +5240,287 @@
   <a:objectDefaults/>
   <a:extraClrSchemeLst/>
 </a:theme>
+</file>
+
+<file path=ppt/theme/theme2.xml><?xml version="1.0" encoding="utf-8"?>
+<a:theme xmlns:a="http://schemas.openxmlformats.org/drawingml/2006/main" name="Office 佈景主題">
+  <a:themeElements>
+    <a:clrScheme name="Office">
+      <a:dk1>
+        <a:sysClr val="windowText" lastClr="000000"/>
+      </a:dk1>
+      <a:lt1>
+        <a:sysClr val="window" lastClr="FFFFFF"/>
+      </a:lt1>
+      <a:dk2>
+        <a:srgbClr val="1F497D"/>
+      </a:dk2>
+      <a:lt2>
+        <a:srgbClr val="EEECE1"/>
+      </a:lt2>
+      <a:accent1>
+        <a:srgbClr val="4F81BD"/>
+      </a:accent1>
+      <a:accent2>
+        <a:srgbClr val="C0504D"/>
+      </a:accent2>
+      <a:accent3>
+        <a:srgbClr val="9BBB59"/>
+      </a:accent3>
+      <a:accent4>
+        <a:srgbClr val="8064A2"/>
+      </a:accent4>
+      <a:accent5>
+        <a:srgbClr val="4BACC6"/>
+      </a:accent5>
+      <a:accent6>
+        <a:srgbClr val="F79646"/>
+      </a:accent6>
+      <a:hlink>
+        <a:srgbClr val="0000FF"/>
+      </a:hlink>
+      <a:folHlink>
+        <a:srgbClr val="800080"/>
+      </a:folHlink>
+    </a:clrScheme>
+    <a:fontScheme name="Office">
+      <a:majorFont>
+        <a:latin typeface="Calibri"/>
+        <a:ea typeface=""/>
+        <a:cs typeface=""/>
+        <a:font script="Jpan" typeface="ＭＳ Ｐゴシック"/>
+        <a:font script="Hang" typeface="맑은 고딕"/>
+        <a:font script="Hans" typeface="宋体"/>
+        <a:font script="Hant" typeface="新細明體"/>
+        <a:font script="Arab" typeface="Times New Roman"/>
+        <a:font script="Hebr" typeface="Times New Roman"/>
+        <a:font script="Thai" typeface="Angsana New"/>
+        <a:font script="Ethi" typeface="Nyala"/>
+        <a:font script="Beng" typeface="Vrinda"/>
+        <a:font script="Gujr" typeface="Shruti"/>
+        <a:font script="Khmr" typeface="MoolBoran"/>
+        <a:font script="Knda" typeface="Tunga"/>
+        <a:font script="Guru" typeface="Raavi"/>
+        <a:font script="Cans" typeface="Euphemia"/>
+        <a:font script="Cher" typeface="Plantagenet Cherokee"/>
+        <a:font script="Yiii" typeface="Microsoft Yi Baiti"/>
+        <a:font script="Tibt" typeface="Microsoft Himalaya"/>
+        <a:font script="Thaa" typeface="MV Boli"/>
+        <a:font script="Deva" typeface="Mangal"/>
+        <a:font script="Telu" typeface="Gautami"/>
+        <a:font script="Taml" typeface="Latha"/>
+        <a:font script="Syrc" typeface="Estrangelo Edessa"/>
+        <a:font script="Orya" typeface="Kalinga"/>
+        <a:font script="Mlym" typeface="Kartika"/>
+        <a:font script="Laoo" typeface="DokChampa"/>
+        <a:font script="Sinh" typeface="Iskoola Pota"/>
+        <a:font script="Mong" typeface="Mongolian Baiti"/>
+        <a:font script="Viet" typeface="Times New Roman"/>
+        <a:font script="Uigh" typeface="Microsoft Uighur"/>
+      </a:majorFont>
+      <a:minorFont>
+        <a:latin typeface="Calibri"/>
+        <a:ea typeface=""/>
+        <a:cs typeface=""/>
+        <a:font script="Jpan" typeface="ＭＳ Ｐゴシック"/>
+        <a:font script="Hang" typeface="맑은 고딕"/>
+        <a:font script="Hans" typeface="宋体"/>
+        <a:font script="Hant" typeface="新細明體"/>
+        <a:font script="Arab" typeface="Arial"/>
+        <a:font script="Hebr" typeface="Arial"/>
+        <a:font script="Thai" typeface="Cordia New"/>
+        <a:font script="Ethi" typeface="Nyala"/>
+        <a:font script="Beng" typeface="Vrinda"/>
+        <a:font script="Gujr" typeface="Shruti"/>
+        <a:font script="Khmr" typeface="DaunPenh"/>
+        <a:font script="Knda" typeface="Tunga"/>
+        <a:font script="Guru" typeface="Raavi"/>
+        <a:font script="Cans" typeface="Euphemia"/>
+        <a:font script="Cher" typeface="Plantagenet Cherokee"/>
+        <a:font script="Yiii" typeface="Microsoft Yi Baiti"/>
+        <a:font script="Tibt" typeface="Microsoft Himalaya"/>
+        <a:font script="Thaa" typeface="MV Boli"/>
+        <a:font script="Deva" typeface="Mangal"/>
+        <a:font script="Telu" typeface="Gautami"/>
+        <a:font script="Taml" typeface="Latha"/>
+        <a:font script="Syrc" typeface="Estrangelo Edessa"/>
+        <a:font script="Orya" typeface="Kalinga"/>
+        <a:font script="Mlym" typeface="Kartika"/>
+        <a:font script="Laoo" typeface="DokChampa"/>
+        <a:font script="Sinh" typeface="Iskoola Pota"/>
+        <a:font script="Mong" typeface="Mongolian Baiti"/>
+        <a:font script="Viet" typeface="Arial"/>
+        <a:font script="Uigh" typeface="Microsoft Uighur"/>
+      </a:minorFont>
+    </a:fontScheme>
+    <a:fmtScheme name="Office">
+      <a:fillStyleLst>
+        <a:solidFill>
+          <a:schemeClr val="phClr"/>
+        </a:solidFill>
+        <a:gradFill rotWithShape="1">
+          <a:gsLst>
+            <a:gs pos="0">
+              <a:schemeClr val="phClr">
+                <a:tint val="50000"/>
+                <a:satMod val="300000"/>
+              </a:schemeClr>
+            </a:gs>
+            <a:gs pos="35000">
+              <a:schemeClr val="phClr">
+                <a:tint val="37000"/>
+                <a:satMod val="300000"/>
+              </a:schemeClr>
+            </a:gs>
+            <a:gs pos="100000">
+              <a:schemeClr val="phClr">
+                <a:tint val="15000"/>
+                <a:satMod val="350000"/>
+              </a:schemeClr>
+            </a:gs>
+          </a:gsLst>
+          <a:lin ang="16200000" scaled="1"/>
+        </a:gradFill>
+        <a:gradFill rotWithShape="1">
+          <a:gsLst>
+            <a:gs pos="0">
+              <a:schemeClr val="phClr">
+                <a:shade val="51000"/>
+                <a:satMod val="130000"/>
+              </a:schemeClr>
+            </a:gs>
+            <a:gs pos="80000">
+              <a:schemeClr val="phClr">
+                <a:shade val="93000"/>
+                <a:satMod val="130000"/>
+              </a:schemeClr>
+            </a:gs>
+            <a:gs pos="100000">
+              <a:schemeClr val="phClr">
+                <a:shade val="94000"/>
+                <a:satMod val="135000"/>
+              </a:schemeClr>
+            </a:gs>
+          </a:gsLst>
+          <a:lin ang="16200000" scaled="0"/>
+        </a:gradFill>
+      </a:fillStyleLst>
+      <a:lnStyleLst>
+        <a:ln w="9525" cap="flat" cmpd="sng" algn="ctr">
+          <a:solidFill>
+            <a:schemeClr val="phClr">
+              <a:shade val="95000"/>
+              <a:satMod val="105000"/>
+            </a:schemeClr>
+          </a:solidFill>
+          <a:prstDash val="solid"/>
+        </a:ln>
+        <a:ln w="25400" cap="flat" cmpd="sng" algn="ctr">
+          <a:solidFill>
+            <a:schemeClr val="phClr"/>
+          </a:solidFill>
+          <a:prstDash val="solid"/>
+        </a:ln>
+        <a:ln w="38100" cap="flat" cmpd="sng" algn="ctr">
+          <a:solidFill>
+            <a:schemeClr val="phClr"/>
+          </a:solidFill>
+          <a:prstDash val="solid"/>
+        </a:ln>
+      </a:lnStyleLst>
+      <a:effectStyleLst>
+        <a:effectStyle>
+          <a:effectLst>
+            <a:outerShdw blurRad="40000" dist="20000" dir="5400000" rotWithShape="0">
+              <a:srgbClr val="000000">
+                <a:alpha val="38000"/>
+              </a:srgbClr>
+            </a:outerShdw>
+          </a:effectLst>
+        </a:effectStyle>
+        <a:effectStyle>
+          <a:effectLst>
+            <a:outerShdw blurRad="40000" dist="23000" dir="5400000" rotWithShape="0">
+              <a:srgbClr val="000000">
+                <a:alpha val="35000"/>
+              </a:srgbClr>
+            </a:outerShdw>
+          </a:effectLst>
+        </a:effectStyle>
+        <a:effectStyle>
+          <a:effectLst>
+            <a:outerShdw blurRad="40000" dist="23000" dir="5400000" rotWithShape="0">
+              <a:srgbClr val="000000">
+                <a:alpha val="35000"/>
+              </a:srgbClr>
+            </a:outerShdw>
+          </a:effectLst>
+          <a:scene3d>
+            <a:camera prst="orthographicFront">
+              <a:rot lat="0" lon="0" rev="0"/>
+            </a:camera>
+            <a:lightRig rig="threePt" dir="t">
+              <a:rot lat="0" lon="0" rev="1200000"/>
+            </a:lightRig>
+          </a:scene3d>
+          <a:sp3d>
+            <a:bevelT w="63500" h="25400"/>
+          </a:sp3d>
+        </a:effectStyle>
+      </a:effectStyleLst>
+      <a:bgFillStyleLst>
+        <a:solidFill>
+          <a:schemeClr val="phClr"/>
+        </a:solidFill>
+        <a:gradFill rotWithShape="1">
+          <a:gsLst>
+            <a:gs pos="0">
+              <a:schemeClr val="phClr">
+                <a:tint val="40000"/>
+                <a:satMod val="350000"/>
+              </a:schemeClr>
+            </a:gs>
+            <a:gs pos="40000">
+              <a:schemeClr val="phClr">
+                <a:tint val="45000"/>
+                <a:shade val="99000"/>
+                <a:satMod val="350000"/>
+              </a:schemeClr>
+            </a:gs>
+            <a:gs pos="100000">
+              <a:schemeClr val="phClr">
+                <a:shade val="20000"/>
+                <a:satMod val="255000"/>
+              </a:schemeClr>
+            </a:gs>
+          </a:gsLst>
+          <a:path path="circle">
+            <a:fillToRect l="50000" t="-80000" r="50000" b="180000"/>
+          </a:path>
+        </a:gradFill>
+        <a:gradFill rotWithShape="1">
+          <a:gsLst>
+            <a:gs pos="0">
+              <a:schemeClr val="phClr">
+                <a:tint val="80000"/>
+                <a:satMod val="300000"/>
+              </a:schemeClr>
+            </a:gs>
+            <a:gs pos="100000">
+              <a:schemeClr val="phClr">
+                <a:shade val="30000"/>
+                <a:satMod val="200000"/>
+              </a:schemeClr>
+            </a:gs>
+          </a:gsLst>
+          <a:path path="circle">
+            <a:fillToRect l="50000" t="50000" r="50000" b="50000"/>
+          </a:path>
+        </a:gradFill>
+      </a:bgFillStyleLst>
+    </a:fmtScheme>
+  </a:themeElements>
+  <a:objectDefaults/>
+  <a:extraClrSchemeLst/>
+</a:theme>
 </file>
--- a/坐在寶座上聖潔羔羊.pptx
+++ b/坐在寶座上聖潔羔羊.pptx
@@ -17,7 +17,7 @@
     <p:sldId id="271" r:id="rId8"/>
     <p:sldId id="272" r:id="rId9"/>
   </p:sldIdLst>
-  <p:sldSz cx="9144000" cy="6858000" type="screen4x3"/>
+  <p:sldSz cx="9144000" cy="5143500" type="screen16x9"/>
   <p:notesSz cx="6858000" cy="9144000"/>
   <p:defaultTextStyle>
     <a:defPPr>
@@ -200,7 +200,7 @@
             <a:fld id="{007A548E-7098-4CE3-810E-47A3ADCC1150}" type="datetimeFigureOut">
               <a:rPr lang="zh-TW" altLang="en-US" smtClean="0"/>
               <a:pPr/>
-              <a:t>2019/6/28</a:t>
+              <a:t>2019/7/6</a:t>
             </a:fld>
             <a:endParaRPr lang="zh-TW" altLang="en-US"/>
           </a:p>
@@ -218,8 +218,8 @@
         </p:nvSpPr>
         <p:spPr>
           <a:xfrm>
-            <a:off x="1143000" y="685800"/>
-            <a:ext cx="4572000" cy="3429000"/>
+            <a:off x="381000" y="685800"/>
+            <a:ext cx="6096000" cy="3429000"/>
           </a:xfrm>
           <a:prstGeom prst="rect">
             <a:avLst/>
@@ -369,6 +369,11 @@
         </p:txBody>
       </p:sp>
     </p:spTree>
+    <p:extLst>
+      <p:ext uri="{BB962C8B-B14F-4D97-AF65-F5344CB8AC3E}">
+        <p14:creationId xmlns:p14="http://schemas.microsoft.com/office/powerpoint/2010/main" val="2627276766"/>
+      </p:ext>
+    </p:extLst>
   </p:cSld>
   <p:clrMap bg1="lt1" tx1="dk1" bg2="lt2" tx2="dk2" accent1="accent1" accent2="accent2" accent3="accent3" accent4="accent4" accent5="accent5" accent6="accent6" hlink="hlink" folHlink="folHlink"/>
   <p:notesStyle>
@@ -493,7 +498,12 @@
             <p:ph type="sldImg"/>
           </p:nvPr>
         </p:nvSpPr>
-        <p:spPr/>
+        <p:spPr>
+          <a:xfrm>
+            <a:off x="381000" y="685800"/>
+            <a:ext cx="6096000" cy="3429000"/>
+          </a:xfrm>
+        </p:spPr>
       </p:sp>
       <p:sp>
         <p:nvSpPr>
@@ -577,8 +587,8 @@
         </p:nvSpPr>
         <p:spPr>
           <a:xfrm>
-            <a:off x="685800" y="2130425"/>
-            <a:ext cx="7772400" cy="1470025"/>
+            <a:off x="685800" y="1597819"/>
+            <a:ext cx="7772400" cy="1102519"/>
           </a:xfrm>
         </p:spPr>
         <p:txBody>
@@ -605,8 +615,8 @@
         </p:nvSpPr>
         <p:spPr>
           <a:xfrm>
-            <a:off x="1371600" y="3886200"/>
-            <a:ext cx="6400800" cy="1752600"/>
+            <a:off x="1371600" y="2914650"/>
+            <a:ext cx="6400800" cy="1314450"/>
           </a:xfrm>
         </p:spPr>
         <p:txBody>
@@ -730,7 +740,7 @@
             <a:fld id="{14DD3661-1E76-4273-BDC4-E36D4AAA0C58}" type="datetimeFigureOut">
               <a:rPr lang="zh-TW" altLang="en-US" smtClean="0"/>
               <a:pPr/>
-              <a:t>2019/6/28</a:t>
+              <a:t>2019/7/6</a:t>
             </a:fld>
             <a:endParaRPr lang="zh-TW" altLang="en-US"/>
           </a:p>
@@ -897,7 +907,7 @@
             <a:fld id="{14DD3661-1E76-4273-BDC4-E36D4AAA0C58}" type="datetimeFigureOut">
               <a:rPr lang="zh-TW" altLang="en-US" smtClean="0"/>
               <a:pPr/>
-              <a:t>2019/6/28</a:t>
+              <a:t>2019/7/6</a:t>
             </a:fld>
             <a:endParaRPr lang="zh-TW" altLang="en-US"/>
           </a:p>
@@ -983,8 +993,8 @@
         </p:nvSpPr>
         <p:spPr>
           <a:xfrm>
-            <a:off x="6629400" y="274638"/>
-            <a:ext cx="2057400" cy="5851525"/>
+            <a:off x="6629400" y="205979"/>
+            <a:ext cx="2057400" cy="4388644"/>
           </a:xfrm>
         </p:spPr>
         <p:txBody>
@@ -1011,8 +1021,8 @@
         </p:nvSpPr>
         <p:spPr>
           <a:xfrm>
-            <a:off x="457200" y="274638"/>
-            <a:ext cx="6019800" cy="5851525"/>
+            <a:off x="457200" y="205979"/>
+            <a:ext cx="6019800" cy="4388644"/>
           </a:xfrm>
         </p:spPr>
         <p:txBody>
@@ -1074,7 +1084,7 @@
             <a:fld id="{14DD3661-1E76-4273-BDC4-E36D4AAA0C58}" type="datetimeFigureOut">
               <a:rPr lang="zh-TW" altLang="en-US" smtClean="0"/>
               <a:pPr/>
-              <a:t>2019/6/28</a:t>
+              <a:t>2019/7/6</a:t>
             </a:fld>
             <a:endParaRPr lang="zh-TW" altLang="en-US"/>
           </a:p>
@@ -1241,7 +1251,7 @@
             <a:fld id="{14DD3661-1E76-4273-BDC4-E36D4AAA0C58}" type="datetimeFigureOut">
               <a:rPr lang="zh-TW" altLang="en-US" smtClean="0"/>
               <a:pPr/>
-              <a:t>2019/6/28</a:t>
+              <a:t>2019/7/6</a:t>
             </a:fld>
             <a:endParaRPr lang="zh-TW" altLang="en-US"/>
           </a:p>
@@ -1327,8 +1337,8 @@
         </p:nvSpPr>
         <p:spPr>
           <a:xfrm>
-            <a:off x="722313" y="4406900"/>
-            <a:ext cx="7772400" cy="1362075"/>
+            <a:off x="722313" y="3305176"/>
+            <a:ext cx="7772400" cy="1021556"/>
           </a:xfrm>
         </p:spPr>
         <p:txBody>
@@ -1359,8 +1369,8 @@
         </p:nvSpPr>
         <p:spPr>
           <a:xfrm>
-            <a:off x="722313" y="2906713"/>
-            <a:ext cx="7772400" cy="1500187"/>
+            <a:off x="722313" y="2180035"/>
+            <a:ext cx="7772400" cy="1125140"/>
           </a:xfrm>
         </p:spPr>
         <p:txBody>
@@ -1484,7 +1494,7 @@
             <a:fld id="{14DD3661-1E76-4273-BDC4-E36D4AAA0C58}" type="datetimeFigureOut">
               <a:rPr lang="zh-TW" altLang="en-US" smtClean="0"/>
               <a:pPr/>
-              <a:t>2019/6/28</a:t>
+              <a:t>2019/7/6</a:t>
             </a:fld>
             <a:endParaRPr lang="zh-TW" altLang="en-US"/>
           </a:p>
@@ -1593,8 +1603,8 @@
         </p:nvSpPr>
         <p:spPr>
           <a:xfrm>
-            <a:off x="457200" y="1600200"/>
-            <a:ext cx="4038600" cy="4525963"/>
+            <a:off x="457200" y="1200151"/>
+            <a:ext cx="4038600" cy="3394472"/>
           </a:xfrm>
         </p:spPr>
         <p:txBody>
@@ -1678,8 +1688,8 @@
         </p:nvSpPr>
         <p:spPr>
           <a:xfrm>
-            <a:off x="4648200" y="1600200"/>
-            <a:ext cx="4038600" cy="4525963"/>
+            <a:off x="4648200" y="1200151"/>
+            <a:ext cx="4038600" cy="3394472"/>
           </a:xfrm>
         </p:spPr>
         <p:txBody>
@@ -1769,7 +1779,7 @@
             <a:fld id="{14DD3661-1E76-4273-BDC4-E36D4AAA0C58}" type="datetimeFigureOut">
               <a:rPr lang="zh-TW" altLang="en-US" smtClean="0"/>
               <a:pPr/>
-              <a:t>2019/6/28</a:t>
+              <a:t>2019/7/6</a:t>
             </a:fld>
             <a:endParaRPr lang="zh-TW" altLang="en-US"/>
           </a:p>
@@ -1882,8 +1892,8 @@
         </p:nvSpPr>
         <p:spPr>
           <a:xfrm>
-            <a:off x="457200" y="1535113"/>
-            <a:ext cx="4040188" cy="639762"/>
+            <a:off x="457200" y="1151335"/>
+            <a:ext cx="4040188" cy="479822"/>
           </a:xfrm>
         </p:spPr>
         <p:txBody>
@@ -1947,8 +1957,8 @@
         </p:nvSpPr>
         <p:spPr>
           <a:xfrm>
-            <a:off x="457200" y="2174875"/>
-            <a:ext cx="4040188" cy="3951288"/>
+            <a:off x="457200" y="1631156"/>
+            <a:ext cx="4040188" cy="2963466"/>
           </a:xfrm>
         </p:spPr>
         <p:txBody>
@@ -2032,8 +2042,8 @@
         </p:nvSpPr>
         <p:spPr>
           <a:xfrm>
-            <a:off x="4645025" y="1535113"/>
-            <a:ext cx="4041775" cy="639762"/>
+            <a:off x="4645026" y="1151335"/>
+            <a:ext cx="4041775" cy="479822"/>
           </a:xfrm>
         </p:spPr>
         <p:txBody>
@@ -2097,8 +2107,8 @@
         </p:nvSpPr>
         <p:spPr>
           <a:xfrm>
-            <a:off x="4645025" y="2174875"/>
-            <a:ext cx="4041775" cy="3951288"/>
+            <a:off x="4645026" y="1631156"/>
+            <a:ext cx="4041775" cy="2963466"/>
           </a:xfrm>
         </p:spPr>
         <p:txBody>
@@ -2188,7 +2198,7 @@
             <a:fld id="{14DD3661-1E76-4273-BDC4-E36D4AAA0C58}" type="datetimeFigureOut">
               <a:rPr lang="zh-TW" altLang="en-US" smtClean="0"/>
               <a:pPr/>
-              <a:t>2019/6/28</a:t>
+              <a:t>2019/7/6</a:t>
             </a:fld>
             <a:endParaRPr lang="zh-TW" altLang="en-US"/>
           </a:p>
@@ -2303,7 +2313,7 @@
             <a:fld id="{14DD3661-1E76-4273-BDC4-E36D4AAA0C58}" type="datetimeFigureOut">
               <a:rPr lang="zh-TW" altLang="en-US" smtClean="0"/>
               <a:pPr/>
-              <a:t>2019/6/28</a:t>
+              <a:t>2019/7/6</a:t>
             </a:fld>
             <a:endParaRPr lang="zh-TW" altLang="en-US"/>
           </a:p>
@@ -2395,7 +2405,7 @@
             <a:fld id="{14DD3661-1E76-4273-BDC4-E36D4AAA0C58}" type="datetimeFigureOut">
               <a:rPr lang="zh-TW" altLang="en-US" smtClean="0"/>
               <a:pPr/>
-              <a:t>2019/6/28</a:t>
+              <a:t>2019/7/6</a:t>
             </a:fld>
             <a:endParaRPr lang="zh-TW" altLang="en-US"/>
           </a:p>
@@ -2481,8 +2491,8 @@
         </p:nvSpPr>
         <p:spPr>
           <a:xfrm>
-            <a:off x="457200" y="273050"/>
-            <a:ext cx="3008313" cy="1162050"/>
+            <a:off x="457201" y="204787"/>
+            <a:ext cx="3008313" cy="871538"/>
           </a:xfrm>
         </p:spPr>
         <p:txBody>
@@ -2513,8 +2523,8 @@
         </p:nvSpPr>
         <p:spPr>
           <a:xfrm>
-            <a:off x="3575050" y="273050"/>
-            <a:ext cx="5111750" cy="5853113"/>
+            <a:off x="3575050" y="204788"/>
+            <a:ext cx="5111750" cy="4389835"/>
           </a:xfrm>
         </p:spPr>
         <p:txBody>
@@ -2598,8 +2608,8 @@
         </p:nvSpPr>
         <p:spPr>
           <a:xfrm>
-            <a:off x="457200" y="1435100"/>
-            <a:ext cx="3008313" cy="4691063"/>
+            <a:off x="457201" y="1076326"/>
+            <a:ext cx="3008313" cy="3518297"/>
           </a:xfrm>
         </p:spPr>
         <p:txBody>
@@ -2669,7 +2679,7 @@
             <a:fld id="{14DD3661-1E76-4273-BDC4-E36D4AAA0C58}" type="datetimeFigureOut">
               <a:rPr lang="zh-TW" altLang="en-US" smtClean="0"/>
               <a:pPr/>
-              <a:t>2019/6/28</a:t>
+              <a:t>2019/7/6</a:t>
             </a:fld>
             <a:endParaRPr lang="zh-TW" altLang="en-US"/>
           </a:p>
@@ -2755,8 +2765,8 @@
         </p:nvSpPr>
         <p:spPr>
           <a:xfrm>
-            <a:off x="1792288" y="4800600"/>
-            <a:ext cx="5486400" cy="566738"/>
+            <a:off x="1792288" y="3600450"/>
+            <a:ext cx="5486400" cy="425054"/>
           </a:xfrm>
         </p:spPr>
         <p:txBody>
@@ -2787,8 +2797,8 @@
         </p:nvSpPr>
         <p:spPr>
           <a:xfrm>
-            <a:off x="1792288" y="612775"/>
-            <a:ext cx="5486400" cy="4114800"/>
+            <a:off x="1792288" y="459581"/>
+            <a:ext cx="5486400" cy="3086100"/>
           </a:xfrm>
         </p:spPr>
         <p:txBody>
@@ -2852,8 +2862,8 @@
         </p:nvSpPr>
         <p:spPr>
           <a:xfrm>
-            <a:off x="1792288" y="5367338"/>
-            <a:ext cx="5486400" cy="804862"/>
+            <a:off x="1792288" y="4025503"/>
+            <a:ext cx="5486400" cy="603647"/>
           </a:xfrm>
         </p:spPr>
         <p:txBody>
@@ -2923,7 +2933,7 @@
             <a:fld id="{14DD3661-1E76-4273-BDC4-E36D4AAA0C58}" type="datetimeFigureOut">
               <a:rPr lang="zh-TW" altLang="en-US" smtClean="0"/>
               <a:pPr/>
-              <a:t>2019/6/28</a:t>
+              <a:t>2019/7/6</a:t>
             </a:fld>
             <a:endParaRPr lang="zh-TW" altLang="en-US"/>
           </a:p>
@@ -3019,8 +3029,8 @@
         </p:nvSpPr>
         <p:spPr>
           <a:xfrm>
-            <a:off x="457200" y="274638"/>
-            <a:ext cx="8229600" cy="1143000"/>
+            <a:off x="457200" y="205979"/>
+            <a:ext cx="8229600" cy="857250"/>
           </a:xfrm>
           <a:prstGeom prst="rect">
             <a:avLst/>
@@ -3052,8 +3062,8 @@
         </p:nvSpPr>
         <p:spPr>
           <a:xfrm>
-            <a:off x="457200" y="1600200"/>
-            <a:ext cx="8229600" cy="4525963"/>
+            <a:off x="457200" y="1200151"/>
+            <a:ext cx="8229600" cy="3394472"/>
           </a:xfrm>
           <a:prstGeom prst="rect">
             <a:avLst/>
@@ -3114,8 +3124,8 @@
         </p:nvSpPr>
         <p:spPr>
           <a:xfrm>
-            <a:off x="457200" y="6356350"/>
-            <a:ext cx="2133600" cy="365125"/>
+            <a:off x="457200" y="4767263"/>
+            <a:ext cx="2133600" cy="273844"/>
           </a:xfrm>
           <a:prstGeom prst="rect">
             <a:avLst/>
@@ -3138,7 +3148,7 @@
             <a:fld id="{14DD3661-1E76-4273-BDC4-E36D4AAA0C58}" type="datetimeFigureOut">
               <a:rPr lang="zh-TW" altLang="en-US" smtClean="0"/>
               <a:pPr/>
-              <a:t>2019/6/28</a:t>
+              <a:t>2019/7/6</a:t>
             </a:fld>
             <a:endParaRPr lang="zh-TW" altLang="en-US"/>
           </a:p>
@@ -3156,8 +3166,8 @@
         </p:nvSpPr>
         <p:spPr>
           <a:xfrm>
-            <a:off x="3124200" y="6356350"/>
-            <a:ext cx="2895600" cy="365125"/>
+            <a:off x="3124200" y="4767263"/>
+            <a:ext cx="2895600" cy="273844"/>
           </a:xfrm>
           <a:prstGeom prst="rect">
             <a:avLst/>
@@ -3193,8 +3203,8 @@
         </p:nvSpPr>
         <p:spPr>
           <a:xfrm>
-            <a:off x="6553200" y="6356350"/>
-            <a:ext cx="2133600" cy="365125"/>
+            <a:off x="6553200" y="4767263"/>
+            <a:ext cx="2133600" cy="273844"/>
           </a:xfrm>
           <a:prstGeom prst="rect">
             <a:avLst/>
@@ -3527,7 +3537,7 @@
           <a:lstStyle/>
           <a:p>
             <a:r>
-              <a:rPr lang="zh-TW" altLang="en-US" b="1" dirty="0">
+              <a:rPr lang="zh-TW" altLang="en-US" sz="4000" b="1" dirty="0">
                 <a:solidFill>
                   <a:srgbClr val="660033"/>
                 </a:solidFill>
@@ -3537,7 +3547,7 @@
               <a:t>坐在寶座上聖潔</a:t>
             </a:r>
             <a:r>
-              <a:rPr lang="zh-TW" altLang="en-US" b="1" dirty="0" smtClean="0">
+              <a:rPr lang="zh-TW" altLang="en-US" sz="4000" b="1" dirty="0" smtClean="0">
                 <a:solidFill>
                   <a:srgbClr val="660033"/>
                 </a:solidFill>
@@ -3546,7 +3556,7 @@
               </a:rPr>
               <a:t>羔羊</a:t>
             </a:r>
-            <a:endParaRPr lang="zh-TW" altLang="en-US" b="1" dirty="0">
+            <a:endParaRPr lang="zh-TW" altLang="en-US" sz="4000" b="1" dirty="0">
               <a:solidFill>
                 <a:srgbClr val="660033"/>
               </a:solidFill>
@@ -3569,7 +3579,7 @@
         <p:spPr/>
         <p:txBody>
           <a:bodyPr>
-            <a:normAutofit/>
+            <a:normAutofit fontScale="92500" lnSpcReduction="10000"/>
           </a:bodyPr>
           <a:lstStyle/>
           <a:p>
@@ -3599,7 +3609,17 @@
                 <a:latin typeface="微軟正黑體" pitchFamily="34" charset="-120"/>
                 <a:ea typeface="微軟正黑體" pitchFamily="34" charset="-120"/>
               </a:rPr>
-              <a:t>我們俯伏敬拜你</a:t>
+              <a:t>我們俯伏敬拜</a:t>
+            </a:r>
+            <a:r>
+              <a:rPr lang="zh-TW" altLang="en-US" sz="5400" b="1" dirty="0" smtClean="0">
+                <a:solidFill>
+                  <a:srgbClr val="660033"/>
+                </a:solidFill>
+                <a:latin typeface="微軟正黑體" pitchFamily="34" charset="-120"/>
+                <a:ea typeface="微軟正黑體" pitchFamily="34" charset="-120"/>
+              </a:rPr>
+              <a:t>你</a:t>
             </a:r>
           </a:p>
           <a:p>
@@ -3607,6 +3627,31 @@
               <a:buNone/>
             </a:pPr>
             <a:r>
+              <a:rPr lang="zh-TW" altLang="en-US" sz="5400" b="1" dirty="0" smtClean="0">
+                <a:solidFill>
+                  <a:srgbClr val="660033"/>
+                </a:solidFill>
+                <a:latin typeface="微軟正黑體" pitchFamily="34" charset="-120"/>
+                <a:ea typeface="微軟正黑體" pitchFamily="34" charset="-120"/>
+              </a:rPr>
+              <a:t>昔在 今在以後永在</a:t>
+            </a:r>
+          </a:p>
+          <a:p>
+            <a:pPr algn="ctr">
+              <a:buNone/>
+            </a:pPr>
+            <a:r>
+              <a:rPr lang="zh-TW" altLang="en-US" sz="5400" b="1" dirty="0" smtClean="0">
+                <a:solidFill>
+                  <a:srgbClr val="660033"/>
+                </a:solidFill>
+                <a:latin typeface="微軟正黑體" pitchFamily="34" charset="-120"/>
+                <a:ea typeface="微軟正黑體" pitchFamily="34" charset="-120"/>
+              </a:rPr>
+              <a:t>唯</a:t>
+            </a:r>
+            <a:r>
               <a:rPr lang="zh-TW" altLang="en-US" sz="5400" b="1" dirty="0">
                 <a:solidFill>
                   <a:srgbClr val="660033"/>
@@ -3614,22 +3659,7 @@
                 <a:latin typeface="微軟正黑體" pitchFamily="34" charset="-120"/>
                 <a:ea typeface="微軟正黑體" pitchFamily="34" charset="-120"/>
               </a:rPr>
-              <a:t>昔在 今在以後永在</a:t>
-            </a:r>
-          </a:p>
-          <a:p>
-            <a:pPr algn="ctr">
-              <a:buNone/>
-            </a:pPr>
-            <a:r>
-              <a:rPr lang="zh-TW" altLang="en-US" sz="5400" b="1" dirty="0">
-                <a:solidFill>
-                  <a:srgbClr val="660033"/>
-                </a:solidFill>
-                <a:latin typeface="微軟正黑體" pitchFamily="34" charset="-120"/>
-                <a:ea typeface="微軟正黑體" pitchFamily="34" charset="-120"/>
-              </a:rPr>
-              <a:t>唯有你是全能真神</a:t>
+              <a:t>有你是全能真神</a:t>
             </a:r>
           </a:p>
         </p:txBody>
@@ -3684,7 +3714,7 @@
           <a:lstStyle/>
           <a:p>
             <a:r>
-              <a:rPr lang="zh-TW" altLang="en-US" b="1" dirty="0">
+              <a:rPr lang="zh-TW" altLang="en-US" sz="4000" b="1" dirty="0">
                 <a:solidFill>
                   <a:srgbClr val="660033"/>
                 </a:solidFill>
@@ -3694,7 +3724,7 @@
               <a:t>坐在寶座上聖潔</a:t>
             </a:r>
             <a:r>
-              <a:rPr lang="zh-TW" altLang="en-US" b="1" dirty="0" smtClean="0">
+              <a:rPr lang="zh-TW" altLang="en-US" sz="4000" b="1" dirty="0">
                 <a:solidFill>
                   <a:srgbClr val="660033"/>
                 </a:solidFill>
@@ -3703,7 +3733,7 @@
               </a:rPr>
               <a:t>羔羊</a:t>
             </a:r>
-            <a:endParaRPr lang="zh-TW" altLang="en-US" b="1" dirty="0">
+            <a:endParaRPr lang="zh-TW" altLang="en-US" sz="4000" b="1" dirty="0">
               <a:solidFill>
                 <a:srgbClr val="660033"/>
               </a:solidFill>
@@ -3726,7 +3756,7 @@
         <p:spPr/>
         <p:txBody>
           <a:bodyPr>
-            <a:normAutofit/>
+            <a:normAutofit fontScale="92500" lnSpcReduction="10000"/>
           </a:bodyPr>
           <a:lstStyle/>
           <a:p>
@@ -3878,7 +3908,7 @@
           <a:lstStyle/>
           <a:p>
             <a:r>
-              <a:rPr lang="zh-TW" altLang="en-US" b="1" dirty="0">
+              <a:rPr lang="zh-TW" altLang="en-US" sz="4000" b="1" dirty="0">
                 <a:solidFill>
                   <a:srgbClr val="660033"/>
                 </a:solidFill>
@@ -3888,7 +3918,7 @@
               <a:t>坐在寶座上聖潔</a:t>
             </a:r>
             <a:r>
-              <a:rPr lang="zh-TW" altLang="en-US" b="1" dirty="0" smtClean="0">
+              <a:rPr lang="zh-TW" altLang="en-US" sz="4000" b="1" dirty="0">
                 <a:solidFill>
                   <a:srgbClr val="660033"/>
                 </a:solidFill>
@@ -3897,7 +3927,7 @@
               </a:rPr>
               <a:t>羔羊</a:t>
             </a:r>
-            <a:endParaRPr lang="zh-TW" altLang="en-US" b="1" dirty="0">
+            <a:endParaRPr lang="zh-TW" altLang="en-US" sz="4000" b="1" dirty="0">
               <a:solidFill>
                 <a:srgbClr val="660033"/>
               </a:solidFill>
@@ -3920,7 +3950,7 @@
         <p:spPr/>
         <p:txBody>
           <a:bodyPr>
-            <a:normAutofit/>
+            <a:normAutofit fontScale="92500" lnSpcReduction="10000"/>
           </a:bodyPr>
           <a:lstStyle/>
           <a:p>
@@ -4072,7 +4102,7 @@
           <a:lstStyle/>
           <a:p>
             <a:r>
-              <a:rPr lang="zh-TW" altLang="en-US" b="1" dirty="0">
+              <a:rPr lang="zh-TW" altLang="en-US" sz="4000" b="1" dirty="0">
                 <a:solidFill>
                   <a:srgbClr val="660033"/>
                 </a:solidFill>
@@ -4082,7 +4112,7 @@
               <a:t>坐在寶座上聖潔</a:t>
             </a:r>
             <a:r>
-              <a:rPr lang="zh-TW" altLang="en-US" b="1" dirty="0" smtClean="0">
+              <a:rPr lang="zh-TW" altLang="en-US" sz="4000" b="1" dirty="0">
                 <a:solidFill>
                   <a:srgbClr val="660033"/>
                 </a:solidFill>
@@ -4091,7 +4121,7 @@
               </a:rPr>
               <a:t>羔羊</a:t>
             </a:r>
-            <a:endParaRPr lang="zh-TW" altLang="en-US" b="1" dirty="0">
+            <a:endParaRPr lang="zh-TW" altLang="en-US" sz="4000" b="1" dirty="0">
               <a:solidFill>
                 <a:srgbClr val="660033"/>
               </a:solidFill>
@@ -4114,7 +4144,7 @@
         <p:spPr/>
         <p:txBody>
           <a:bodyPr>
-            <a:normAutofit/>
+            <a:normAutofit fontScale="92500" lnSpcReduction="10000"/>
           </a:bodyPr>
           <a:lstStyle/>
           <a:p>
@@ -4229,7 +4259,7 @@
           <a:lstStyle/>
           <a:p>
             <a:r>
-              <a:rPr lang="zh-TW" altLang="en-US" b="1" dirty="0">
+              <a:rPr lang="zh-TW" altLang="en-US" sz="4000" b="1" dirty="0">
                 <a:solidFill>
                   <a:srgbClr val="660033"/>
                 </a:solidFill>
@@ -4239,7 +4269,7 @@
               <a:t>坐在寶座上聖潔</a:t>
             </a:r>
             <a:r>
-              <a:rPr lang="zh-TW" altLang="en-US" b="1" dirty="0" smtClean="0">
+              <a:rPr lang="zh-TW" altLang="en-US" sz="4000" b="1" dirty="0">
                 <a:solidFill>
                   <a:srgbClr val="660033"/>
                 </a:solidFill>
@@ -4248,7 +4278,7 @@
               </a:rPr>
               <a:t>羔羊</a:t>
             </a:r>
-            <a:endParaRPr lang="zh-TW" altLang="en-US" b="1" dirty="0">
+            <a:endParaRPr lang="zh-TW" altLang="en-US" sz="4000" b="1" dirty="0">
               <a:solidFill>
                 <a:srgbClr val="660033"/>
               </a:solidFill>
@@ -4271,7 +4301,7 @@
         <p:spPr/>
         <p:txBody>
           <a:bodyPr>
-            <a:normAutofit/>
+            <a:normAutofit fontScale="92500" lnSpcReduction="10000"/>
           </a:bodyPr>
           <a:lstStyle/>
           <a:p>
@@ -4423,7 +4453,7 @@
           <a:lstStyle/>
           <a:p>
             <a:r>
-              <a:rPr lang="zh-TW" altLang="en-US" b="1" dirty="0">
+              <a:rPr lang="zh-TW" altLang="en-US" sz="4000" b="1" dirty="0">
                 <a:solidFill>
                   <a:srgbClr val="660033"/>
                 </a:solidFill>
@@ -4433,7 +4463,7 @@
               <a:t>坐在寶座上聖潔</a:t>
             </a:r>
             <a:r>
-              <a:rPr lang="zh-TW" altLang="en-US" b="1" dirty="0" smtClean="0">
+              <a:rPr lang="zh-TW" altLang="en-US" sz="4000" b="1" dirty="0">
                 <a:solidFill>
                   <a:srgbClr val="660033"/>
                 </a:solidFill>
@@ -4442,7 +4472,7 @@
               </a:rPr>
               <a:t>羔羊</a:t>
             </a:r>
-            <a:endParaRPr lang="zh-TW" altLang="en-US" b="1" dirty="0">
+            <a:endParaRPr lang="zh-TW" altLang="en-US" sz="4000" b="1" dirty="0">
               <a:solidFill>
                 <a:srgbClr val="660033"/>
               </a:solidFill>
@@ -4465,7 +4495,7 @@
         <p:spPr/>
         <p:txBody>
           <a:bodyPr>
-            <a:normAutofit/>
+            <a:normAutofit fontScale="92500" lnSpcReduction="10000"/>
           </a:bodyPr>
           <a:lstStyle/>
           <a:p>
@@ -4617,7 +4647,7 @@
           <a:lstStyle/>
           <a:p>
             <a:r>
-              <a:rPr lang="zh-TW" altLang="en-US" b="1" dirty="0">
+              <a:rPr lang="zh-TW" altLang="en-US" sz="4000" b="1" dirty="0">
                 <a:solidFill>
                   <a:srgbClr val="660033"/>
                 </a:solidFill>
@@ -4627,7 +4657,7 @@
               <a:t>坐在寶座上聖潔</a:t>
             </a:r>
             <a:r>
-              <a:rPr lang="zh-TW" altLang="en-US" b="1" dirty="0" smtClean="0">
+              <a:rPr lang="zh-TW" altLang="en-US" sz="4000" b="1" dirty="0">
                 <a:solidFill>
                   <a:srgbClr val="660033"/>
                 </a:solidFill>
@@ -4636,7 +4666,7 @@
               </a:rPr>
               <a:t>羔羊</a:t>
             </a:r>
-            <a:endParaRPr lang="zh-TW" altLang="en-US" b="1" dirty="0">
+            <a:endParaRPr lang="zh-TW" altLang="en-US" sz="4000" b="1" dirty="0">
               <a:solidFill>
                 <a:srgbClr val="660033"/>
               </a:solidFill>
@@ -4659,7 +4689,7 @@
         <p:spPr/>
         <p:txBody>
           <a:bodyPr>
-            <a:normAutofit/>
+            <a:normAutofit fontScale="92500" lnSpcReduction="10000"/>
           </a:bodyPr>
           <a:lstStyle/>
           <a:p>
@@ -4811,7 +4841,7 @@
           <a:lstStyle/>
           <a:p>
             <a:r>
-              <a:rPr lang="zh-TW" altLang="en-US" b="1" dirty="0">
+              <a:rPr lang="zh-TW" altLang="en-US" sz="4000" b="1" dirty="0">
                 <a:solidFill>
                   <a:srgbClr val="660033"/>
                 </a:solidFill>
@@ -4821,7 +4851,7 @@
               <a:t>坐在寶座上聖潔</a:t>
             </a:r>
             <a:r>
-              <a:rPr lang="zh-TW" altLang="en-US" b="1" dirty="0" smtClean="0">
+              <a:rPr lang="zh-TW" altLang="en-US" sz="4000" b="1" dirty="0">
                 <a:solidFill>
                   <a:srgbClr val="660033"/>
                 </a:solidFill>
@@ -4830,7 +4860,7 @@
               </a:rPr>
               <a:t>羔羊</a:t>
             </a:r>
-            <a:endParaRPr lang="zh-TW" altLang="en-US" b="1" dirty="0">
+            <a:endParaRPr lang="zh-TW" altLang="en-US" sz="4000" b="1" dirty="0">
               <a:solidFill>
                 <a:srgbClr val="660033"/>
               </a:solidFill>
@@ -4860,6 +4890,46 @@
             <a:pPr algn="ctr">
               <a:buNone/>
             </a:pPr>
+            <a:r>
+              <a:rPr lang="zh-TW" altLang="en-US" sz="5400" b="1" dirty="0" smtClean="0">
+                <a:solidFill>
+                  <a:srgbClr val="660033"/>
+                </a:solidFill>
+                <a:latin typeface="微軟正黑體" pitchFamily="34" charset="-120"/>
+                <a:ea typeface="微軟正黑體" pitchFamily="34" charset="-120"/>
+              </a:rPr>
+              <a:t>我</a:t>
+            </a:r>
+            <a:r>
+              <a:rPr lang="zh-TW" altLang="en-US" sz="5400" b="1" dirty="0" smtClean="0">
+                <a:solidFill>
+                  <a:srgbClr val="660033"/>
+                </a:solidFill>
+                <a:latin typeface="微軟正黑體" pitchFamily="34" charset="-120"/>
+                <a:ea typeface="微軟正黑體" pitchFamily="34" charset="-120"/>
+              </a:rPr>
+              <a:t>們</a:t>
+            </a:r>
+            <a:r>
+              <a:rPr lang="zh-TW" altLang="en-US" sz="5400" b="1" dirty="0">
+                <a:solidFill>
+                  <a:srgbClr val="660033"/>
+                </a:solidFill>
+                <a:latin typeface="微軟正黑體" pitchFamily="34" charset="-120"/>
+                <a:ea typeface="微軟正黑體" pitchFamily="34" charset="-120"/>
+              </a:rPr>
+              <a:t>高舉你</a:t>
+            </a:r>
+            <a:r>
+              <a:rPr lang="zh-TW" altLang="en-US" sz="5400" b="1" dirty="0" smtClean="0">
+                <a:solidFill>
+                  <a:srgbClr val="660033"/>
+                </a:solidFill>
+                <a:latin typeface="微軟正黑體" pitchFamily="34" charset="-120"/>
+                <a:ea typeface="微軟正黑體" pitchFamily="34" charset="-120"/>
+              </a:rPr>
+              <a:t>聖名</a:t>
+            </a:r>
             <a:endParaRPr lang="en-US" altLang="zh-TW" sz="5400" b="1" dirty="0" smtClean="0">
               <a:solidFill>
                 <a:srgbClr val="660033"/>
@@ -4880,27 +4950,7 @@
                 <a:latin typeface="微軟正黑體" pitchFamily="34" charset="-120"/>
                 <a:ea typeface="微軟正黑體" pitchFamily="34" charset="-120"/>
               </a:rPr>
-              <a:t>我們</a:t>
-            </a:r>
-            <a:r>
-              <a:rPr lang="zh-TW" altLang="en-US" sz="5400" b="1" dirty="0">
-                <a:solidFill>
-                  <a:srgbClr val="660033"/>
-                </a:solidFill>
-                <a:latin typeface="微軟正黑體" pitchFamily="34" charset="-120"/>
-                <a:ea typeface="微軟正黑體" pitchFamily="34" charset="-120"/>
-              </a:rPr>
-              <a:t>高舉你</a:t>
-            </a:r>
-            <a:r>
-              <a:rPr lang="zh-TW" altLang="en-US" sz="5400" b="1" dirty="0" smtClean="0">
-                <a:solidFill>
-                  <a:srgbClr val="660033"/>
-                </a:solidFill>
-                <a:latin typeface="微軟正黑體" pitchFamily="34" charset="-120"/>
-                <a:ea typeface="微軟正黑體" pitchFamily="34" charset="-120"/>
-              </a:rPr>
-              <a:t>聖名</a:t>
+              <a:t>直到永遠 </a:t>
             </a:r>
             <a:endParaRPr lang="en-US" altLang="zh-TW" sz="5400" b="1" dirty="0" smtClean="0">
               <a:solidFill>
@@ -4915,24 +4965,24 @@
               <a:buNone/>
             </a:pPr>
             <a:r>
-              <a:rPr lang="zh-TW" altLang="en-US" sz="5400" b="1" dirty="0" smtClean="0">
-                <a:solidFill>
-                  <a:srgbClr val="660033"/>
-                </a:solidFill>
-                <a:latin typeface="微軟正黑體" pitchFamily="34" charset="-120"/>
-                <a:ea typeface="微軟正黑體" pitchFamily="34" charset="-120"/>
-              </a:rPr>
-              <a:t>直到永遠 </a:t>
-            </a:r>
-            <a:r>
-              <a:rPr lang="en-US" altLang="zh-CN" sz="5400" b="1" dirty="0" smtClean="0">
-                <a:solidFill>
-                  <a:srgbClr val="660033"/>
-                </a:solidFill>
-                <a:latin typeface="微軟正黑體" pitchFamily="34" charset="-120"/>
-                <a:ea typeface="微軟正黑體" pitchFamily="34" charset="-120"/>
-              </a:rPr>
-              <a:t>x2</a:t>
+              <a:rPr lang="en-US" altLang="zh-CN" sz="4400" b="1" dirty="0">
+                <a:solidFill>
+                  <a:srgbClr val="660033"/>
+                </a:solidFill>
+                <a:latin typeface="微軟正黑體" pitchFamily="34" charset="-120"/>
+                <a:ea typeface="微軟正黑體" pitchFamily="34" charset="-120"/>
+              </a:rPr>
+              <a:t>(</a:t>
+            </a:r>
+            <a:r>
+              <a:rPr lang="en-US" altLang="zh-CN" sz="4400" b="1" dirty="0" smtClean="0">
+                <a:solidFill>
+                  <a:srgbClr val="660033"/>
+                </a:solidFill>
+                <a:latin typeface="微軟正黑體" pitchFamily="34" charset="-120"/>
+                <a:ea typeface="微軟正黑體" pitchFamily="34" charset="-120"/>
+              </a:rPr>
+              <a:t>x2)</a:t>
             </a:r>
             <a:endParaRPr lang="zh-TW" altLang="en-US" sz="5400" b="1" dirty="0">
               <a:solidFill>

--- a/坐在寶座上聖潔羔羊.pptx
+++ b/坐在寶座上聖潔羔羊.pptx
@@ -5,17 +5,12 @@
     <p:sldMasterId id="2147483672" r:id="rId1"/>
   </p:sldMasterIdLst>
   <p:notesMasterIdLst>
-    <p:notesMasterId r:id="rId10"/>
+    <p:notesMasterId r:id="rId5"/>
   </p:notesMasterIdLst>
   <p:sldIdLst>
     <p:sldId id="256" r:id="rId2"/>
     <p:sldId id="257" r:id="rId3"/>
     <p:sldId id="258" r:id="rId4"/>
-    <p:sldId id="268" r:id="rId5"/>
-    <p:sldId id="269" r:id="rId6"/>
-    <p:sldId id="270" r:id="rId7"/>
-    <p:sldId id="271" r:id="rId8"/>
-    <p:sldId id="272" r:id="rId9"/>
   </p:sldIdLst>
   <p:sldSz cx="9144000" cy="5143500" type="screen16x9"/>
   <p:notesSz cx="6858000" cy="9144000"/>
@@ -114,6 +109,22 @@
       </a:defRPr>
     </a:lvl9pPr>
   </p:defaultTextStyle>
+  <p:extLst>
+    <p:ext uri="{EFAFB233-063F-42B5-8137-9DF3F51BA10A}">
+      <p15:sldGuideLst xmlns:p15="http://schemas.microsoft.com/office/powerpoint/2012/main">
+        <p15:guide id="1" orient="horz" pos="1620">
+          <p15:clr>
+            <a:srgbClr val="A4A3A4"/>
+          </p15:clr>
+        </p15:guide>
+        <p15:guide id="2" pos="2880">
+          <p15:clr>
+            <a:srgbClr val="A4A3A4"/>
+          </p15:clr>
+        </p15:guide>
+      </p15:sldGuideLst>
+    </p:ext>
+  </p:extLst>
 </p:presentation>
 </file>
 
@@ -200,7 +211,7 @@
             <a:fld id="{007A548E-7098-4CE3-810E-47A3ADCC1150}" type="datetimeFigureOut">
               <a:rPr lang="zh-TW" altLang="en-US" smtClean="0"/>
               <a:pPr/>
-              <a:t>2019/7/6</a:t>
+              <a:t>2020/2/15</a:t>
             </a:fld>
             <a:endParaRPr lang="zh-TW" altLang="en-US"/>
           </a:p>
@@ -740,7 +751,7 @@
             <a:fld id="{14DD3661-1E76-4273-BDC4-E36D4AAA0C58}" type="datetimeFigureOut">
               <a:rPr lang="zh-TW" altLang="en-US" smtClean="0"/>
               <a:pPr/>
-              <a:t>2019/7/6</a:t>
+              <a:t>2020/2/15</a:t>
             </a:fld>
             <a:endParaRPr lang="zh-TW" altLang="en-US"/>
           </a:p>
@@ -907,7 +918,7 @@
             <a:fld id="{14DD3661-1E76-4273-BDC4-E36D4AAA0C58}" type="datetimeFigureOut">
               <a:rPr lang="zh-TW" altLang="en-US" smtClean="0"/>
               <a:pPr/>
-              <a:t>2019/7/6</a:t>
+              <a:t>2020/2/15</a:t>
             </a:fld>
             <a:endParaRPr lang="zh-TW" altLang="en-US"/>
           </a:p>
@@ -1084,7 +1095,7 @@
             <a:fld id="{14DD3661-1E76-4273-BDC4-E36D4AAA0C58}" type="datetimeFigureOut">
               <a:rPr lang="zh-TW" altLang="en-US" smtClean="0"/>
               <a:pPr/>
-              <a:t>2019/7/6</a:t>
+              <a:t>2020/2/15</a:t>
             </a:fld>
             <a:endParaRPr lang="zh-TW" altLang="en-US"/>
           </a:p>
@@ -1251,7 +1262,7 @@
             <a:fld id="{14DD3661-1E76-4273-BDC4-E36D4AAA0C58}" type="datetimeFigureOut">
               <a:rPr lang="zh-TW" altLang="en-US" smtClean="0"/>
               <a:pPr/>
-              <a:t>2019/7/6</a:t>
+              <a:t>2020/2/15</a:t>
             </a:fld>
             <a:endParaRPr lang="zh-TW" altLang="en-US"/>
           </a:p>
@@ -1494,7 +1505,7 @@
             <a:fld id="{14DD3661-1E76-4273-BDC4-E36D4AAA0C58}" type="datetimeFigureOut">
               <a:rPr lang="zh-TW" altLang="en-US" smtClean="0"/>
               <a:pPr/>
-              <a:t>2019/7/6</a:t>
+              <a:t>2020/2/15</a:t>
             </a:fld>
             <a:endParaRPr lang="zh-TW" altLang="en-US"/>
           </a:p>
@@ -1779,7 +1790,7 @@
             <a:fld id="{14DD3661-1E76-4273-BDC4-E36D4AAA0C58}" type="datetimeFigureOut">
               <a:rPr lang="zh-TW" altLang="en-US" smtClean="0"/>
               <a:pPr/>
-              <a:t>2019/7/6</a:t>
+              <a:t>2020/2/15</a:t>
             </a:fld>
             <a:endParaRPr lang="zh-TW" altLang="en-US"/>
           </a:p>
@@ -2198,7 +2209,7 @@
             <a:fld id="{14DD3661-1E76-4273-BDC4-E36D4AAA0C58}" type="datetimeFigureOut">
               <a:rPr lang="zh-TW" altLang="en-US" smtClean="0"/>
               <a:pPr/>
-              <a:t>2019/7/6</a:t>
+              <a:t>2020/2/15</a:t>
             </a:fld>
             <a:endParaRPr lang="zh-TW" altLang="en-US"/>
           </a:p>
@@ -2313,7 +2324,7 @@
             <a:fld id="{14DD3661-1E76-4273-BDC4-E36D4AAA0C58}" type="datetimeFigureOut">
               <a:rPr lang="zh-TW" altLang="en-US" smtClean="0"/>
               <a:pPr/>
-              <a:t>2019/7/6</a:t>
+              <a:t>2020/2/15</a:t>
             </a:fld>
             <a:endParaRPr lang="zh-TW" altLang="en-US"/>
           </a:p>
@@ -2405,7 +2416,7 @@
             <a:fld id="{14DD3661-1E76-4273-BDC4-E36D4AAA0C58}" type="datetimeFigureOut">
               <a:rPr lang="zh-TW" altLang="en-US" smtClean="0"/>
               <a:pPr/>
-              <a:t>2019/7/6</a:t>
+              <a:t>2020/2/15</a:t>
             </a:fld>
             <a:endParaRPr lang="zh-TW" altLang="en-US"/>
           </a:p>
@@ -2679,7 +2690,7 @@
             <a:fld id="{14DD3661-1E76-4273-BDC4-E36D4AAA0C58}" type="datetimeFigureOut">
               <a:rPr lang="zh-TW" altLang="en-US" smtClean="0"/>
               <a:pPr/>
-              <a:t>2019/7/6</a:t>
+              <a:t>2020/2/15</a:t>
             </a:fld>
             <a:endParaRPr lang="zh-TW" altLang="en-US"/>
           </a:p>
@@ -2933,7 +2944,7 @@
             <a:fld id="{14DD3661-1E76-4273-BDC4-E36D4AAA0C58}" type="datetimeFigureOut">
               <a:rPr lang="zh-TW" altLang="en-US" smtClean="0"/>
               <a:pPr/>
-              <a:t>2019/7/6</a:t>
+              <a:t>2020/2/15</a:t>
             </a:fld>
             <a:endParaRPr lang="zh-TW" altLang="en-US"/>
           </a:p>
@@ -3148,7 +3159,7 @@
             <a:fld id="{14DD3661-1E76-4273-BDC4-E36D4AAA0C58}" type="datetimeFigureOut">
               <a:rPr lang="zh-TW" altLang="en-US" smtClean="0"/>
               <a:pPr/>
-              <a:t>2019/7/6</a:t>
+              <a:t>2020/2/15</a:t>
             </a:fld>
             <a:endParaRPr lang="zh-TW" altLang="en-US"/>
           </a:p>
@@ -3609,7 +3620,7 @@
                 <a:latin typeface="微軟正黑體" pitchFamily="34" charset="-120"/>
                 <a:ea typeface="微軟正黑體" pitchFamily="34" charset="-120"/>
               </a:rPr>
-              <a:t>我們俯伏敬拜</a:t>
+              <a:t>我們俯伏敬</a:t>
             </a:r>
             <a:r>
               <a:rPr lang="zh-TW" altLang="en-US" sz="5400" b="1" dirty="0" smtClean="0">
@@ -3619,8 +3630,25 @@
                 <a:latin typeface="微軟正黑體" pitchFamily="34" charset="-120"/>
                 <a:ea typeface="微軟正黑體" pitchFamily="34" charset="-120"/>
               </a:rPr>
-              <a:t>你</a:t>
-            </a:r>
+              <a:t>拜</a:t>
+            </a:r>
+            <a:r>
+              <a:rPr lang="zh-CN" altLang="en-US" sz="5400" b="1" dirty="0">
+                <a:solidFill>
+                  <a:srgbClr val="660033"/>
+                </a:solidFill>
+                <a:latin typeface="微軟正黑體" pitchFamily="34" charset="-120"/>
+                <a:ea typeface="微軟正黑體" pitchFamily="34" charset="-120"/>
+              </a:rPr>
+              <a:t>袮</a:t>
+            </a:r>
+            <a:endParaRPr lang="zh-TW" altLang="en-US" sz="5400" b="1" dirty="0" smtClean="0">
+              <a:solidFill>
+                <a:srgbClr val="660033"/>
+              </a:solidFill>
+              <a:latin typeface="微軟正黑體" pitchFamily="34" charset="-120"/>
+              <a:ea typeface="微軟正黑體" pitchFamily="34" charset="-120"/>
+            </a:endParaRPr>
           </a:p>
           <a:p>
             <a:pPr algn="ctr">
@@ -3652,14 +3680,44 @@
               <a:t>唯</a:t>
             </a:r>
             <a:r>
-              <a:rPr lang="zh-TW" altLang="en-US" sz="5400" b="1" dirty="0">
+              <a:rPr lang="zh-TW" altLang="en-US" sz="5400" b="1" dirty="0" smtClean="0">
                 <a:solidFill>
                   <a:srgbClr val="660033"/>
                 </a:solidFill>
                 <a:latin typeface="微軟正黑體" pitchFamily="34" charset="-120"/>
                 <a:ea typeface="微軟正黑體" pitchFamily="34" charset="-120"/>
               </a:rPr>
-              <a:t>有你是全能真神</a:t>
+              <a:t>有</a:t>
+            </a:r>
+            <a:r>
+              <a:rPr lang="zh-CN" altLang="en-US" sz="5400" b="1" dirty="0">
+                <a:solidFill>
+                  <a:srgbClr val="660033"/>
+                </a:solidFill>
+                <a:latin typeface="微軟正黑體" pitchFamily="34" charset="-120"/>
+                <a:ea typeface="微軟正黑體" pitchFamily="34" charset="-120"/>
+              </a:rPr>
+              <a:t>袮</a:t>
+            </a:r>
+            <a:r>
+              <a:rPr lang="zh-TW" altLang="en-US" sz="5400" b="1" dirty="0" smtClean="0">
+                <a:solidFill>
+                  <a:srgbClr val="660033"/>
+                </a:solidFill>
+                <a:latin typeface="微軟正黑體" pitchFamily="34" charset="-120"/>
+                <a:ea typeface="微軟正黑體" pitchFamily="34" charset="-120"/>
+              </a:rPr>
+              <a:t>是</a:t>
+            </a:r>
+            <a:r>
+              <a:rPr lang="zh-TW" altLang="en-US" sz="5400" b="1" dirty="0">
+                <a:solidFill>
+                  <a:srgbClr val="660033"/>
+                </a:solidFill>
+                <a:latin typeface="微軟正黑體" pitchFamily="34" charset="-120"/>
+                <a:ea typeface="微軟正黑體" pitchFamily="34" charset="-120"/>
+              </a:rPr>
+              <a:t>全能真神</a:t>
             </a:r>
           </a:p>
         </p:txBody>
@@ -3721,25 +3779,8 @@
                 <a:latin typeface="微軟正黑體" pitchFamily="34" charset="-120"/>
                 <a:ea typeface="微軟正黑體" pitchFamily="34" charset="-120"/>
               </a:rPr>
-              <a:t>坐在寶座上聖潔</a:t>
-            </a:r>
-            <a:r>
-              <a:rPr lang="zh-TW" altLang="en-US" sz="4000" b="1" dirty="0">
-                <a:solidFill>
-                  <a:srgbClr val="660033"/>
-                </a:solidFill>
-                <a:latin typeface="微軟正黑體" pitchFamily="34" charset="-120"/>
-                <a:ea typeface="微軟正黑體" pitchFamily="34" charset="-120"/>
-              </a:rPr>
-              <a:t>羔羊</a:t>
-            </a:r>
-            <a:endParaRPr lang="zh-TW" altLang="en-US" sz="4000" b="1" dirty="0">
-              <a:solidFill>
-                <a:srgbClr val="660033"/>
-              </a:solidFill>
-              <a:latin typeface="微軟正黑體" pitchFamily="34" charset="-120"/>
-              <a:ea typeface="微軟正黑體" pitchFamily="34" charset="-120"/>
-            </a:endParaRPr>
+              <a:t>坐在寶座上聖潔羔羊</a:t>
+            </a:r>
           </a:p>
         </p:txBody>
       </p:sp>
@@ -3823,8 +3864,35 @@
                 <a:latin typeface="微軟正黑體" pitchFamily="34" charset="-120"/>
                 <a:ea typeface="微軟正黑體" pitchFamily="34" charset="-120"/>
               </a:rPr>
-              <a:t>我們俯伏敬拜你</a:t>
-            </a:r>
+              <a:t>我們俯伏敬</a:t>
+            </a:r>
+            <a:r>
+              <a:rPr lang="zh-TW" altLang="en-US" sz="5400" b="1" dirty="0" smtClean="0">
+                <a:solidFill>
+                  <a:srgbClr val="660033"/>
+                </a:solidFill>
+                <a:latin typeface="微軟正黑體" pitchFamily="34" charset="-120"/>
+                <a:ea typeface="微軟正黑體" pitchFamily="34" charset="-120"/>
+              </a:rPr>
+              <a:t>拜</a:t>
+            </a:r>
+            <a:r>
+              <a:rPr lang="zh-CN" altLang="en-US" sz="5400" b="1" dirty="0">
+                <a:solidFill>
+                  <a:srgbClr val="660033"/>
+                </a:solidFill>
+                <a:latin typeface="微軟正黑體" pitchFamily="34" charset="-120"/>
+                <a:ea typeface="微軟正黑體" pitchFamily="34" charset="-120"/>
+              </a:rPr>
+              <a:t>袮</a:t>
+            </a:r>
+            <a:endParaRPr lang="zh-TW" altLang="en-US" sz="5400" b="1" dirty="0">
+              <a:solidFill>
+                <a:srgbClr val="660033"/>
+              </a:solidFill>
+              <a:latin typeface="微軟正黑體" pitchFamily="34" charset="-120"/>
+              <a:ea typeface="微軟正黑體" pitchFamily="34" charset="-120"/>
+            </a:endParaRPr>
           </a:p>
           <a:p>
             <a:pPr algn="ctr">
@@ -3853,7 +3921,47 @@
                 <a:latin typeface="微軟正黑體" pitchFamily="34" charset="-120"/>
                 <a:ea typeface="微軟正黑體" pitchFamily="34" charset="-120"/>
               </a:rPr>
-              <a:t>都歸給你直到永遠</a:t>
+              <a:t>都歸</a:t>
+            </a:r>
+            <a:r>
+              <a:rPr lang="zh-TW" altLang="en-US" sz="5400" b="1" dirty="0" smtClean="0">
+                <a:solidFill>
+                  <a:srgbClr val="660033"/>
+                </a:solidFill>
+                <a:latin typeface="微軟正黑體" pitchFamily="34" charset="-120"/>
+                <a:ea typeface="微軟正黑體" pitchFamily="34" charset="-120"/>
+              </a:rPr>
+              <a:t>給</a:t>
+            </a:r>
+            <a:r>
+              <a:rPr lang="zh-CN" altLang="en-US" sz="5400" b="1" dirty="0">
+                <a:solidFill>
+                  <a:srgbClr val="660033"/>
+                </a:solidFill>
+                <a:latin typeface="微軟正黑體" pitchFamily="34" charset="-120"/>
+                <a:ea typeface="微軟正黑體" pitchFamily="34" charset="-120"/>
+              </a:rPr>
+              <a:t>袮</a:t>
+            </a:r>
+            <a:r>
+              <a:rPr lang="zh-TW" altLang="en-US" sz="5400" b="1" dirty="0" smtClean="0">
+                <a:solidFill>
+                  <a:srgbClr val="660033"/>
+                </a:solidFill>
+                <a:latin typeface="微軟正黑體" pitchFamily="34" charset="-120"/>
+                <a:ea typeface="微軟正黑體" pitchFamily="34" charset="-120"/>
+              </a:rPr>
+              <a:t>直</a:t>
+            </a:r>
+            <a:r>
+              <a:rPr lang="zh-TW" altLang="en-US" sz="5400" b="1" dirty="0">
+                <a:solidFill>
+                  <a:srgbClr val="660033"/>
+                </a:solidFill>
+                <a:latin typeface="微軟正黑體" pitchFamily="34" charset="-120"/>
+                <a:ea typeface="微軟正黑體" pitchFamily="34" charset="-120"/>
+              </a:rPr>
+              <a:t>到永遠</a:t>
             </a:r>
           </a:p>
         </p:txBody>
@@ -3915,25 +4023,8 @@
                 <a:latin typeface="微軟正黑體" pitchFamily="34" charset="-120"/>
                 <a:ea typeface="微軟正黑體" pitchFamily="34" charset="-120"/>
               </a:rPr>
-              <a:t>坐在寶座上聖潔</a:t>
-            </a:r>
-            <a:r>
-              <a:rPr lang="zh-TW" altLang="en-US" sz="4000" b="1" dirty="0">
-                <a:solidFill>
-                  <a:srgbClr val="660033"/>
-                </a:solidFill>
-                <a:latin typeface="微軟正黑體" pitchFamily="34" charset="-120"/>
-                <a:ea typeface="微軟正黑體" pitchFamily="34" charset="-120"/>
-              </a:rPr>
-              <a:t>羔羊</a:t>
-            </a:r>
-            <a:endParaRPr lang="zh-TW" altLang="en-US" sz="4000" b="1" dirty="0">
-              <a:solidFill>
-                <a:srgbClr val="660033"/>
-              </a:solidFill>
-              <a:latin typeface="微軟正黑體" pitchFamily="34" charset="-120"/>
-              <a:ea typeface="微軟正黑體" pitchFamily="34" charset="-120"/>
-            </a:endParaRPr>
+              <a:t>坐在寶座上聖潔羔羊</a:t>
+            </a:r>
           </a:p>
         </p:txBody>
       </p:sp>
@@ -3980,7 +4071,37 @@
                 <a:latin typeface="微軟正黑體" pitchFamily="34" charset="-120"/>
                 <a:ea typeface="微軟正黑體" pitchFamily="34" charset="-120"/>
               </a:rPr>
-              <a:t>唯有你配</a:t>
+              <a:t>唯</a:t>
+            </a:r>
+            <a:r>
+              <a:rPr lang="zh-TW" altLang="en-US" sz="5400" b="1" dirty="0" smtClean="0">
+                <a:solidFill>
+                  <a:srgbClr val="660033"/>
+                </a:solidFill>
+                <a:latin typeface="微軟正黑體" pitchFamily="34" charset="-120"/>
+                <a:ea typeface="微軟正黑體" pitchFamily="34" charset="-120"/>
+              </a:rPr>
+              <a:t>有</a:t>
+            </a:r>
+            <a:r>
+              <a:rPr lang="zh-CN" altLang="en-US" sz="5400" b="1" dirty="0">
+                <a:solidFill>
+                  <a:srgbClr val="660033"/>
+                </a:solidFill>
+                <a:latin typeface="微軟正黑體" pitchFamily="34" charset="-120"/>
+                <a:ea typeface="微軟正黑體" pitchFamily="34" charset="-120"/>
+              </a:rPr>
+              <a:t>袮</a:t>
+            </a:r>
+            <a:r>
+              <a:rPr lang="zh-TW" altLang="en-US" sz="5400" b="1" dirty="0" smtClean="0">
+                <a:solidFill>
+                  <a:srgbClr val="660033"/>
+                </a:solidFill>
+                <a:latin typeface="微軟正黑體" pitchFamily="34" charset="-120"/>
+                <a:ea typeface="微軟正黑體" pitchFamily="34" charset="-120"/>
+              </a:rPr>
+              <a:t>配</a:t>
             </a:r>
             <a:r>
               <a:rPr lang="zh-TW" altLang="en-US" sz="5400" b="1" dirty="0" smtClean="0">
@@ -4047,125 +4168,38 @@
                 <a:latin typeface="微軟正黑體" pitchFamily="34" charset="-120"/>
                 <a:ea typeface="微軟正黑體" pitchFamily="34" charset="-120"/>
               </a:rPr>
-              <a:t>我們高舉你聖名直到永遠</a:t>
-            </a:r>
-          </a:p>
-        </p:txBody>
-      </p:sp>
-    </p:spTree>
-  </p:cSld>
-  <p:clrMapOvr>
-    <a:masterClrMapping/>
-  </p:clrMapOvr>
-  <p:timing>
-    <p:tnLst>
-      <p:par>
-        <p:cTn id="1" dur="indefinite" restart="never" nodeType="tmRoot"/>
-      </p:par>
-    </p:tnLst>
-  </p:timing>
-</p:sld>
-</file>
-
-<file path=ppt/slides/slide4.xml><?xml version="1.0" encoding="utf-8"?>
-<p:sld xmlns:a="http://schemas.openxmlformats.org/drawingml/2006/main" xmlns:r="http://schemas.openxmlformats.org/officeDocument/2006/relationships" xmlns:p="http://schemas.openxmlformats.org/presentationml/2006/main">
-  <p:cSld>
-    <p:spTree>
-      <p:nvGrpSpPr>
-        <p:cNvPr id="1" name=""/>
-        <p:cNvGrpSpPr/>
-        <p:nvPr/>
-      </p:nvGrpSpPr>
-      <p:grpSpPr>
-        <a:xfrm>
-          <a:off x="0" y="0"/>
-          <a:ext cx="0" cy="0"/>
-          <a:chOff x="0" y="0"/>
-          <a:chExt cx="0" cy="0"/>
-        </a:xfrm>
-      </p:grpSpPr>
-      <p:sp>
-        <p:nvSpPr>
-          <p:cNvPr id="4" name="標題 3"/>
-          <p:cNvSpPr>
-            <a:spLocks noGrp="1"/>
-          </p:cNvSpPr>
-          <p:nvPr>
-            <p:ph type="title"/>
-          </p:nvPr>
-        </p:nvSpPr>
-        <p:spPr/>
-        <p:txBody>
-          <a:bodyPr>
-            <a:normAutofit/>
-          </a:bodyPr>
-          <a:lstStyle/>
-          <a:p>
-            <a:r>
-              <a:rPr lang="zh-TW" altLang="en-US" sz="4000" b="1" dirty="0">
+              <a:t>我們高</a:t>
+            </a:r>
+            <a:r>
+              <a:rPr lang="zh-TW" altLang="en-US" sz="5400" b="1" dirty="0" smtClean="0">
                 <a:solidFill>
                   <a:srgbClr val="660033"/>
                 </a:solidFill>
                 <a:latin typeface="微軟正黑體" pitchFamily="34" charset="-120"/>
                 <a:ea typeface="微軟正黑體" pitchFamily="34" charset="-120"/>
               </a:rPr>
-              <a:t>坐在寶座上聖潔</a:t>
-            </a:r>
-            <a:r>
-              <a:rPr lang="zh-TW" altLang="en-US" sz="4000" b="1" dirty="0">
+              <a:t>舉</a:t>
+            </a:r>
+            <a:r>
+              <a:rPr lang="zh-CN" altLang="en-US" sz="5400" b="1" dirty="0">
                 <a:solidFill>
                   <a:srgbClr val="660033"/>
                 </a:solidFill>
                 <a:latin typeface="微軟正黑體" pitchFamily="34" charset="-120"/>
                 <a:ea typeface="微軟正黑體" pitchFamily="34" charset="-120"/>
               </a:rPr>
-              <a:t>羔羊</a:t>
-            </a:r>
-            <a:endParaRPr lang="zh-TW" altLang="en-US" sz="4000" b="1" dirty="0">
-              <a:solidFill>
-                <a:srgbClr val="660033"/>
-              </a:solidFill>
-              <a:latin typeface="微軟正黑體" pitchFamily="34" charset="-120"/>
-              <a:ea typeface="微軟正黑體" pitchFamily="34" charset="-120"/>
-            </a:endParaRPr>
-          </a:p>
-        </p:txBody>
-      </p:sp>
-      <p:sp>
-        <p:nvSpPr>
-          <p:cNvPr id="5" name="內容版面配置區 4"/>
-          <p:cNvSpPr>
-            <a:spLocks noGrp="1"/>
-          </p:cNvSpPr>
-          <p:nvPr>
-            <p:ph idx="1"/>
-          </p:nvPr>
-        </p:nvSpPr>
-        <p:spPr/>
-        <p:txBody>
-          <a:bodyPr>
-            <a:normAutofit fontScale="92500" lnSpcReduction="10000"/>
-          </a:bodyPr>
-          <a:lstStyle/>
-          <a:p>
-            <a:pPr algn="ctr">
-              <a:buNone/>
-            </a:pPr>
-            <a:r>
-              <a:rPr lang="zh-TW" altLang="en-US" sz="5400" b="1" dirty="0">
+              <a:t>袮</a:t>
+            </a:r>
+            <a:r>
+              <a:rPr lang="zh-TW" altLang="en-US" sz="5400" b="1" dirty="0" smtClean="0">
                 <a:solidFill>
                   <a:srgbClr val="660033"/>
                 </a:solidFill>
                 <a:latin typeface="微軟正黑體" pitchFamily="34" charset="-120"/>
                 <a:ea typeface="微軟正黑體" pitchFamily="34" charset="-120"/>
               </a:rPr>
-              <a:t>坐在寶座上聖潔羔羊</a:t>
-            </a:r>
-          </a:p>
-          <a:p>
-            <a:pPr algn="ctr">
-              <a:buNone/>
-            </a:pPr>
+              <a:t>聖</a:t>
+            </a:r>
             <a:r>
               <a:rPr lang="zh-TW" altLang="en-US" sz="5400" b="1" dirty="0">
                 <a:solidFill>
@@ -4174,823 +4208,8 @@
                 <a:latin typeface="微軟正黑體" pitchFamily="34" charset="-120"/>
                 <a:ea typeface="微軟正黑體" pitchFamily="34" charset="-120"/>
               </a:rPr>
-              <a:t>我們俯伏敬拜你</a:t>
-            </a:r>
-          </a:p>
-          <a:p>
-            <a:pPr algn="ctr">
-              <a:buNone/>
-            </a:pPr>
-            <a:r>
-              <a:rPr lang="zh-TW" altLang="en-US" sz="5400" b="1" dirty="0">
-                <a:solidFill>
-                  <a:srgbClr val="660033"/>
-                </a:solidFill>
-                <a:latin typeface="微軟正黑體" pitchFamily="34" charset="-120"/>
-                <a:ea typeface="微軟正黑體" pitchFamily="34" charset="-120"/>
-              </a:rPr>
-              <a:t>昔在 今在以後永在</a:t>
-            </a:r>
-          </a:p>
-          <a:p>
-            <a:pPr algn="ctr">
-              <a:buNone/>
-            </a:pPr>
-            <a:r>
-              <a:rPr lang="zh-TW" altLang="en-US" sz="5400" b="1" dirty="0">
-                <a:solidFill>
-                  <a:srgbClr val="660033"/>
-                </a:solidFill>
-                <a:latin typeface="微軟正黑體" pitchFamily="34" charset="-120"/>
-                <a:ea typeface="微軟正黑體" pitchFamily="34" charset="-120"/>
-              </a:rPr>
-              <a:t>唯有你是全能真神</a:t>
-            </a:r>
-          </a:p>
-        </p:txBody>
-      </p:sp>
-    </p:spTree>
-  </p:cSld>
-  <p:clrMapOvr>
-    <a:masterClrMapping/>
-  </p:clrMapOvr>
-  <p:timing>
-    <p:tnLst>
-      <p:par>
-        <p:cTn id="1" dur="indefinite" restart="never" nodeType="tmRoot"/>
-      </p:par>
-    </p:tnLst>
-  </p:timing>
-</p:sld>
-</file>
-
-<file path=ppt/slides/slide5.xml><?xml version="1.0" encoding="utf-8"?>
-<p:sld xmlns:a="http://schemas.openxmlformats.org/drawingml/2006/main" xmlns:r="http://schemas.openxmlformats.org/officeDocument/2006/relationships" xmlns:p="http://schemas.openxmlformats.org/presentationml/2006/main">
-  <p:cSld>
-    <p:spTree>
-      <p:nvGrpSpPr>
-        <p:cNvPr id="1" name=""/>
-        <p:cNvGrpSpPr/>
-        <p:nvPr/>
-      </p:nvGrpSpPr>
-      <p:grpSpPr>
-        <a:xfrm>
-          <a:off x="0" y="0"/>
-          <a:ext cx="0" cy="0"/>
-          <a:chOff x="0" y="0"/>
-          <a:chExt cx="0" cy="0"/>
-        </a:xfrm>
-      </p:grpSpPr>
-      <p:sp>
-        <p:nvSpPr>
-          <p:cNvPr id="4" name="標題 3"/>
-          <p:cNvSpPr>
-            <a:spLocks noGrp="1"/>
-          </p:cNvSpPr>
-          <p:nvPr>
-            <p:ph type="title"/>
-          </p:nvPr>
-        </p:nvSpPr>
-        <p:spPr/>
-        <p:txBody>
-          <a:bodyPr>
-            <a:normAutofit/>
-          </a:bodyPr>
-          <a:lstStyle/>
-          <a:p>
-            <a:r>
-              <a:rPr lang="zh-TW" altLang="en-US" sz="4000" b="1" dirty="0">
-                <a:solidFill>
-                  <a:srgbClr val="660033"/>
-                </a:solidFill>
-                <a:latin typeface="微軟正黑體" pitchFamily="34" charset="-120"/>
-                <a:ea typeface="微軟正黑體" pitchFamily="34" charset="-120"/>
-              </a:rPr>
-              <a:t>坐在寶座上聖潔</a:t>
-            </a:r>
-            <a:r>
-              <a:rPr lang="zh-TW" altLang="en-US" sz="4000" b="1" dirty="0">
-                <a:solidFill>
-                  <a:srgbClr val="660033"/>
-                </a:solidFill>
-                <a:latin typeface="微軟正黑體" pitchFamily="34" charset="-120"/>
-                <a:ea typeface="微軟正黑體" pitchFamily="34" charset="-120"/>
-              </a:rPr>
-              <a:t>羔羊</a:t>
-            </a:r>
-            <a:endParaRPr lang="zh-TW" altLang="en-US" sz="4000" b="1" dirty="0">
-              <a:solidFill>
-                <a:srgbClr val="660033"/>
-              </a:solidFill>
-              <a:latin typeface="微軟正黑體" pitchFamily="34" charset="-120"/>
-              <a:ea typeface="微軟正黑體" pitchFamily="34" charset="-120"/>
-            </a:endParaRPr>
-          </a:p>
-        </p:txBody>
-      </p:sp>
-      <p:sp>
-        <p:nvSpPr>
-          <p:cNvPr id="5" name="內容版面配置區 4"/>
-          <p:cNvSpPr>
-            <a:spLocks noGrp="1"/>
-          </p:cNvSpPr>
-          <p:nvPr>
-            <p:ph idx="1"/>
-          </p:nvPr>
-        </p:nvSpPr>
-        <p:spPr/>
-        <p:txBody>
-          <a:bodyPr>
-            <a:normAutofit fontScale="92500" lnSpcReduction="10000"/>
-          </a:bodyPr>
-          <a:lstStyle/>
-          <a:p>
-            <a:pPr algn="ctr">
-              <a:buNone/>
-            </a:pPr>
-            <a:r>
-              <a:rPr lang="zh-TW" altLang="en-US" sz="5400" b="1" dirty="0">
-                <a:solidFill>
-                  <a:srgbClr val="660033"/>
-                </a:solidFill>
-                <a:latin typeface="微軟正黑體" pitchFamily="34" charset="-120"/>
-                <a:ea typeface="微軟正黑體" pitchFamily="34" charset="-120"/>
-              </a:rPr>
-              <a:t>坐在寶座</a:t>
-            </a:r>
-            <a:r>
-              <a:rPr lang="zh-TW" altLang="en-US" sz="5400" b="1" dirty="0" smtClean="0">
-                <a:solidFill>
-                  <a:srgbClr val="660033"/>
-                </a:solidFill>
-                <a:latin typeface="微軟正黑體" pitchFamily="34" charset="-120"/>
-                <a:ea typeface="微軟正黑體" pitchFamily="34" charset="-120"/>
-              </a:rPr>
-              <a:t>上</a:t>
-            </a:r>
-            <a:r>
-              <a:rPr lang="zh-CN" altLang="en-US" sz="5400" b="1" dirty="0" smtClean="0">
-                <a:solidFill>
-                  <a:srgbClr val="660033"/>
-                </a:solidFill>
-                <a:latin typeface="微軟正黑體" pitchFamily="34" charset="-120"/>
-                <a:ea typeface="微軟正黑體" pitchFamily="34" charset="-120"/>
-              </a:rPr>
-              <a:t>尊貴</a:t>
-            </a:r>
-            <a:r>
-              <a:rPr lang="zh-TW" altLang="en-US" sz="5400" b="1" dirty="0" smtClean="0">
-                <a:solidFill>
-                  <a:srgbClr val="660033"/>
-                </a:solidFill>
-                <a:latin typeface="微軟正黑體" pitchFamily="34" charset="-120"/>
-                <a:ea typeface="微軟正黑體" pitchFamily="34" charset="-120"/>
-              </a:rPr>
-              <a:t>羔羊</a:t>
-            </a:r>
-            <a:endParaRPr lang="zh-TW" altLang="en-US" sz="5400" b="1" dirty="0">
-              <a:solidFill>
-                <a:srgbClr val="660033"/>
-              </a:solidFill>
-              <a:latin typeface="微軟正黑體" pitchFamily="34" charset="-120"/>
-              <a:ea typeface="微軟正黑體" pitchFamily="34" charset="-120"/>
-            </a:endParaRPr>
-          </a:p>
-          <a:p>
-            <a:pPr algn="ctr">
-              <a:buNone/>
-            </a:pPr>
-            <a:r>
-              <a:rPr lang="zh-TW" altLang="en-US" sz="5400" b="1" dirty="0">
-                <a:solidFill>
-                  <a:srgbClr val="660033"/>
-                </a:solidFill>
-                <a:latin typeface="微軟正黑體" pitchFamily="34" charset="-120"/>
-                <a:ea typeface="微軟正黑體" pitchFamily="34" charset="-120"/>
-              </a:rPr>
-              <a:t>我們俯伏敬拜你</a:t>
-            </a:r>
-          </a:p>
-          <a:p>
-            <a:pPr algn="ctr">
-              <a:buNone/>
-            </a:pPr>
-            <a:r>
-              <a:rPr lang="zh-TW" altLang="en-US" sz="5400" b="1" dirty="0">
-                <a:solidFill>
-                  <a:srgbClr val="660033"/>
-                </a:solidFill>
-                <a:latin typeface="微軟正黑體" pitchFamily="34" charset="-120"/>
-                <a:ea typeface="微軟正黑體" pitchFamily="34" charset="-120"/>
-              </a:rPr>
-              <a:t>頌讚 尊貴榮耀權勢</a:t>
-            </a:r>
-          </a:p>
-          <a:p>
-            <a:pPr algn="ctr">
-              <a:buNone/>
-            </a:pPr>
-            <a:r>
-              <a:rPr lang="zh-TW" altLang="en-US" sz="5400" b="1" dirty="0">
-                <a:solidFill>
-                  <a:srgbClr val="660033"/>
-                </a:solidFill>
-                <a:latin typeface="微軟正黑體" pitchFamily="34" charset="-120"/>
-                <a:ea typeface="微軟正黑體" pitchFamily="34" charset="-120"/>
-              </a:rPr>
-              <a:t>都歸給你直到永遠</a:t>
-            </a:r>
-          </a:p>
-        </p:txBody>
-      </p:sp>
-    </p:spTree>
-  </p:cSld>
-  <p:clrMapOvr>
-    <a:masterClrMapping/>
-  </p:clrMapOvr>
-  <p:timing>
-    <p:tnLst>
-      <p:par>
-        <p:cTn id="1" dur="indefinite" restart="never" nodeType="tmRoot"/>
-      </p:par>
-    </p:tnLst>
-  </p:timing>
-</p:sld>
-</file>
-
-<file path=ppt/slides/slide6.xml><?xml version="1.0" encoding="utf-8"?>
-<p:sld xmlns:a="http://schemas.openxmlformats.org/drawingml/2006/main" xmlns:r="http://schemas.openxmlformats.org/officeDocument/2006/relationships" xmlns:p="http://schemas.openxmlformats.org/presentationml/2006/main">
-  <p:cSld>
-    <p:spTree>
-      <p:nvGrpSpPr>
-        <p:cNvPr id="1" name=""/>
-        <p:cNvGrpSpPr/>
-        <p:nvPr/>
-      </p:nvGrpSpPr>
-      <p:grpSpPr>
-        <a:xfrm>
-          <a:off x="0" y="0"/>
-          <a:ext cx="0" cy="0"/>
-          <a:chOff x="0" y="0"/>
-          <a:chExt cx="0" cy="0"/>
-        </a:xfrm>
-      </p:grpSpPr>
-      <p:sp>
-        <p:nvSpPr>
-          <p:cNvPr id="4" name="標題 3"/>
-          <p:cNvSpPr>
-            <a:spLocks noGrp="1"/>
-          </p:cNvSpPr>
-          <p:nvPr>
-            <p:ph type="title"/>
-          </p:nvPr>
-        </p:nvSpPr>
-        <p:spPr/>
-        <p:txBody>
-          <a:bodyPr>
-            <a:normAutofit/>
-          </a:bodyPr>
-          <a:lstStyle/>
-          <a:p>
-            <a:r>
-              <a:rPr lang="zh-TW" altLang="en-US" sz="4000" b="1" dirty="0">
-                <a:solidFill>
-                  <a:srgbClr val="660033"/>
-                </a:solidFill>
-                <a:latin typeface="微軟正黑體" pitchFamily="34" charset="-120"/>
-                <a:ea typeface="微軟正黑體" pitchFamily="34" charset="-120"/>
-              </a:rPr>
-              <a:t>坐在寶座上聖潔</a:t>
-            </a:r>
-            <a:r>
-              <a:rPr lang="zh-TW" altLang="en-US" sz="4000" b="1" dirty="0">
-                <a:solidFill>
-                  <a:srgbClr val="660033"/>
-                </a:solidFill>
-                <a:latin typeface="微軟正黑體" pitchFamily="34" charset="-120"/>
-                <a:ea typeface="微軟正黑體" pitchFamily="34" charset="-120"/>
-              </a:rPr>
-              <a:t>羔羊</a:t>
-            </a:r>
-            <a:endParaRPr lang="zh-TW" altLang="en-US" sz="4000" b="1" dirty="0">
-              <a:solidFill>
-                <a:srgbClr val="660033"/>
-              </a:solidFill>
-              <a:latin typeface="微軟正黑體" pitchFamily="34" charset="-120"/>
-              <a:ea typeface="微軟正黑體" pitchFamily="34" charset="-120"/>
-            </a:endParaRPr>
-          </a:p>
-        </p:txBody>
-      </p:sp>
-      <p:sp>
-        <p:nvSpPr>
-          <p:cNvPr id="5" name="內容版面配置區 4"/>
-          <p:cNvSpPr>
-            <a:spLocks noGrp="1"/>
-          </p:cNvSpPr>
-          <p:nvPr>
-            <p:ph idx="1"/>
-          </p:nvPr>
-        </p:nvSpPr>
-        <p:spPr/>
-        <p:txBody>
-          <a:bodyPr>
-            <a:normAutofit fontScale="92500" lnSpcReduction="10000"/>
-          </a:bodyPr>
-          <a:lstStyle/>
-          <a:p>
-            <a:pPr algn="ctr">
-              <a:buNone/>
-            </a:pPr>
-            <a:r>
-              <a:rPr lang="zh-TW" altLang="en-US" sz="5400" b="1" dirty="0">
-                <a:solidFill>
-                  <a:srgbClr val="660033"/>
-                </a:solidFill>
-                <a:latin typeface="微軟正黑體" pitchFamily="34" charset="-120"/>
-                <a:ea typeface="微軟正黑體" pitchFamily="34" charset="-120"/>
-              </a:rPr>
-              <a:t>萬王之王 萬主之主</a:t>
-            </a:r>
-          </a:p>
-          <a:p>
-            <a:pPr algn="ctr">
-              <a:buNone/>
-            </a:pPr>
-            <a:r>
-              <a:rPr lang="zh-TW" altLang="en-US" sz="5400" b="1" dirty="0">
-                <a:solidFill>
-                  <a:srgbClr val="660033"/>
-                </a:solidFill>
-                <a:latin typeface="微軟正黑體" pitchFamily="34" charset="-120"/>
-                <a:ea typeface="微軟正黑體" pitchFamily="34" charset="-120"/>
-              </a:rPr>
-              <a:t>唯有你配</a:t>
-            </a:r>
-            <a:r>
-              <a:rPr lang="zh-TW" altLang="en-US" sz="5400" b="1" dirty="0" smtClean="0">
-                <a:solidFill>
-                  <a:srgbClr val="660033"/>
-                </a:solidFill>
-                <a:latin typeface="微軟正黑體" pitchFamily="34" charset="-120"/>
-                <a:ea typeface="微軟正黑體" pitchFamily="34" charset="-120"/>
-              </a:rPr>
-              <a:t>得</a:t>
-            </a:r>
-            <a:r>
-              <a:rPr lang="zh-CN" altLang="en-US" sz="5400" b="1" dirty="0" smtClean="0">
-                <a:solidFill>
-                  <a:srgbClr val="660033"/>
-                </a:solidFill>
-                <a:latin typeface="微軟正黑體" pitchFamily="34" charset="-120"/>
-                <a:ea typeface="微軟正黑體" pitchFamily="34" charset="-120"/>
-              </a:rPr>
-              <a:t>敬拜</a:t>
-            </a:r>
-            <a:r>
-              <a:rPr lang="zh-TW" altLang="en-US" sz="5400" b="1" dirty="0" smtClean="0">
-                <a:solidFill>
-                  <a:srgbClr val="660033"/>
-                </a:solidFill>
-                <a:latin typeface="微軟正黑體" pitchFamily="34" charset="-120"/>
-                <a:ea typeface="微軟正黑體" pitchFamily="34" charset="-120"/>
-              </a:rPr>
-              <a:t>和尊崇</a:t>
-            </a:r>
-            <a:endParaRPr lang="zh-TW" altLang="en-US" sz="5400" b="1" dirty="0">
-              <a:solidFill>
-                <a:srgbClr val="660033"/>
-              </a:solidFill>
-              <a:latin typeface="微軟正黑體" pitchFamily="34" charset="-120"/>
-              <a:ea typeface="微軟正黑體" pitchFamily="34" charset="-120"/>
-            </a:endParaRPr>
-          </a:p>
-          <a:p>
-            <a:pPr algn="ctr">
-              <a:buNone/>
-            </a:pPr>
-            <a:r>
-              <a:rPr lang="zh-TW" altLang="en-US" sz="5400" b="1" dirty="0">
-                <a:solidFill>
-                  <a:srgbClr val="660033"/>
-                </a:solidFill>
-                <a:latin typeface="微軟正黑體" pitchFamily="34" charset="-120"/>
-                <a:ea typeface="微軟正黑體" pitchFamily="34" charset="-120"/>
-              </a:rPr>
-              <a:t>萬王之王 萬主之主</a:t>
-            </a:r>
-          </a:p>
-          <a:p>
-            <a:pPr algn="ctr">
-              <a:buNone/>
-            </a:pPr>
-            <a:r>
-              <a:rPr lang="zh-TW" altLang="en-US" sz="5400" b="1" dirty="0">
-                <a:solidFill>
-                  <a:srgbClr val="660033"/>
-                </a:solidFill>
-                <a:latin typeface="微軟正黑體" pitchFamily="34" charset="-120"/>
-                <a:ea typeface="微軟正黑體" pitchFamily="34" charset="-120"/>
-              </a:rPr>
-              <a:t>我們高舉你聖名直到永遠</a:t>
-            </a:r>
-          </a:p>
-        </p:txBody>
-      </p:sp>
-    </p:spTree>
-  </p:cSld>
-  <p:clrMapOvr>
-    <a:masterClrMapping/>
-  </p:clrMapOvr>
-  <p:timing>
-    <p:tnLst>
-      <p:par>
-        <p:cTn id="1" dur="indefinite" restart="never" nodeType="tmRoot"/>
-      </p:par>
-    </p:tnLst>
-  </p:timing>
-</p:sld>
-</file>
-
-<file path=ppt/slides/slide7.xml><?xml version="1.0" encoding="utf-8"?>
-<p:sld xmlns:a="http://schemas.openxmlformats.org/drawingml/2006/main" xmlns:r="http://schemas.openxmlformats.org/officeDocument/2006/relationships" xmlns:p="http://schemas.openxmlformats.org/presentationml/2006/main">
-  <p:cSld>
-    <p:spTree>
-      <p:nvGrpSpPr>
-        <p:cNvPr id="1" name=""/>
-        <p:cNvGrpSpPr/>
-        <p:nvPr/>
-      </p:nvGrpSpPr>
-      <p:grpSpPr>
-        <a:xfrm>
-          <a:off x="0" y="0"/>
-          <a:ext cx="0" cy="0"/>
-          <a:chOff x="0" y="0"/>
-          <a:chExt cx="0" cy="0"/>
-        </a:xfrm>
-      </p:grpSpPr>
-      <p:sp>
-        <p:nvSpPr>
-          <p:cNvPr id="4" name="標題 3"/>
-          <p:cNvSpPr>
-            <a:spLocks noGrp="1"/>
-          </p:cNvSpPr>
-          <p:nvPr>
-            <p:ph type="title"/>
-          </p:nvPr>
-        </p:nvSpPr>
-        <p:spPr/>
-        <p:txBody>
-          <a:bodyPr>
-            <a:normAutofit/>
-          </a:bodyPr>
-          <a:lstStyle/>
-          <a:p>
-            <a:r>
-              <a:rPr lang="zh-TW" altLang="en-US" sz="4000" b="1" dirty="0">
-                <a:solidFill>
-                  <a:srgbClr val="660033"/>
-                </a:solidFill>
-                <a:latin typeface="微軟正黑體" pitchFamily="34" charset="-120"/>
-                <a:ea typeface="微軟正黑體" pitchFamily="34" charset="-120"/>
-              </a:rPr>
-              <a:t>坐在寶座上聖潔</a:t>
-            </a:r>
-            <a:r>
-              <a:rPr lang="zh-TW" altLang="en-US" sz="4000" b="1" dirty="0">
-                <a:solidFill>
-                  <a:srgbClr val="660033"/>
-                </a:solidFill>
-                <a:latin typeface="微軟正黑體" pitchFamily="34" charset="-120"/>
-                <a:ea typeface="微軟正黑體" pitchFamily="34" charset="-120"/>
-              </a:rPr>
-              <a:t>羔羊</a:t>
-            </a:r>
-            <a:endParaRPr lang="zh-TW" altLang="en-US" sz="4000" b="1" dirty="0">
-              <a:solidFill>
-                <a:srgbClr val="660033"/>
-              </a:solidFill>
-              <a:latin typeface="微軟正黑體" pitchFamily="34" charset="-120"/>
-              <a:ea typeface="微軟正黑體" pitchFamily="34" charset="-120"/>
-            </a:endParaRPr>
-          </a:p>
-        </p:txBody>
-      </p:sp>
-      <p:sp>
-        <p:nvSpPr>
-          <p:cNvPr id="5" name="內容版面配置區 4"/>
-          <p:cNvSpPr>
-            <a:spLocks noGrp="1"/>
-          </p:cNvSpPr>
-          <p:nvPr>
-            <p:ph idx="1"/>
-          </p:nvPr>
-        </p:nvSpPr>
-        <p:spPr/>
-        <p:txBody>
-          <a:bodyPr>
-            <a:normAutofit fontScale="92500" lnSpcReduction="10000"/>
-          </a:bodyPr>
-          <a:lstStyle/>
-          <a:p>
-            <a:pPr algn="ctr">
-              <a:buNone/>
-            </a:pPr>
-            <a:r>
-              <a:rPr lang="zh-TW" altLang="en-US" sz="5400" b="1" dirty="0">
-                <a:solidFill>
-                  <a:srgbClr val="660033"/>
-                </a:solidFill>
-                <a:latin typeface="微軟正黑體" pitchFamily="34" charset="-120"/>
-                <a:ea typeface="微軟正黑體" pitchFamily="34" charset="-120"/>
-              </a:rPr>
-              <a:t>萬王之王 萬主之主</a:t>
-            </a:r>
-          </a:p>
-          <a:p>
-            <a:pPr algn="ctr">
-              <a:buNone/>
-            </a:pPr>
-            <a:r>
-              <a:rPr lang="zh-TW" altLang="en-US" sz="5400" b="1" dirty="0">
-                <a:solidFill>
-                  <a:srgbClr val="660033"/>
-                </a:solidFill>
-                <a:latin typeface="微軟正黑體" pitchFamily="34" charset="-120"/>
-                <a:ea typeface="微軟正黑體" pitchFamily="34" charset="-120"/>
-              </a:rPr>
-              <a:t>唯有你配</a:t>
-            </a:r>
-            <a:r>
-              <a:rPr lang="zh-TW" altLang="en-US" sz="5400" b="1" dirty="0" smtClean="0">
-                <a:solidFill>
-                  <a:srgbClr val="660033"/>
-                </a:solidFill>
-                <a:latin typeface="微軟正黑體" pitchFamily="34" charset="-120"/>
-                <a:ea typeface="微軟正黑體" pitchFamily="34" charset="-120"/>
-              </a:rPr>
-              <a:t>得</a:t>
-            </a:r>
-            <a:r>
-              <a:rPr lang="zh-CN" altLang="en-US" sz="5400" b="1" dirty="0" smtClean="0">
-                <a:solidFill>
-                  <a:srgbClr val="660033"/>
-                </a:solidFill>
-                <a:latin typeface="微軟正黑體" pitchFamily="34" charset="-120"/>
-                <a:ea typeface="微軟正黑體" pitchFamily="34" charset="-120"/>
-              </a:rPr>
-              <a:t>敬拜</a:t>
-            </a:r>
-            <a:r>
-              <a:rPr lang="zh-TW" altLang="en-US" sz="5400" b="1" dirty="0" smtClean="0">
-                <a:solidFill>
-                  <a:srgbClr val="660033"/>
-                </a:solidFill>
-                <a:latin typeface="微軟正黑體" pitchFamily="34" charset="-120"/>
-                <a:ea typeface="微軟正黑體" pitchFamily="34" charset="-120"/>
-              </a:rPr>
-              <a:t>和尊崇</a:t>
-            </a:r>
-            <a:endParaRPr lang="zh-TW" altLang="en-US" sz="5400" b="1" dirty="0">
-              <a:solidFill>
-                <a:srgbClr val="660033"/>
-              </a:solidFill>
-              <a:latin typeface="微軟正黑體" pitchFamily="34" charset="-120"/>
-              <a:ea typeface="微軟正黑體" pitchFamily="34" charset="-120"/>
-            </a:endParaRPr>
-          </a:p>
-          <a:p>
-            <a:pPr algn="ctr">
-              <a:buNone/>
-            </a:pPr>
-            <a:r>
-              <a:rPr lang="zh-TW" altLang="en-US" sz="5400" b="1" dirty="0">
-                <a:solidFill>
-                  <a:srgbClr val="660033"/>
-                </a:solidFill>
-                <a:latin typeface="微軟正黑體" pitchFamily="34" charset="-120"/>
-                <a:ea typeface="微軟正黑體" pitchFamily="34" charset="-120"/>
-              </a:rPr>
-              <a:t>萬王之王 萬主之主</a:t>
-            </a:r>
-          </a:p>
-          <a:p>
-            <a:pPr algn="ctr">
-              <a:buNone/>
-            </a:pPr>
-            <a:r>
-              <a:rPr lang="zh-TW" altLang="en-US" sz="5400" b="1" dirty="0">
-                <a:solidFill>
-                  <a:srgbClr val="660033"/>
-                </a:solidFill>
-                <a:latin typeface="微軟正黑體" pitchFamily="34" charset="-120"/>
-                <a:ea typeface="微軟正黑體" pitchFamily="34" charset="-120"/>
-              </a:rPr>
-              <a:t>我們高舉你聖名直到永遠</a:t>
-            </a:r>
-          </a:p>
-        </p:txBody>
-      </p:sp>
-    </p:spTree>
-  </p:cSld>
-  <p:clrMapOvr>
-    <a:masterClrMapping/>
-  </p:clrMapOvr>
-  <p:timing>
-    <p:tnLst>
-      <p:par>
-        <p:cTn id="1" dur="indefinite" restart="never" nodeType="tmRoot"/>
-      </p:par>
-    </p:tnLst>
-  </p:timing>
-</p:sld>
-</file>
-
-<file path=ppt/slides/slide8.xml><?xml version="1.0" encoding="utf-8"?>
-<p:sld xmlns:a="http://schemas.openxmlformats.org/drawingml/2006/main" xmlns:r="http://schemas.openxmlformats.org/officeDocument/2006/relationships" xmlns:p="http://schemas.openxmlformats.org/presentationml/2006/main">
-  <p:cSld>
-    <p:spTree>
-      <p:nvGrpSpPr>
-        <p:cNvPr id="1" name=""/>
-        <p:cNvGrpSpPr/>
-        <p:nvPr/>
-      </p:nvGrpSpPr>
-      <p:grpSpPr>
-        <a:xfrm>
-          <a:off x="0" y="0"/>
-          <a:ext cx="0" cy="0"/>
-          <a:chOff x="0" y="0"/>
-          <a:chExt cx="0" cy="0"/>
-        </a:xfrm>
-      </p:grpSpPr>
-      <p:sp>
-        <p:nvSpPr>
-          <p:cNvPr id="4" name="標題 3"/>
-          <p:cNvSpPr>
-            <a:spLocks noGrp="1"/>
-          </p:cNvSpPr>
-          <p:nvPr>
-            <p:ph type="title"/>
-          </p:nvPr>
-        </p:nvSpPr>
-        <p:spPr/>
-        <p:txBody>
-          <a:bodyPr>
-            <a:normAutofit/>
-          </a:bodyPr>
-          <a:lstStyle/>
-          <a:p>
-            <a:r>
-              <a:rPr lang="zh-TW" altLang="en-US" sz="4000" b="1" dirty="0">
-                <a:solidFill>
-                  <a:srgbClr val="660033"/>
-                </a:solidFill>
-                <a:latin typeface="微軟正黑體" pitchFamily="34" charset="-120"/>
-                <a:ea typeface="微軟正黑體" pitchFamily="34" charset="-120"/>
-              </a:rPr>
-              <a:t>坐在寶座上聖潔</a:t>
-            </a:r>
-            <a:r>
-              <a:rPr lang="zh-TW" altLang="en-US" sz="4000" b="1" dirty="0">
-                <a:solidFill>
-                  <a:srgbClr val="660033"/>
-                </a:solidFill>
-                <a:latin typeface="微軟正黑體" pitchFamily="34" charset="-120"/>
-                <a:ea typeface="微軟正黑體" pitchFamily="34" charset="-120"/>
-              </a:rPr>
-              <a:t>羔羊</a:t>
-            </a:r>
-            <a:endParaRPr lang="zh-TW" altLang="en-US" sz="4000" b="1" dirty="0">
-              <a:solidFill>
-                <a:srgbClr val="660033"/>
-              </a:solidFill>
-              <a:latin typeface="微軟正黑體" pitchFamily="34" charset="-120"/>
-              <a:ea typeface="微軟正黑體" pitchFamily="34" charset="-120"/>
-            </a:endParaRPr>
-          </a:p>
-        </p:txBody>
-      </p:sp>
-      <p:sp>
-        <p:nvSpPr>
-          <p:cNvPr id="5" name="內容版面配置區 4"/>
-          <p:cNvSpPr>
-            <a:spLocks noGrp="1"/>
-          </p:cNvSpPr>
-          <p:nvPr>
-            <p:ph idx="1"/>
-          </p:nvPr>
-        </p:nvSpPr>
-        <p:spPr/>
-        <p:txBody>
-          <a:bodyPr>
-            <a:normAutofit/>
-          </a:bodyPr>
-          <a:lstStyle/>
-          <a:p>
-            <a:pPr algn="ctr">
-              <a:buNone/>
-            </a:pPr>
-            <a:r>
-              <a:rPr lang="zh-TW" altLang="en-US" sz="5400" b="1" dirty="0" smtClean="0">
-                <a:solidFill>
-                  <a:srgbClr val="660033"/>
-                </a:solidFill>
-                <a:latin typeface="微軟正黑體" pitchFamily="34" charset="-120"/>
-                <a:ea typeface="微軟正黑體" pitchFamily="34" charset="-120"/>
-              </a:rPr>
-              <a:t>我</a:t>
-            </a:r>
-            <a:r>
-              <a:rPr lang="zh-TW" altLang="en-US" sz="5400" b="1" dirty="0" smtClean="0">
-                <a:solidFill>
-                  <a:srgbClr val="660033"/>
-                </a:solidFill>
-                <a:latin typeface="微軟正黑體" pitchFamily="34" charset="-120"/>
-                <a:ea typeface="微軟正黑體" pitchFamily="34" charset="-120"/>
-              </a:rPr>
-              <a:t>們</a:t>
-            </a:r>
-            <a:r>
-              <a:rPr lang="zh-TW" altLang="en-US" sz="5400" b="1" dirty="0">
-                <a:solidFill>
-                  <a:srgbClr val="660033"/>
-                </a:solidFill>
-                <a:latin typeface="微軟正黑體" pitchFamily="34" charset="-120"/>
-                <a:ea typeface="微軟正黑體" pitchFamily="34" charset="-120"/>
-              </a:rPr>
-              <a:t>高舉你</a:t>
-            </a:r>
-            <a:r>
-              <a:rPr lang="zh-TW" altLang="en-US" sz="5400" b="1" dirty="0" smtClean="0">
-                <a:solidFill>
-                  <a:srgbClr val="660033"/>
-                </a:solidFill>
-                <a:latin typeface="微軟正黑體" pitchFamily="34" charset="-120"/>
-                <a:ea typeface="微軟正黑體" pitchFamily="34" charset="-120"/>
-              </a:rPr>
-              <a:t>聖名</a:t>
-            </a:r>
-            <a:endParaRPr lang="en-US" altLang="zh-TW" sz="5400" b="1" dirty="0" smtClean="0">
-              <a:solidFill>
-                <a:srgbClr val="660033"/>
-              </a:solidFill>
-              <a:latin typeface="微軟正黑體" pitchFamily="34" charset="-120"/>
-              <a:ea typeface="微軟正黑體" pitchFamily="34" charset="-120"/>
-            </a:endParaRPr>
-          </a:p>
-          <a:p>
-            <a:pPr algn="ctr">
-              <a:buNone/>
-            </a:pPr>
-            <a:r>
-              <a:rPr lang="zh-TW" altLang="en-US" sz="5400" b="1" dirty="0" smtClean="0">
-                <a:solidFill>
-                  <a:srgbClr val="660033"/>
-                </a:solidFill>
-                <a:latin typeface="微軟正黑體" pitchFamily="34" charset="-120"/>
-                <a:ea typeface="微軟正黑體" pitchFamily="34" charset="-120"/>
-              </a:rPr>
-              <a:t>直到永遠 </a:t>
-            </a:r>
-            <a:endParaRPr lang="en-US" altLang="zh-TW" sz="5400" b="1" dirty="0" smtClean="0">
-              <a:solidFill>
-                <a:srgbClr val="660033"/>
-              </a:solidFill>
-              <a:latin typeface="微軟正黑體" pitchFamily="34" charset="-120"/>
-              <a:ea typeface="微軟正黑體" pitchFamily="34" charset="-120"/>
-            </a:endParaRPr>
-          </a:p>
-          <a:p>
-            <a:pPr algn="ctr">
-              <a:buNone/>
-            </a:pPr>
-            <a:r>
-              <a:rPr lang="en-US" altLang="zh-CN" sz="4400" b="1" dirty="0">
-                <a:solidFill>
-                  <a:srgbClr val="660033"/>
-                </a:solidFill>
-                <a:latin typeface="微軟正黑體" pitchFamily="34" charset="-120"/>
-                <a:ea typeface="微軟正黑體" pitchFamily="34" charset="-120"/>
-              </a:rPr>
-              <a:t>(</a:t>
-            </a:r>
-            <a:r>
-              <a:rPr lang="en-US" altLang="zh-CN" sz="4400" b="1" dirty="0" smtClean="0">
-                <a:solidFill>
-                  <a:srgbClr val="660033"/>
-                </a:solidFill>
-                <a:latin typeface="微軟正黑體" pitchFamily="34" charset="-120"/>
-                <a:ea typeface="微軟正黑體" pitchFamily="34" charset="-120"/>
-              </a:rPr>
-              <a:t>x2)</a:t>
-            </a:r>
-            <a:endParaRPr lang="zh-TW" altLang="en-US" sz="5400" b="1" dirty="0">
-              <a:solidFill>
-                <a:srgbClr val="660033"/>
-              </a:solidFill>
-              <a:latin typeface="微軟正黑體" pitchFamily="34" charset="-120"/>
-              <a:ea typeface="微軟正黑體" pitchFamily="34" charset="-120"/>
-            </a:endParaRPr>
+              <a:t>名直到永遠</a:t>
+            </a:r>
           </a:p>
         </p:txBody>
       </p:sp>

--- a/坐在寶座上聖潔羔羊.pptx
+++ b/坐在寶座上聖潔羔羊.pptx
@@ -5,12 +5,16 @@
     <p:sldMasterId id="2147483672" r:id="rId1"/>
   </p:sldMasterIdLst>
   <p:notesMasterIdLst>
-    <p:notesMasterId r:id="rId5"/>
+    <p:notesMasterId r:id="rId9"/>
   </p:notesMasterIdLst>
   <p:sldIdLst>
-    <p:sldId id="256" r:id="rId2"/>
-    <p:sldId id="257" r:id="rId3"/>
-    <p:sldId id="258" r:id="rId4"/>
+    <p:sldId id="259" r:id="rId2"/>
+    <p:sldId id="260" r:id="rId3"/>
+    <p:sldId id="261" r:id="rId4"/>
+    <p:sldId id="262" r:id="rId5"/>
+    <p:sldId id="263" r:id="rId6"/>
+    <p:sldId id="264" r:id="rId7"/>
+    <p:sldId id="265" r:id="rId8"/>
   </p:sldIdLst>
   <p:sldSz cx="9144000" cy="5143500" type="screen16x9"/>
   <p:notesSz cx="6858000" cy="9144000"/>
@@ -211,7 +215,7 @@
             <a:fld id="{007A548E-7098-4CE3-810E-47A3ADCC1150}" type="datetimeFigureOut">
               <a:rPr lang="zh-TW" altLang="en-US" smtClean="0"/>
               <a:pPr/>
-              <a:t>2020/2/15</a:t>
+              <a:t>2021/12/4</a:t>
             </a:fld>
             <a:endParaRPr lang="zh-TW" altLang="en-US"/>
           </a:p>
@@ -482,93 +486,6 @@
 </p:notesMaster>
 </file>
 
-<file path=ppt/notesSlides/notesSlide1.xml><?xml version="1.0" encoding="utf-8"?>
-<p:notes xmlns:a="http://schemas.openxmlformats.org/drawingml/2006/main" xmlns:r="http://schemas.openxmlformats.org/officeDocument/2006/relationships" xmlns:p="http://schemas.openxmlformats.org/presentationml/2006/main">
-  <p:cSld>
-    <p:spTree>
-      <p:nvGrpSpPr>
-        <p:cNvPr id="1" name=""/>
-        <p:cNvGrpSpPr/>
-        <p:nvPr/>
-      </p:nvGrpSpPr>
-      <p:grpSpPr>
-        <a:xfrm>
-          <a:off x="0" y="0"/>
-          <a:ext cx="0" cy="0"/>
-          <a:chOff x="0" y="0"/>
-          <a:chExt cx="0" cy="0"/>
-        </a:xfrm>
-      </p:grpSpPr>
-      <p:sp>
-        <p:nvSpPr>
-          <p:cNvPr id="2" name="投影片圖像版面配置區 1"/>
-          <p:cNvSpPr>
-            <a:spLocks noGrp="1" noRot="1" noChangeAspect="1"/>
-          </p:cNvSpPr>
-          <p:nvPr>
-            <p:ph type="sldImg"/>
-          </p:nvPr>
-        </p:nvSpPr>
-        <p:spPr>
-          <a:xfrm>
-            <a:off x="381000" y="685800"/>
-            <a:ext cx="6096000" cy="3429000"/>
-          </a:xfrm>
-        </p:spPr>
-      </p:sp>
-      <p:sp>
-        <p:nvSpPr>
-          <p:cNvPr id="3" name="備忘稿版面配置區 2"/>
-          <p:cNvSpPr>
-            <a:spLocks noGrp="1"/>
-          </p:cNvSpPr>
-          <p:nvPr>
-            <p:ph type="body" idx="1"/>
-          </p:nvPr>
-        </p:nvSpPr>
-        <p:spPr/>
-        <p:txBody>
-          <a:bodyPr>
-            <a:normAutofit/>
-          </a:bodyPr>
-          <a:lstStyle/>
-          <a:p>
-            <a:endParaRPr lang="zh-TW" altLang="en-US" dirty="0"/>
-          </a:p>
-        </p:txBody>
-      </p:sp>
-      <p:sp>
-        <p:nvSpPr>
-          <p:cNvPr id="4" name="投影片編號版面配置區 3"/>
-          <p:cNvSpPr>
-            <a:spLocks noGrp="1"/>
-          </p:cNvSpPr>
-          <p:nvPr>
-            <p:ph type="sldNum" sz="quarter" idx="10"/>
-          </p:nvPr>
-        </p:nvSpPr>
-        <p:spPr/>
-        <p:txBody>
-          <a:bodyPr/>
-          <a:lstStyle/>
-          <a:p>
-            <a:fld id="{1F3F5638-3618-4DF4-8C9F-7A090890D13D}" type="slidenum">
-              <a:rPr lang="zh-TW" altLang="en-US" smtClean="0"/>
-              <a:pPr/>
-              <a:t>3</a:t>
-            </a:fld>
-            <a:endParaRPr lang="zh-TW" altLang="en-US"/>
-          </a:p>
-        </p:txBody>
-      </p:sp>
-    </p:spTree>
-  </p:cSld>
-  <p:clrMapOvr>
-    <a:masterClrMapping/>
-  </p:clrMapOvr>
-</p:notes>
-</file>
-
 <file path=ppt/slideLayouts/slideLayout1.xml><?xml version="1.0" encoding="utf-8"?>
 <p:sldLayout xmlns:a="http://schemas.openxmlformats.org/drawingml/2006/main" xmlns:r="http://schemas.openxmlformats.org/officeDocument/2006/relationships" xmlns:p="http://schemas.openxmlformats.org/presentationml/2006/main" type="title" preserve="1">
   <p:cSld name="標題投影片">
@@ -751,7 +668,7 @@
             <a:fld id="{14DD3661-1E76-4273-BDC4-E36D4AAA0C58}" type="datetimeFigureOut">
               <a:rPr lang="zh-TW" altLang="en-US" smtClean="0"/>
               <a:pPr/>
-              <a:t>2020/2/15</a:t>
+              <a:t>2021/12/4</a:t>
             </a:fld>
             <a:endParaRPr lang="zh-TW" altLang="en-US"/>
           </a:p>
@@ -918,7 +835,7 @@
             <a:fld id="{14DD3661-1E76-4273-BDC4-E36D4AAA0C58}" type="datetimeFigureOut">
               <a:rPr lang="zh-TW" altLang="en-US" smtClean="0"/>
               <a:pPr/>
-              <a:t>2020/2/15</a:t>
+              <a:t>2021/12/4</a:t>
             </a:fld>
             <a:endParaRPr lang="zh-TW" altLang="en-US"/>
           </a:p>
@@ -1095,7 +1012,7 @@
             <a:fld id="{14DD3661-1E76-4273-BDC4-E36D4AAA0C58}" type="datetimeFigureOut">
               <a:rPr lang="zh-TW" altLang="en-US" smtClean="0"/>
               <a:pPr/>
-              <a:t>2020/2/15</a:t>
+              <a:t>2021/12/4</a:t>
             </a:fld>
             <a:endParaRPr lang="zh-TW" altLang="en-US"/>
           </a:p>
@@ -1262,7 +1179,7 @@
             <a:fld id="{14DD3661-1E76-4273-BDC4-E36D4AAA0C58}" type="datetimeFigureOut">
               <a:rPr lang="zh-TW" altLang="en-US" smtClean="0"/>
               <a:pPr/>
-              <a:t>2020/2/15</a:t>
+              <a:t>2021/12/4</a:t>
             </a:fld>
             <a:endParaRPr lang="zh-TW" altLang="en-US"/>
           </a:p>
@@ -1505,7 +1422,7 @@
             <a:fld id="{14DD3661-1E76-4273-BDC4-E36D4AAA0C58}" type="datetimeFigureOut">
               <a:rPr lang="zh-TW" altLang="en-US" smtClean="0"/>
               <a:pPr/>
-              <a:t>2020/2/15</a:t>
+              <a:t>2021/12/4</a:t>
             </a:fld>
             <a:endParaRPr lang="zh-TW" altLang="en-US"/>
           </a:p>
@@ -1790,7 +1707,7 @@
             <a:fld id="{14DD3661-1E76-4273-BDC4-E36D4AAA0C58}" type="datetimeFigureOut">
               <a:rPr lang="zh-TW" altLang="en-US" smtClean="0"/>
               <a:pPr/>
-              <a:t>2020/2/15</a:t>
+              <a:t>2021/12/4</a:t>
             </a:fld>
             <a:endParaRPr lang="zh-TW" altLang="en-US"/>
           </a:p>
@@ -2209,7 +2126,7 @@
             <a:fld id="{14DD3661-1E76-4273-BDC4-E36D4AAA0C58}" type="datetimeFigureOut">
               <a:rPr lang="zh-TW" altLang="en-US" smtClean="0"/>
               <a:pPr/>
-              <a:t>2020/2/15</a:t>
+              <a:t>2021/12/4</a:t>
             </a:fld>
             <a:endParaRPr lang="zh-TW" altLang="en-US"/>
           </a:p>
@@ -2324,7 +2241,7 @@
             <a:fld id="{14DD3661-1E76-4273-BDC4-E36D4AAA0C58}" type="datetimeFigureOut">
               <a:rPr lang="zh-TW" altLang="en-US" smtClean="0"/>
               <a:pPr/>
-              <a:t>2020/2/15</a:t>
+              <a:t>2021/12/4</a:t>
             </a:fld>
             <a:endParaRPr lang="zh-TW" altLang="en-US"/>
           </a:p>
@@ -2416,7 +2333,7 @@
             <a:fld id="{14DD3661-1E76-4273-BDC4-E36D4AAA0C58}" type="datetimeFigureOut">
               <a:rPr lang="zh-TW" altLang="en-US" smtClean="0"/>
               <a:pPr/>
-              <a:t>2020/2/15</a:t>
+              <a:t>2021/12/4</a:t>
             </a:fld>
             <a:endParaRPr lang="zh-TW" altLang="en-US"/>
           </a:p>
@@ -2690,7 +2607,7 @@
             <a:fld id="{14DD3661-1E76-4273-BDC4-E36D4AAA0C58}" type="datetimeFigureOut">
               <a:rPr lang="zh-TW" altLang="en-US" smtClean="0"/>
               <a:pPr/>
-              <a:t>2020/2/15</a:t>
+              <a:t>2021/12/4</a:t>
             </a:fld>
             <a:endParaRPr lang="zh-TW" altLang="en-US"/>
           </a:p>
@@ -2944,7 +2861,7 @@
             <a:fld id="{14DD3661-1E76-4273-BDC4-E36D4AAA0C58}" type="datetimeFigureOut">
               <a:rPr lang="zh-TW" altLang="en-US" smtClean="0"/>
               <a:pPr/>
-              <a:t>2020/2/15</a:t>
+              <a:t>2021/12/4</a:t>
             </a:fld>
             <a:endParaRPr lang="zh-TW" altLang="en-US"/>
           </a:p>
@@ -3159,7 +3076,7 @@
             <a:fld id="{14DD3661-1E76-4273-BDC4-E36D4AAA0C58}" type="datetimeFigureOut">
               <a:rPr lang="zh-TW" altLang="en-US" smtClean="0"/>
               <a:pPr/>
-              <a:t>2020/2/15</a:t>
+              <a:t>2021/12/4</a:t>
             </a:fld>
             <a:endParaRPr lang="zh-TW" altLang="en-US"/>
           </a:p>
@@ -3540,189 +3457,61 @@
             <p:ph type="title"/>
           </p:nvPr>
         </p:nvSpPr>
-        <p:spPr/>
+        <p:spPr>
+          <a:xfrm>
+            <a:off x="0" y="1995686"/>
+            <a:ext cx="9144000" cy="857250"/>
+          </a:xfrm>
+        </p:spPr>
         <p:txBody>
           <a:bodyPr>
-            <a:normAutofit/>
+            <a:noAutofit/>
           </a:bodyPr>
           <a:lstStyle/>
           <a:p>
             <a:r>
-              <a:rPr lang="zh-TW" altLang="en-US" sz="4000" b="1" dirty="0">
-                <a:solidFill>
-                  <a:srgbClr val="660033"/>
-                </a:solidFill>
+              <a:rPr lang="zh-TW" altLang="en-US" sz="5400" b="1" i="1" dirty="0" smtClean="0">
+                <a:solidFill>
+                  <a:srgbClr val="660033"/>
+                </a:solidFill>
+                <a:effectLst>
+                  <a:outerShdw blurRad="38100" dist="38100" dir="2700000" algn="tl">
+                    <a:srgbClr val="000000">
+                      <a:alpha val="43137"/>
+                    </a:srgbClr>
+                  </a:outerShdw>
+                </a:effectLst>
                 <a:latin typeface="微軟正黑體" pitchFamily="34" charset="-120"/>
                 <a:ea typeface="微軟正黑體" pitchFamily="34" charset="-120"/>
               </a:rPr>
-              <a:t>坐在寶座上聖潔</a:t>
-            </a:r>
-            <a:r>
-              <a:rPr lang="zh-TW" altLang="en-US" sz="4000" b="1" dirty="0" smtClean="0">
-                <a:solidFill>
-                  <a:srgbClr val="660033"/>
-                </a:solidFill>
+              <a:t>坐</a:t>
+            </a:r>
+            <a:r>
+              <a:rPr lang="zh-TW" altLang="en-US" sz="5400" b="1" i="1" dirty="0">
+                <a:solidFill>
+                  <a:srgbClr val="660033"/>
+                </a:solidFill>
+                <a:effectLst>
+                  <a:outerShdw blurRad="38100" dist="38100" dir="2700000" algn="tl">
+                    <a:srgbClr val="000000">
+                      <a:alpha val="43137"/>
+                    </a:srgbClr>
+                  </a:outerShdw>
+                </a:effectLst>
                 <a:latin typeface="微軟正黑體" pitchFamily="34" charset="-120"/>
                 <a:ea typeface="微軟正黑體" pitchFamily="34" charset="-120"/>
               </a:rPr>
-              <a:t>羔羊</a:t>
-            </a:r>
-            <a:endParaRPr lang="zh-TW" altLang="en-US" sz="4000" b="1" dirty="0">
-              <a:solidFill>
-                <a:srgbClr val="660033"/>
-              </a:solidFill>
-              <a:latin typeface="微軟正黑體" pitchFamily="34" charset="-120"/>
-              <a:ea typeface="微軟正黑體" pitchFamily="34" charset="-120"/>
-            </a:endParaRPr>
-          </a:p>
-        </p:txBody>
-      </p:sp>
-      <p:sp>
-        <p:nvSpPr>
-          <p:cNvPr id="5" name="內容版面配置區 4"/>
-          <p:cNvSpPr>
-            <a:spLocks noGrp="1"/>
-          </p:cNvSpPr>
-          <p:nvPr>
-            <p:ph idx="1"/>
-          </p:nvPr>
-        </p:nvSpPr>
-        <p:spPr/>
-        <p:txBody>
-          <a:bodyPr>
-            <a:normAutofit fontScale="92500" lnSpcReduction="10000"/>
-          </a:bodyPr>
-          <a:lstStyle/>
-          <a:p>
-            <a:pPr algn="ctr">
-              <a:buNone/>
-            </a:pPr>
-            <a:r>
-              <a:rPr lang="zh-TW" altLang="en-US" sz="5400" b="1" dirty="0">
-                <a:solidFill>
-                  <a:srgbClr val="660033"/>
-                </a:solidFill>
-                <a:latin typeface="微軟正黑體" pitchFamily="34" charset="-120"/>
-                <a:ea typeface="微軟正黑體" pitchFamily="34" charset="-120"/>
-              </a:rPr>
-              <a:t>坐在寶座上聖潔羔羊</a:t>
-            </a:r>
-          </a:p>
-          <a:p>
-            <a:pPr algn="ctr">
-              <a:buNone/>
-            </a:pPr>
-            <a:r>
-              <a:rPr lang="zh-TW" altLang="en-US" sz="5400" b="1" dirty="0">
-                <a:solidFill>
-                  <a:srgbClr val="660033"/>
-                </a:solidFill>
-                <a:latin typeface="微軟正黑體" pitchFamily="34" charset="-120"/>
-                <a:ea typeface="微軟正黑體" pitchFamily="34" charset="-120"/>
-              </a:rPr>
-              <a:t>我們俯伏敬</a:t>
-            </a:r>
-            <a:r>
-              <a:rPr lang="zh-TW" altLang="en-US" sz="5400" b="1" dirty="0" smtClean="0">
-                <a:solidFill>
-                  <a:srgbClr val="660033"/>
-                </a:solidFill>
-                <a:latin typeface="微軟正黑體" pitchFamily="34" charset="-120"/>
-                <a:ea typeface="微軟正黑體" pitchFamily="34" charset="-120"/>
-              </a:rPr>
-              <a:t>拜</a:t>
-            </a:r>
-            <a:r>
-              <a:rPr lang="zh-CN" altLang="en-US" sz="5400" b="1" dirty="0">
-                <a:solidFill>
-                  <a:srgbClr val="660033"/>
-                </a:solidFill>
-                <a:latin typeface="微軟正黑體" pitchFamily="34" charset="-120"/>
-                <a:ea typeface="微軟正黑體" pitchFamily="34" charset="-120"/>
-              </a:rPr>
-              <a:t>袮</a:t>
-            </a:r>
-            <a:endParaRPr lang="zh-TW" altLang="en-US" sz="5400" b="1" dirty="0" smtClean="0">
-              <a:solidFill>
-                <a:srgbClr val="660033"/>
-              </a:solidFill>
-              <a:latin typeface="微軟正黑體" pitchFamily="34" charset="-120"/>
-              <a:ea typeface="微軟正黑體" pitchFamily="34" charset="-120"/>
-            </a:endParaRPr>
-          </a:p>
-          <a:p>
-            <a:pPr algn="ctr">
-              <a:buNone/>
-            </a:pPr>
-            <a:r>
-              <a:rPr lang="zh-TW" altLang="en-US" sz="5400" b="1" dirty="0" smtClean="0">
-                <a:solidFill>
-                  <a:srgbClr val="660033"/>
-                </a:solidFill>
-                <a:latin typeface="微軟正黑體" pitchFamily="34" charset="-120"/>
-                <a:ea typeface="微軟正黑體" pitchFamily="34" charset="-120"/>
-              </a:rPr>
-              <a:t>昔在 今在以後永在</a:t>
-            </a:r>
-          </a:p>
-          <a:p>
-            <a:pPr algn="ctr">
-              <a:buNone/>
-            </a:pPr>
-            <a:r>
-              <a:rPr lang="zh-TW" altLang="en-US" sz="5400" b="1" dirty="0" smtClean="0">
-                <a:solidFill>
-                  <a:srgbClr val="660033"/>
-                </a:solidFill>
-                <a:latin typeface="微軟正黑體" pitchFamily="34" charset="-120"/>
-                <a:ea typeface="微軟正黑體" pitchFamily="34" charset="-120"/>
-              </a:rPr>
-              <a:t>唯</a:t>
-            </a:r>
-            <a:r>
-              <a:rPr lang="zh-TW" altLang="en-US" sz="5400" b="1" dirty="0" smtClean="0">
-                <a:solidFill>
-                  <a:srgbClr val="660033"/>
-                </a:solidFill>
-                <a:latin typeface="微軟正黑體" pitchFamily="34" charset="-120"/>
-                <a:ea typeface="微軟正黑體" pitchFamily="34" charset="-120"/>
-              </a:rPr>
-              <a:t>有</a:t>
-            </a:r>
-            <a:r>
-              <a:rPr lang="zh-CN" altLang="en-US" sz="5400" b="1" dirty="0">
-                <a:solidFill>
-                  <a:srgbClr val="660033"/>
-                </a:solidFill>
-                <a:latin typeface="微軟正黑體" pitchFamily="34" charset="-120"/>
-                <a:ea typeface="微軟正黑體" pitchFamily="34" charset="-120"/>
-              </a:rPr>
-              <a:t>袮</a:t>
-            </a:r>
-            <a:r>
-              <a:rPr lang="zh-TW" altLang="en-US" sz="5400" b="1" dirty="0" smtClean="0">
-                <a:solidFill>
-                  <a:srgbClr val="660033"/>
-                </a:solidFill>
-                <a:latin typeface="微軟正黑體" pitchFamily="34" charset="-120"/>
-                <a:ea typeface="微軟正黑體" pitchFamily="34" charset="-120"/>
-              </a:rPr>
-              <a:t>是</a:t>
-            </a:r>
-            <a:r>
-              <a:rPr lang="zh-TW" altLang="en-US" sz="5400" b="1" dirty="0">
-                <a:solidFill>
-                  <a:srgbClr val="660033"/>
-                </a:solidFill>
-                <a:latin typeface="微軟正黑體" pitchFamily="34" charset="-120"/>
-                <a:ea typeface="微軟正黑體" pitchFamily="34" charset="-120"/>
-              </a:rPr>
-              <a:t>全能真神</a:t>
+              <a:t>在寶座上聖潔羔羊</a:t>
             </a:r>
           </a:p>
         </p:txBody>
       </p:sp>
     </p:spTree>
+    <p:extLst>
+      <p:ext uri="{BB962C8B-B14F-4D97-AF65-F5344CB8AC3E}">
+        <p14:creationId xmlns:p14="http://schemas.microsoft.com/office/powerpoint/2010/main" val="2224278233"/>
+      </p:ext>
+    </p:extLst>
   </p:cSld>
   <p:clrMapOvr>
     <a:masterClrMapping/>
@@ -3756,23 +3545,31 @@
       </p:grpSpPr>
       <p:sp>
         <p:nvSpPr>
-          <p:cNvPr id="4" name="標題 3"/>
-          <p:cNvSpPr>
-            <a:spLocks noGrp="1"/>
-          </p:cNvSpPr>
-          <p:nvPr>
-            <p:ph type="title"/>
-          </p:nvPr>
-        </p:nvSpPr>
-        <p:spPr/>
-        <p:txBody>
-          <a:bodyPr>
+          <p:cNvPr id="5" name="內容版面配置區 4"/>
+          <p:cNvSpPr>
+            <a:spLocks noGrp="1"/>
+          </p:cNvSpPr>
+          <p:nvPr>
+            <p:ph idx="1"/>
+          </p:nvPr>
+        </p:nvSpPr>
+        <p:spPr>
+          <a:xfrm>
+            <a:off x="0" y="1563638"/>
+            <a:ext cx="9144000" cy="1803647"/>
+          </a:xfrm>
+        </p:spPr>
+        <p:txBody>
+          <a:bodyPr anchor="ctr">
             <a:normAutofit/>
           </a:bodyPr>
           <a:lstStyle/>
           <a:p>
-            <a:r>
-              <a:rPr lang="zh-TW" altLang="en-US" sz="4000" b="1" dirty="0">
+            <a:pPr algn="ctr">
+              <a:buNone/>
+            </a:pPr>
+            <a:r>
+              <a:rPr lang="zh-TW" altLang="en-US" sz="4800" b="1" dirty="0">
                 <a:solidFill>
                   <a:srgbClr val="660033"/>
                 </a:solidFill>
@@ -3782,69 +3579,31 @@
               <a:t>坐在寶座上聖潔羔羊</a:t>
             </a:r>
           </a:p>
-        </p:txBody>
-      </p:sp>
-      <p:sp>
-        <p:nvSpPr>
-          <p:cNvPr id="5" name="內容版面配置區 4"/>
-          <p:cNvSpPr>
-            <a:spLocks noGrp="1"/>
-          </p:cNvSpPr>
-          <p:nvPr>
-            <p:ph idx="1"/>
-          </p:nvPr>
-        </p:nvSpPr>
-        <p:spPr/>
-        <p:txBody>
-          <a:bodyPr>
-            <a:normAutofit fontScale="92500" lnSpcReduction="10000"/>
-          </a:bodyPr>
-          <a:lstStyle/>
           <a:p>
             <a:pPr algn="ctr">
               <a:buNone/>
             </a:pPr>
             <a:r>
-              <a:rPr lang="zh-TW" altLang="en-US" sz="5400" b="1" dirty="0">
+              <a:rPr lang="zh-TW" altLang="en-US" sz="4800" b="1" dirty="0">
                 <a:solidFill>
                   <a:srgbClr val="660033"/>
                 </a:solidFill>
                 <a:latin typeface="微軟正黑體" pitchFamily="34" charset="-120"/>
                 <a:ea typeface="微軟正黑體" pitchFamily="34" charset="-120"/>
               </a:rPr>
-              <a:t>坐在寶座</a:t>
-            </a:r>
-            <a:r>
-              <a:rPr lang="zh-TW" altLang="en-US" sz="5400" b="1" dirty="0" smtClean="0">
+              <a:t>我們俯伏敬拜</a:t>
+            </a:r>
+            <a:r>
+              <a:rPr lang="zh-CN" altLang="en-US" sz="4800" b="1" dirty="0">
                 <a:solidFill>
                   <a:srgbClr val="660033"/>
                 </a:solidFill>
                 <a:latin typeface="微軟正黑體" pitchFamily="34" charset="-120"/>
                 <a:ea typeface="微軟正黑體" pitchFamily="34" charset="-120"/>
               </a:rPr>
-              <a:t>上</a:t>
-            </a:r>
-            <a:r>
-              <a:rPr lang="zh-CN" altLang="en-US" sz="5400" b="1" dirty="0" smtClean="0">
-                <a:solidFill>
-                  <a:srgbClr val="660033"/>
-                </a:solidFill>
-                <a:latin typeface="微軟正黑體" pitchFamily="34" charset="-120"/>
-                <a:ea typeface="微軟正黑體" pitchFamily="34" charset="-120"/>
-              </a:rPr>
-              <a:t>尊貴</a:t>
-            </a:r>
-            <a:r>
-              <a:rPr lang="zh-TW" altLang="en-US" sz="5400" b="1" dirty="0" smtClean="0">
-                <a:solidFill>
-                  <a:srgbClr val="660033"/>
-                </a:solidFill>
-                <a:latin typeface="微軟正黑體" pitchFamily="34" charset="-120"/>
-                <a:ea typeface="微軟正黑體" pitchFamily="34" charset="-120"/>
-              </a:rPr>
-              <a:t>羔羊</a:t>
-            </a:r>
-            <a:endParaRPr lang="zh-TW" altLang="en-US" sz="5400" b="1" dirty="0">
+              <a:t>袮</a:t>
+            </a:r>
+            <a:endParaRPr lang="zh-TW" altLang="en-US" sz="4800" b="1" dirty="0">
               <a:solidFill>
                 <a:srgbClr val="660033"/>
               </a:solidFill>
@@ -3852,121 +3611,91 @@
               <a:ea typeface="微軟正黑體" pitchFamily="34" charset="-120"/>
             </a:endParaRPr>
           </a:p>
-          <a:p>
-            <a:pPr algn="ctr">
-              <a:buNone/>
-            </a:pPr>
-            <a:r>
-              <a:rPr lang="zh-TW" altLang="en-US" sz="5400" b="1" dirty="0">
-                <a:solidFill>
-                  <a:srgbClr val="660033"/>
-                </a:solidFill>
-                <a:latin typeface="微軟正黑體" pitchFamily="34" charset="-120"/>
-                <a:ea typeface="微軟正黑體" pitchFamily="34" charset="-120"/>
-              </a:rPr>
-              <a:t>我們俯伏敬</a:t>
-            </a:r>
-            <a:r>
-              <a:rPr lang="zh-TW" altLang="en-US" sz="5400" b="1" dirty="0" smtClean="0">
-                <a:solidFill>
-                  <a:srgbClr val="660033"/>
-                </a:solidFill>
-                <a:latin typeface="微軟正黑體" pitchFamily="34" charset="-120"/>
-                <a:ea typeface="微軟正黑體" pitchFamily="34" charset="-120"/>
-              </a:rPr>
-              <a:t>拜</a:t>
-            </a:r>
-            <a:r>
-              <a:rPr lang="zh-CN" altLang="en-US" sz="5400" b="1" dirty="0">
-                <a:solidFill>
-                  <a:srgbClr val="660033"/>
-                </a:solidFill>
-                <a:latin typeface="微軟正黑體" pitchFamily="34" charset="-120"/>
-                <a:ea typeface="微軟正黑體" pitchFamily="34" charset="-120"/>
-              </a:rPr>
-              <a:t>袮</a:t>
-            </a:r>
-            <a:endParaRPr lang="zh-TW" altLang="en-US" sz="5400" b="1" dirty="0">
+        </p:txBody>
+      </p:sp>
+      <p:sp>
+        <p:nvSpPr>
+          <p:cNvPr id="3" name="TextBox 2"/>
+          <p:cNvSpPr txBox="1"/>
+          <p:nvPr/>
+        </p:nvSpPr>
+        <p:spPr>
+          <a:xfrm>
+            <a:off x="0" y="3795887"/>
+            <a:ext cx="9144000" cy="646331"/>
+          </a:xfrm>
+          <a:prstGeom prst="rect">
+            <a:avLst/>
+          </a:prstGeom>
+          <a:noFill/>
+        </p:spPr>
+        <p:txBody>
+          <a:bodyPr wrap="square" rtlCol="0">
+            <a:spAutoFit/>
+          </a:bodyPr>
+          <a:lstStyle/>
+          <a:p>
+            <a:pPr algn="ctr"/>
+            <a:r>
+              <a:rPr lang="en-US" sz="3600" b="1" dirty="0">
+                <a:solidFill>
+                  <a:srgbClr val="660033"/>
+                </a:solidFill>
+                <a:effectLst/>
+                <a:latin typeface="Microsoft JhengHei" panose="020B0604030504040204" pitchFamily="34" charset="-120"/>
+                <a:ea typeface="Microsoft JhengHei" panose="020B0604030504040204" pitchFamily="34" charset="-120"/>
+              </a:rPr>
+              <a:t>( </a:t>
+            </a:r>
+            <a:r>
+              <a:rPr lang="zh-CN" altLang="en-US" sz="3600" b="1" dirty="0" smtClean="0">
+                <a:solidFill>
+                  <a:srgbClr val="660033"/>
+                </a:solidFill>
+                <a:effectLst/>
+                <a:latin typeface="Microsoft JhengHei" panose="020B0604030504040204" pitchFamily="34" charset="-120"/>
+                <a:ea typeface="Microsoft JhengHei" panose="020B0604030504040204" pitchFamily="34" charset="-120"/>
+              </a:rPr>
+              <a:t>正</a:t>
+            </a:r>
+            <a:r>
+              <a:rPr lang="en-US" altLang="zh-CN" sz="3600" b="1" dirty="0" smtClean="0">
+                <a:solidFill>
+                  <a:srgbClr val="660033"/>
+                </a:solidFill>
+                <a:effectLst/>
+                <a:latin typeface="Microsoft JhengHei" panose="020B0604030504040204" pitchFamily="34" charset="-120"/>
+                <a:ea typeface="Microsoft JhengHei" panose="020B0604030504040204" pitchFamily="34" charset="-120"/>
+              </a:rPr>
+              <a:t> </a:t>
+            </a:r>
+            <a:r>
+              <a:rPr lang="en-US" sz="3600" b="1" dirty="0" smtClean="0">
+                <a:solidFill>
+                  <a:srgbClr val="660033"/>
+                </a:solidFill>
+                <a:effectLst/>
+                <a:latin typeface="Microsoft JhengHei" panose="020B0604030504040204" pitchFamily="34" charset="-120"/>
+                <a:ea typeface="Microsoft JhengHei" panose="020B0604030504040204" pitchFamily="34" charset="-120"/>
+              </a:rPr>
+              <a:t>)</a:t>
+            </a:r>
+            <a:endParaRPr lang="vi-VN" sz="3600" b="1" dirty="0">
               <a:solidFill>
                 <a:srgbClr val="660033"/>
               </a:solidFill>
-              <a:latin typeface="微軟正黑體" pitchFamily="34" charset="-120"/>
-              <a:ea typeface="微軟正黑體" pitchFamily="34" charset="-120"/>
+              <a:effectLst/>
+              <a:ea typeface="Microsoft JhengHei" panose="020B0604030504040204" pitchFamily="34" charset="-120"/>
             </a:endParaRPr>
           </a:p>
-          <a:p>
-            <a:pPr algn="ctr">
-              <a:buNone/>
-            </a:pPr>
-            <a:r>
-              <a:rPr lang="zh-TW" altLang="en-US" sz="5400" b="1" dirty="0">
-                <a:solidFill>
-                  <a:srgbClr val="660033"/>
-                </a:solidFill>
-                <a:latin typeface="微軟正黑體" pitchFamily="34" charset="-120"/>
-                <a:ea typeface="微軟正黑體" pitchFamily="34" charset="-120"/>
-              </a:rPr>
-              <a:t>頌讚 尊貴榮耀權勢</a:t>
-            </a:r>
-          </a:p>
-          <a:p>
-            <a:pPr algn="ctr">
-              <a:buNone/>
-            </a:pPr>
-            <a:r>
-              <a:rPr lang="zh-TW" altLang="en-US" sz="5400" b="1" dirty="0">
-                <a:solidFill>
-                  <a:srgbClr val="660033"/>
-                </a:solidFill>
-                <a:latin typeface="微軟正黑體" pitchFamily="34" charset="-120"/>
-                <a:ea typeface="微軟正黑體" pitchFamily="34" charset="-120"/>
-              </a:rPr>
-              <a:t>都歸</a:t>
-            </a:r>
-            <a:r>
-              <a:rPr lang="zh-TW" altLang="en-US" sz="5400" b="1" dirty="0" smtClean="0">
-                <a:solidFill>
-                  <a:srgbClr val="660033"/>
-                </a:solidFill>
-                <a:latin typeface="微軟正黑體" pitchFamily="34" charset="-120"/>
-                <a:ea typeface="微軟正黑體" pitchFamily="34" charset="-120"/>
-              </a:rPr>
-              <a:t>給</a:t>
-            </a:r>
-            <a:r>
-              <a:rPr lang="zh-CN" altLang="en-US" sz="5400" b="1" dirty="0">
-                <a:solidFill>
-                  <a:srgbClr val="660033"/>
-                </a:solidFill>
-                <a:latin typeface="微軟正黑體" pitchFamily="34" charset="-120"/>
-                <a:ea typeface="微軟正黑體" pitchFamily="34" charset="-120"/>
-              </a:rPr>
-              <a:t>袮</a:t>
-            </a:r>
-            <a:r>
-              <a:rPr lang="zh-TW" altLang="en-US" sz="5400" b="1" dirty="0" smtClean="0">
-                <a:solidFill>
-                  <a:srgbClr val="660033"/>
-                </a:solidFill>
-                <a:latin typeface="微軟正黑體" pitchFamily="34" charset="-120"/>
-                <a:ea typeface="微軟正黑體" pitchFamily="34" charset="-120"/>
-              </a:rPr>
-              <a:t>直</a:t>
-            </a:r>
-            <a:r>
-              <a:rPr lang="zh-TW" altLang="en-US" sz="5400" b="1" dirty="0">
-                <a:solidFill>
-                  <a:srgbClr val="660033"/>
-                </a:solidFill>
-                <a:latin typeface="微軟正黑體" pitchFamily="34" charset="-120"/>
-                <a:ea typeface="微軟正黑體" pitchFamily="34" charset="-120"/>
-              </a:rPr>
-              <a:t>到永遠</a:t>
-            </a:r>
-          </a:p>
         </p:txBody>
       </p:sp>
     </p:spTree>
+    <p:extLst>
+      <p:ext uri="{BB962C8B-B14F-4D97-AF65-F5344CB8AC3E}">
+        <p14:creationId xmlns:p14="http://schemas.microsoft.com/office/powerpoint/2010/main" val="2592727"/>
+      </p:ext>
+    </p:extLst>
   </p:cSld>
   <p:clrMapOvr>
     <a:masterClrMapping/>
@@ -4000,91 +3729,76 @@
       </p:grpSpPr>
       <p:sp>
         <p:nvSpPr>
-          <p:cNvPr id="4" name="標題 3"/>
-          <p:cNvSpPr>
-            <a:spLocks noGrp="1"/>
-          </p:cNvSpPr>
-          <p:nvPr>
-            <p:ph type="title"/>
-          </p:nvPr>
-        </p:nvSpPr>
-        <p:spPr/>
-        <p:txBody>
-          <a:bodyPr>
+          <p:cNvPr id="5" name="內容版面配置區 4"/>
+          <p:cNvSpPr>
+            <a:spLocks noGrp="1"/>
+          </p:cNvSpPr>
+          <p:nvPr>
+            <p:ph idx="1"/>
+          </p:nvPr>
+        </p:nvSpPr>
+        <p:spPr>
+          <a:xfrm>
+            <a:off x="0" y="1563638"/>
+            <a:ext cx="9144000" cy="1803647"/>
+          </a:xfrm>
+        </p:spPr>
+        <p:txBody>
+          <a:bodyPr anchor="ctr">
             <a:normAutofit/>
           </a:bodyPr>
           <a:lstStyle/>
           <a:p>
-            <a:r>
-              <a:rPr lang="zh-TW" altLang="en-US" sz="4000" b="1" dirty="0">
+            <a:pPr algn="ctr">
+              <a:buNone/>
+            </a:pPr>
+            <a:r>
+              <a:rPr lang="zh-TW" altLang="en-US" sz="4800" b="1" dirty="0">
                 <a:solidFill>
                   <a:srgbClr val="660033"/>
                 </a:solidFill>
                 <a:latin typeface="微軟正黑體" pitchFamily="34" charset="-120"/>
                 <a:ea typeface="微軟正黑體" pitchFamily="34" charset="-120"/>
               </a:rPr>
-              <a:t>坐在寶座上聖潔羔羊</a:t>
-            </a:r>
-          </a:p>
-        </p:txBody>
-      </p:sp>
-      <p:sp>
-        <p:nvSpPr>
-          <p:cNvPr id="5" name="內容版面配置區 4"/>
-          <p:cNvSpPr>
-            <a:spLocks noGrp="1"/>
-          </p:cNvSpPr>
-          <p:nvPr>
-            <p:ph idx="1"/>
-          </p:nvPr>
-        </p:nvSpPr>
-        <p:spPr/>
-        <p:txBody>
-          <a:bodyPr>
-            <a:normAutofit fontScale="92500" lnSpcReduction="10000"/>
-          </a:bodyPr>
-          <a:lstStyle/>
-          <a:p>
-            <a:pPr algn="ctr">
-              <a:buNone/>
-            </a:pPr>
-            <a:r>
-              <a:rPr lang="zh-TW" altLang="en-US" sz="5400" b="1" dirty="0">
+              <a:t>昔在 </a:t>
+            </a:r>
+            <a:r>
+              <a:rPr lang="zh-TW" altLang="en-US" sz="4800" b="1" dirty="0" smtClean="0">
                 <a:solidFill>
                   <a:srgbClr val="660033"/>
                 </a:solidFill>
                 <a:latin typeface="微軟正黑體" pitchFamily="34" charset="-120"/>
                 <a:ea typeface="微軟正黑體" pitchFamily="34" charset="-120"/>
               </a:rPr>
-              <a:t>萬王之王 萬主之主</a:t>
-            </a:r>
-          </a:p>
-          <a:p>
-            <a:pPr algn="ctr">
-              <a:buNone/>
-            </a:pPr>
-            <a:r>
-              <a:rPr lang="zh-TW" altLang="en-US" sz="5400" b="1" dirty="0">
+              <a:t> 今</a:t>
+            </a:r>
+            <a:r>
+              <a:rPr lang="zh-TW" altLang="en-US" sz="4800" b="1" dirty="0">
                 <a:solidFill>
                   <a:srgbClr val="660033"/>
                 </a:solidFill>
                 <a:latin typeface="微軟正黑體" pitchFamily="34" charset="-120"/>
                 <a:ea typeface="微軟正黑體" pitchFamily="34" charset="-120"/>
               </a:rPr>
-              <a:t>唯</a:t>
-            </a:r>
-            <a:r>
-              <a:rPr lang="zh-TW" altLang="en-US" sz="5400" b="1" dirty="0" smtClean="0">
+              <a:t>在以後永在</a:t>
+            </a:r>
+          </a:p>
+          <a:p>
+            <a:pPr algn="ctr">
+              <a:buNone/>
+            </a:pPr>
+            <a:r>
+              <a:rPr lang="zh-TW" altLang="en-US" sz="4800" b="1" dirty="0">
                 <a:solidFill>
                   <a:srgbClr val="660033"/>
                 </a:solidFill>
                 <a:latin typeface="微軟正黑體" pitchFamily="34" charset="-120"/>
                 <a:ea typeface="微軟正黑體" pitchFamily="34" charset="-120"/>
               </a:rPr>
-              <a:t>有</a:t>
-            </a:r>
-            <a:r>
-              <a:rPr lang="zh-CN" altLang="en-US" sz="5400" b="1" dirty="0">
+              <a:t>唯有</a:t>
+            </a:r>
+            <a:r>
+              <a:rPr lang="zh-CN" altLang="en-US" sz="4800" b="1" dirty="0">
                 <a:solidFill>
                   <a:srgbClr val="660033"/>
                 </a:solidFill>
@@ -4094,46 +3808,16 @@
               <a:t>袮</a:t>
             </a:r>
             <a:r>
-              <a:rPr lang="zh-TW" altLang="en-US" sz="5400" b="1" dirty="0" smtClean="0">
+              <a:rPr lang="zh-TW" altLang="en-US" sz="4800" b="1" dirty="0">
                 <a:solidFill>
                   <a:srgbClr val="660033"/>
                 </a:solidFill>
                 <a:latin typeface="微軟正黑體" pitchFamily="34" charset="-120"/>
                 <a:ea typeface="微軟正黑體" pitchFamily="34" charset="-120"/>
               </a:rPr>
-              <a:t>配</a:t>
-            </a:r>
-            <a:r>
-              <a:rPr lang="zh-TW" altLang="en-US" sz="5400" b="1" dirty="0" smtClean="0">
-                <a:solidFill>
-                  <a:srgbClr val="660033"/>
-                </a:solidFill>
-                <a:latin typeface="微軟正黑體" pitchFamily="34" charset="-120"/>
-                <a:ea typeface="微軟正黑體" pitchFamily="34" charset="-120"/>
-              </a:rPr>
-              <a:t>得</a:t>
-            </a:r>
-            <a:r>
-              <a:rPr lang="zh-CN" altLang="en-US" sz="5400" b="1" dirty="0" smtClean="0">
-                <a:solidFill>
-                  <a:srgbClr val="660033"/>
-                </a:solidFill>
-                <a:latin typeface="微軟正黑體" pitchFamily="34" charset="-120"/>
-                <a:ea typeface="微軟正黑體" pitchFamily="34" charset="-120"/>
-              </a:rPr>
-              <a:t>敬拜</a:t>
-            </a:r>
-            <a:r>
-              <a:rPr lang="zh-TW" altLang="en-US" sz="5400" b="1" dirty="0" smtClean="0">
-                <a:solidFill>
-                  <a:srgbClr val="660033"/>
-                </a:solidFill>
-                <a:latin typeface="微軟正黑體" pitchFamily="34" charset="-120"/>
-                <a:ea typeface="微軟正黑體" pitchFamily="34" charset="-120"/>
-              </a:rPr>
-              <a:t>和尊崇</a:t>
-            </a:r>
-            <a:endParaRPr lang="zh-TW" altLang="en-US" sz="5400" b="1" dirty="0">
+              <a:t>是全能真神</a:t>
+            </a:r>
+            <a:endParaRPr lang="zh-TW" altLang="en-US" sz="4800" b="1" dirty="0">
               <a:solidFill>
                 <a:srgbClr val="660033"/>
               </a:solidFill>
@@ -4141,79 +3825,945 @@
               <a:ea typeface="微軟正黑體" pitchFamily="34" charset="-120"/>
             </a:endParaRPr>
           </a:p>
+        </p:txBody>
+      </p:sp>
+      <p:sp>
+        <p:nvSpPr>
+          <p:cNvPr id="3" name="TextBox 2"/>
+          <p:cNvSpPr txBox="1"/>
+          <p:nvPr/>
+        </p:nvSpPr>
+        <p:spPr>
+          <a:xfrm>
+            <a:off x="0" y="3795887"/>
+            <a:ext cx="9144000" cy="646331"/>
+          </a:xfrm>
+          <a:prstGeom prst="rect">
+            <a:avLst/>
+          </a:prstGeom>
+          <a:noFill/>
+        </p:spPr>
+        <p:txBody>
+          <a:bodyPr wrap="square" rtlCol="0">
+            <a:spAutoFit/>
+          </a:bodyPr>
+          <a:lstStyle/>
+          <a:p>
+            <a:pPr algn="ctr"/>
+            <a:r>
+              <a:rPr lang="en-US" sz="3600" b="1" dirty="0">
+                <a:solidFill>
+                  <a:srgbClr val="660033"/>
+                </a:solidFill>
+                <a:effectLst/>
+                <a:latin typeface="Microsoft JhengHei" panose="020B0604030504040204" pitchFamily="34" charset="-120"/>
+                <a:ea typeface="Microsoft JhengHei" panose="020B0604030504040204" pitchFamily="34" charset="-120"/>
+              </a:rPr>
+              <a:t>( </a:t>
+            </a:r>
+            <a:r>
+              <a:rPr lang="zh-CN" altLang="en-US" sz="3600" b="1" dirty="0" smtClean="0">
+                <a:solidFill>
+                  <a:srgbClr val="660033"/>
+                </a:solidFill>
+                <a:effectLst/>
+                <a:latin typeface="Microsoft JhengHei" panose="020B0604030504040204" pitchFamily="34" charset="-120"/>
+                <a:ea typeface="Microsoft JhengHei" panose="020B0604030504040204" pitchFamily="34" charset="-120"/>
+              </a:rPr>
+              <a:t>正</a:t>
+            </a:r>
+            <a:r>
+              <a:rPr lang="en-US" altLang="zh-CN" sz="3600" b="1" dirty="0" smtClean="0">
+                <a:solidFill>
+                  <a:srgbClr val="660033"/>
+                </a:solidFill>
+                <a:effectLst/>
+                <a:latin typeface="Microsoft JhengHei" panose="020B0604030504040204" pitchFamily="34" charset="-120"/>
+                <a:ea typeface="Microsoft JhengHei" panose="020B0604030504040204" pitchFamily="34" charset="-120"/>
+              </a:rPr>
+              <a:t> </a:t>
+            </a:r>
+            <a:r>
+              <a:rPr lang="en-US" sz="3600" b="1" dirty="0" smtClean="0">
+                <a:solidFill>
+                  <a:srgbClr val="660033"/>
+                </a:solidFill>
+                <a:effectLst/>
+                <a:latin typeface="Microsoft JhengHei" panose="020B0604030504040204" pitchFamily="34" charset="-120"/>
+                <a:ea typeface="Microsoft JhengHei" panose="020B0604030504040204" pitchFamily="34" charset="-120"/>
+              </a:rPr>
+              <a:t>)</a:t>
+            </a:r>
+            <a:endParaRPr lang="vi-VN" sz="3600" b="1" dirty="0">
+              <a:solidFill>
+                <a:srgbClr val="660033"/>
+              </a:solidFill>
+              <a:effectLst/>
+              <a:ea typeface="Microsoft JhengHei" panose="020B0604030504040204" pitchFamily="34" charset="-120"/>
+            </a:endParaRPr>
+          </a:p>
+        </p:txBody>
+      </p:sp>
+    </p:spTree>
+    <p:extLst>
+      <p:ext uri="{BB962C8B-B14F-4D97-AF65-F5344CB8AC3E}">
+        <p14:creationId xmlns:p14="http://schemas.microsoft.com/office/powerpoint/2010/main" val="2212305609"/>
+      </p:ext>
+    </p:extLst>
+  </p:cSld>
+  <p:clrMapOvr>
+    <a:masterClrMapping/>
+  </p:clrMapOvr>
+  <p:timing>
+    <p:tnLst>
+      <p:par>
+        <p:cTn id="1" dur="indefinite" restart="never" nodeType="tmRoot"/>
+      </p:par>
+    </p:tnLst>
+  </p:timing>
+</p:sld>
+</file>
+
+<file path=ppt/slides/slide4.xml><?xml version="1.0" encoding="utf-8"?>
+<p:sld xmlns:a="http://schemas.openxmlformats.org/drawingml/2006/main" xmlns:r="http://schemas.openxmlformats.org/officeDocument/2006/relationships" xmlns:p="http://schemas.openxmlformats.org/presentationml/2006/main">
+  <p:cSld>
+    <p:spTree>
+      <p:nvGrpSpPr>
+        <p:cNvPr id="1" name=""/>
+        <p:cNvGrpSpPr/>
+        <p:nvPr/>
+      </p:nvGrpSpPr>
+      <p:grpSpPr>
+        <a:xfrm>
+          <a:off x="0" y="0"/>
+          <a:ext cx="0" cy="0"/>
+          <a:chOff x="0" y="0"/>
+          <a:chExt cx="0" cy="0"/>
+        </a:xfrm>
+      </p:grpSpPr>
+      <p:sp>
+        <p:nvSpPr>
+          <p:cNvPr id="5" name="內容版面配置區 4"/>
+          <p:cNvSpPr>
+            <a:spLocks noGrp="1"/>
+          </p:cNvSpPr>
+          <p:nvPr>
+            <p:ph idx="1"/>
+          </p:nvPr>
+        </p:nvSpPr>
+        <p:spPr>
+          <a:xfrm>
+            <a:off x="0" y="1563638"/>
+            <a:ext cx="9144000" cy="1803647"/>
+          </a:xfrm>
+        </p:spPr>
+        <p:txBody>
+          <a:bodyPr anchor="ctr">
+            <a:normAutofit/>
+          </a:bodyPr>
+          <a:lstStyle/>
           <a:p>
             <a:pPr algn="ctr">
               <a:buNone/>
             </a:pPr>
             <a:r>
-              <a:rPr lang="zh-TW" altLang="en-US" sz="5400" b="1" dirty="0">
+              <a:rPr lang="zh-TW" altLang="en-US" sz="4800" b="1" dirty="0">
                 <a:solidFill>
                   <a:srgbClr val="660033"/>
                 </a:solidFill>
                 <a:latin typeface="微軟正黑體" pitchFamily="34" charset="-120"/>
                 <a:ea typeface="微軟正黑體" pitchFamily="34" charset="-120"/>
               </a:rPr>
-              <a:t>萬王之王 萬主之主</a:t>
-            </a:r>
-          </a:p>
-          <a:p>
-            <a:pPr algn="ctr">
-              <a:buNone/>
-            </a:pPr>
-            <a:r>
-              <a:rPr lang="zh-TW" altLang="en-US" sz="5400" b="1" dirty="0">
+              <a:t>坐在寶座上</a:t>
+            </a:r>
+            <a:r>
+              <a:rPr lang="zh-CN" altLang="en-US" sz="4800" b="1" dirty="0">
                 <a:solidFill>
                   <a:srgbClr val="660033"/>
                 </a:solidFill>
                 <a:latin typeface="微軟正黑體" pitchFamily="34" charset="-120"/>
                 <a:ea typeface="微軟正黑體" pitchFamily="34" charset="-120"/>
               </a:rPr>
-              <a:t>我們高</a:t>
-            </a:r>
-            <a:r>
-              <a:rPr lang="zh-TW" altLang="en-US" sz="5400" b="1" dirty="0" smtClean="0">
+              <a:t>尊貴</a:t>
+            </a:r>
+            <a:r>
+              <a:rPr lang="zh-TW" altLang="en-US" sz="4800" b="1" dirty="0">
                 <a:solidFill>
                   <a:srgbClr val="660033"/>
                 </a:solidFill>
                 <a:latin typeface="微軟正黑體" pitchFamily="34" charset="-120"/>
                 <a:ea typeface="微軟正黑體" pitchFamily="34" charset="-120"/>
               </a:rPr>
-              <a:t>舉</a:t>
-            </a:r>
-            <a:r>
-              <a:rPr lang="zh-CN" altLang="en-US" sz="5400" b="1" dirty="0">
+              <a:t>羔羊</a:t>
+            </a:r>
+          </a:p>
+          <a:p>
+            <a:pPr algn="ctr">
+              <a:buNone/>
+            </a:pPr>
+            <a:r>
+              <a:rPr lang="zh-TW" altLang="en-US" sz="4800" b="1" dirty="0">
                 <a:solidFill>
                   <a:srgbClr val="660033"/>
                 </a:solidFill>
                 <a:latin typeface="微軟正黑體" pitchFamily="34" charset="-120"/>
                 <a:ea typeface="微軟正黑體" pitchFamily="34" charset="-120"/>
               </a:rPr>
-              <a:t>袮</a:t>
-            </a:r>
-            <a:r>
-              <a:rPr lang="zh-TW" altLang="en-US" sz="5400" b="1" dirty="0" smtClean="0">
+              <a:t>我們俯伏敬拜</a:t>
+            </a:r>
+            <a:r>
+              <a:rPr lang="zh-CN" altLang="en-US" sz="4800" b="1" dirty="0">
                 <a:solidFill>
                   <a:srgbClr val="660033"/>
                 </a:solidFill>
                 <a:latin typeface="微軟正黑體" pitchFamily="34" charset="-120"/>
                 <a:ea typeface="微軟正黑體" pitchFamily="34" charset="-120"/>
               </a:rPr>
-              <a:t>聖</a:t>
-            </a:r>
-            <a:r>
-              <a:rPr lang="zh-TW" altLang="en-US" sz="5400" b="1" dirty="0">
+              <a:t>袮</a:t>
+            </a:r>
+            <a:endParaRPr lang="zh-TW" altLang="en-US" sz="4800" b="1" dirty="0">
+              <a:solidFill>
+                <a:srgbClr val="660033"/>
+              </a:solidFill>
+              <a:latin typeface="微軟正黑體" pitchFamily="34" charset="-120"/>
+              <a:ea typeface="微軟正黑體" pitchFamily="34" charset="-120"/>
+            </a:endParaRPr>
+          </a:p>
+        </p:txBody>
+      </p:sp>
+      <p:sp>
+        <p:nvSpPr>
+          <p:cNvPr id="3" name="TextBox 2"/>
+          <p:cNvSpPr txBox="1"/>
+          <p:nvPr/>
+        </p:nvSpPr>
+        <p:spPr>
+          <a:xfrm>
+            <a:off x="0" y="3795887"/>
+            <a:ext cx="9144000" cy="646331"/>
+          </a:xfrm>
+          <a:prstGeom prst="rect">
+            <a:avLst/>
+          </a:prstGeom>
+          <a:noFill/>
+        </p:spPr>
+        <p:txBody>
+          <a:bodyPr wrap="square" rtlCol="0">
+            <a:spAutoFit/>
+          </a:bodyPr>
+          <a:lstStyle/>
+          <a:p>
+            <a:pPr algn="ctr"/>
+            <a:r>
+              <a:rPr lang="en-US" sz="3600" b="1" dirty="0">
+                <a:solidFill>
+                  <a:srgbClr val="660033"/>
+                </a:solidFill>
+                <a:effectLst/>
+                <a:latin typeface="Microsoft JhengHei" panose="020B0604030504040204" pitchFamily="34" charset="-120"/>
+                <a:ea typeface="Microsoft JhengHei" panose="020B0604030504040204" pitchFamily="34" charset="-120"/>
+              </a:rPr>
+              <a:t>( </a:t>
+            </a:r>
+            <a:r>
+              <a:rPr lang="zh-CN" altLang="en-US" sz="3600" b="1" dirty="0" smtClean="0">
+                <a:solidFill>
+                  <a:srgbClr val="660033"/>
+                </a:solidFill>
+                <a:effectLst/>
+                <a:latin typeface="Microsoft JhengHei" panose="020B0604030504040204" pitchFamily="34" charset="-120"/>
+                <a:ea typeface="Microsoft JhengHei" panose="020B0604030504040204" pitchFamily="34" charset="-120"/>
+              </a:rPr>
+              <a:t>正</a:t>
+            </a:r>
+            <a:r>
+              <a:rPr lang="en-US" altLang="zh-CN" sz="3600" b="1" dirty="0" smtClean="0">
+                <a:solidFill>
+                  <a:srgbClr val="660033"/>
+                </a:solidFill>
+                <a:effectLst/>
+                <a:latin typeface="Microsoft JhengHei" panose="020B0604030504040204" pitchFamily="34" charset="-120"/>
+                <a:ea typeface="Microsoft JhengHei" panose="020B0604030504040204" pitchFamily="34" charset="-120"/>
+              </a:rPr>
+              <a:t> </a:t>
+            </a:r>
+            <a:r>
+              <a:rPr lang="en-US" sz="3600" b="1" dirty="0" smtClean="0">
+                <a:solidFill>
+                  <a:srgbClr val="660033"/>
+                </a:solidFill>
+                <a:effectLst/>
+                <a:latin typeface="Microsoft JhengHei" panose="020B0604030504040204" pitchFamily="34" charset="-120"/>
+                <a:ea typeface="Microsoft JhengHei" panose="020B0604030504040204" pitchFamily="34" charset="-120"/>
+              </a:rPr>
+              <a:t>)</a:t>
+            </a:r>
+            <a:endParaRPr lang="vi-VN" sz="3600" b="1" dirty="0">
+              <a:solidFill>
+                <a:srgbClr val="660033"/>
+              </a:solidFill>
+              <a:effectLst/>
+              <a:ea typeface="Microsoft JhengHei" panose="020B0604030504040204" pitchFamily="34" charset="-120"/>
+            </a:endParaRPr>
+          </a:p>
+        </p:txBody>
+      </p:sp>
+    </p:spTree>
+    <p:extLst>
+      <p:ext uri="{BB962C8B-B14F-4D97-AF65-F5344CB8AC3E}">
+        <p14:creationId xmlns:p14="http://schemas.microsoft.com/office/powerpoint/2010/main" val="4244612282"/>
+      </p:ext>
+    </p:extLst>
+  </p:cSld>
+  <p:clrMapOvr>
+    <a:masterClrMapping/>
+  </p:clrMapOvr>
+  <p:timing>
+    <p:tnLst>
+      <p:par>
+        <p:cTn id="1" dur="indefinite" restart="never" nodeType="tmRoot"/>
+      </p:par>
+    </p:tnLst>
+  </p:timing>
+</p:sld>
+</file>
+
+<file path=ppt/slides/slide5.xml><?xml version="1.0" encoding="utf-8"?>
+<p:sld xmlns:a="http://schemas.openxmlformats.org/drawingml/2006/main" xmlns:r="http://schemas.openxmlformats.org/officeDocument/2006/relationships" xmlns:p="http://schemas.openxmlformats.org/presentationml/2006/main">
+  <p:cSld>
+    <p:spTree>
+      <p:nvGrpSpPr>
+        <p:cNvPr id="1" name=""/>
+        <p:cNvGrpSpPr/>
+        <p:nvPr/>
+      </p:nvGrpSpPr>
+      <p:grpSpPr>
+        <a:xfrm>
+          <a:off x="0" y="0"/>
+          <a:ext cx="0" cy="0"/>
+          <a:chOff x="0" y="0"/>
+          <a:chExt cx="0" cy="0"/>
+        </a:xfrm>
+      </p:grpSpPr>
+      <p:sp>
+        <p:nvSpPr>
+          <p:cNvPr id="5" name="內容版面配置區 4"/>
+          <p:cNvSpPr>
+            <a:spLocks noGrp="1"/>
+          </p:cNvSpPr>
+          <p:nvPr>
+            <p:ph idx="1"/>
+          </p:nvPr>
+        </p:nvSpPr>
+        <p:spPr>
+          <a:xfrm>
+            <a:off x="0" y="1563638"/>
+            <a:ext cx="9144000" cy="1803647"/>
+          </a:xfrm>
+        </p:spPr>
+        <p:txBody>
+          <a:bodyPr anchor="ctr">
+            <a:normAutofit/>
+          </a:bodyPr>
+          <a:lstStyle/>
+          <a:p>
+            <a:pPr algn="ctr">
+              <a:buNone/>
+            </a:pPr>
+            <a:r>
+              <a:rPr lang="zh-TW" altLang="en-US" sz="4800" b="1" dirty="0">
                 <a:solidFill>
                   <a:srgbClr val="660033"/>
                 </a:solidFill>
                 <a:latin typeface="微軟正黑體" pitchFamily="34" charset="-120"/>
                 <a:ea typeface="微軟正黑體" pitchFamily="34" charset="-120"/>
               </a:rPr>
-              <a:t>名直到永遠</a:t>
-            </a:r>
+              <a:t>頌讚 </a:t>
+            </a:r>
+            <a:r>
+              <a:rPr lang="zh-TW" altLang="en-US" sz="4800" b="1" dirty="0" smtClean="0">
+                <a:solidFill>
+                  <a:srgbClr val="660033"/>
+                </a:solidFill>
+                <a:latin typeface="微軟正黑體" pitchFamily="34" charset="-120"/>
+                <a:ea typeface="微軟正黑體" pitchFamily="34" charset="-120"/>
+              </a:rPr>
+              <a:t> 尊貴  榮耀  權</a:t>
+            </a:r>
+            <a:r>
+              <a:rPr lang="zh-TW" altLang="en-US" sz="4800" b="1" dirty="0">
+                <a:solidFill>
+                  <a:srgbClr val="660033"/>
+                </a:solidFill>
+                <a:latin typeface="微軟正黑體" pitchFamily="34" charset="-120"/>
+                <a:ea typeface="微軟正黑體" pitchFamily="34" charset="-120"/>
+              </a:rPr>
+              <a:t>勢</a:t>
+            </a:r>
+          </a:p>
+          <a:p>
+            <a:pPr algn="ctr">
+              <a:buNone/>
+            </a:pPr>
+            <a:r>
+              <a:rPr lang="zh-TW" altLang="en-US" sz="4800" b="1" dirty="0">
+                <a:solidFill>
+                  <a:srgbClr val="660033"/>
+                </a:solidFill>
+                <a:latin typeface="微軟正黑體" pitchFamily="34" charset="-120"/>
+                <a:ea typeface="微軟正黑體" pitchFamily="34" charset="-120"/>
+              </a:rPr>
+              <a:t>都歸給</a:t>
+            </a:r>
+            <a:r>
+              <a:rPr lang="zh-CN" altLang="en-US" sz="4800" b="1" dirty="0">
+                <a:solidFill>
+                  <a:srgbClr val="660033"/>
+                </a:solidFill>
+                <a:latin typeface="微軟正黑體" pitchFamily="34" charset="-120"/>
+                <a:ea typeface="微軟正黑體" pitchFamily="34" charset="-120"/>
+              </a:rPr>
+              <a:t>袮</a:t>
+            </a:r>
+            <a:r>
+              <a:rPr lang="zh-TW" altLang="en-US" sz="4800" b="1" dirty="0">
+                <a:solidFill>
+                  <a:srgbClr val="660033"/>
+                </a:solidFill>
+                <a:latin typeface="微軟正黑體" pitchFamily="34" charset="-120"/>
+                <a:ea typeface="微軟正黑體" pitchFamily="34" charset="-120"/>
+              </a:rPr>
+              <a:t>直到永遠</a:t>
+            </a:r>
+            <a:endParaRPr lang="zh-TW" altLang="en-US" sz="4800" b="1" dirty="0">
+              <a:solidFill>
+                <a:srgbClr val="660033"/>
+              </a:solidFill>
+              <a:latin typeface="微軟正黑體" pitchFamily="34" charset="-120"/>
+              <a:ea typeface="微軟正黑體" pitchFamily="34" charset="-120"/>
+            </a:endParaRPr>
+          </a:p>
+        </p:txBody>
+      </p:sp>
+      <p:sp>
+        <p:nvSpPr>
+          <p:cNvPr id="3" name="TextBox 2"/>
+          <p:cNvSpPr txBox="1"/>
+          <p:nvPr/>
+        </p:nvSpPr>
+        <p:spPr>
+          <a:xfrm>
+            <a:off x="0" y="3795887"/>
+            <a:ext cx="9144000" cy="646331"/>
+          </a:xfrm>
+          <a:prstGeom prst="rect">
+            <a:avLst/>
+          </a:prstGeom>
+          <a:noFill/>
+        </p:spPr>
+        <p:txBody>
+          <a:bodyPr wrap="square" rtlCol="0">
+            <a:spAutoFit/>
+          </a:bodyPr>
+          <a:lstStyle/>
+          <a:p>
+            <a:pPr algn="ctr"/>
+            <a:r>
+              <a:rPr lang="en-US" sz="3600" b="1" dirty="0">
+                <a:solidFill>
+                  <a:srgbClr val="660033"/>
+                </a:solidFill>
+                <a:effectLst/>
+                <a:latin typeface="Microsoft JhengHei" panose="020B0604030504040204" pitchFamily="34" charset="-120"/>
+                <a:ea typeface="Microsoft JhengHei" panose="020B0604030504040204" pitchFamily="34" charset="-120"/>
+              </a:rPr>
+              <a:t>( </a:t>
+            </a:r>
+            <a:r>
+              <a:rPr lang="zh-CN" altLang="en-US" sz="3600" b="1" dirty="0" smtClean="0">
+                <a:solidFill>
+                  <a:srgbClr val="660033"/>
+                </a:solidFill>
+                <a:effectLst/>
+                <a:latin typeface="Microsoft JhengHei" panose="020B0604030504040204" pitchFamily="34" charset="-120"/>
+                <a:ea typeface="Microsoft JhengHei" panose="020B0604030504040204" pitchFamily="34" charset="-120"/>
+              </a:rPr>
+              <a:t>正</a:t>
+            </a:r>
+            <a:r>
+              <a:rPr lang="en-US" altLang="zh-CN" sz="3600" b="1" dirty="0" smtClean="0">
+                <a:solidFill>
+                  <a:srgbClr val="660033"/>
+                </a:solidFill>
+                <a:effectLst/>
+                <a:latin typeface="Microsoft JhengHei" panose="020B0604030504040204" pitchFamily="34" charset="-120"/>
+                <a:ea typeface="Microsoft JhengHei" panose="020B0604030504040204" pitchFamily="34" charset="-120"/>
+              </a:rPr>
+              <a:t> </a:t>
+            </a:r>
+            <a:r>
+              <a:rPr lang="en-US" sz="3600" b="1" dirty="0" smtClean="0">
+                <a:solidFill>
+                  <a:srgbClr val="660033"/>
+                </a:solidFill>
+                <a:effectLst/>
+                <a:latin typeface="Microsoft JhengHei" panose="020B0604030504040204" pitchFamily="34" charset="-120"/>
+                <a:ea typeface="Microsoft JhengHei" panose="020B0604030504040204" pitchFamily="34" charset="-120"/>
+              </a:rPr>
+              <a:t>)</a:t>
+            </a:r>
+            <a:endParaRPr lang="vi-VN" sz="3600" b="1" dirty="0">
+              <a:solidFill>
+                <a:srgbClr val="660033"/>
+              </a:solidFill>
+              <a:effectLst/>
+              <a:ea typeface="Microsoft JhengHei" panose="020B0604030504040204" pitchFamily="34" charset="-120"/>
+            </a:endParaRPr>
           </a:p>
         </p:txBody>
       </p:sp>
     </p:spTree>
+    <p:extLst>
+      <p:ext uri="{BB962C8B-B14F-4D97-AF65-F5344CB8AC3E}">
+        <p14:creationId xmlns:p14="http://schemas.microsoft.com/office/powerpoint/2010/main" val="579269172"/>
+      </p:ext>
+    </p:extLst>
+  </p:cSld>
+  <p:clrMapOvr>
+    <a:masterClrMapping/>
+  </p:clrMapOvr>
+  <p:timing>
+    <p:tnLst>
+      <p:par>
+        <p:cTn id="1" dur="indefinite" restart="never" nodeType="tmRoot"/>
+      </p:par>
+    </p:tnLst>
+  </p:timing>
+</p:sld>
+</file>
+
+<file path=ppt/slides/slide6.xml><?xml version="1.0" encoding="utf-8"?>
+<p:sld xmlns:a="http://schemas.openxmlformats.org/drawingml/2006/main" xmlns:r="http://schemas.openxmlformats.org/officeDocument/2006/relationships" xmlns:p="http://schemas.openxmlformats.org/presentationml/2006/main">
+  <p:cSld>
+    <p:spTree>
+      <p:nvGrpSpPr>
+        <p:cNvPr id="1" name=""/>
+        <p:cNvGrpSpPr/>
+        <p:nvPr/>
+      </p:nvGrpSpPr>
+      <p:grpSpPr>
+        <a:xfrm>
+          <a:off x="0" y="0"/>
+          <a:ext cx="0" cy="0"/>
+          <a:chOff x="0" y="0"/>
+          <a:chExt cx="0" cy="0"/>
+        </a:xfrm>
+      </p:grpSpPr>
+      <p:sp>
+        <p:nvSpPr>
+          <p:cNvPr id="5" name="內容版面配置區 4"/>
+          <p:cNvSpPr>
+            <a:spLocks noGrp="1"/>
+          </p:cNvSpPr>
+          <p:nvPr>
+            <p:ph idx="1"/>
+          </p:nvPr>
+        </p:nvSpPr>
+        <p:spPr>
+          <a:xfrm>
+            <a:off x="0" y="1563638"/>
+            <a:ext cx="9144000" cy="1803647"/>
+          </a:xfrm>
+        </p:spPr>
+        <p:txBody>
+          <a:bodyPr anchor="ctr">
+            <a:normAutofit/>
+          </a:bodyPr>
+          <a:lstStyle/>
+          <a:p>
+            <a:pPr algn="ctr">
+              <a:buNone/>
+            </a:pPr>
+            <a:r>
+              <a:rPr lang="zh-TW" altLang="en-US" sz="4800" b="1" dirty="0">
+                <a:solidFill>
+                  <a:srgbClr val="660033"/>
+                </a:solidFill>
+                <a:latin typeface="微軟正黑體" pitchFamily="34" charset="-120"/>
+                <a:ea typeface="微軟正黑體" pitchFamily="34" charset="-120"/>
+              </a:rPr>
+              <a:t>萬王之王 </a:t>
+            </a:r>
+            <a:r>
+              <a:rPr lang="zh-TW" altLang="en-US" sz="4800" b="1" dirty="0" smtClean="0">
+                <a:solidFill>
+                  <a:srgbClr val="660033"/>
+                </a:solidFill>
+                <a:latin typeface="微軟正黑體" pitchFamily="34" charset="-120"/>
+                <a:ea typeface="微軟正黑體" pitchFamily="34" charset="-120"/>
+              </a:rPr>
+              <a:t>  萬</a:t>
+            </a:r>
+            <a:r>
+              <a:rPr lang="zh-TW" altLang="en-US" sz="4800" b="1" dirty="0">
+                <a:solidFill>
+                  <a:srgbClr val="660033"/>
+                </a:solidFill>
+                <a:latin typeface="微軟正黑體" pitchFamily="34" charset="-120"/>
+                <a:ea typeface="微軟正黑體" pitchFamily="34" charset="-120"/>
+              </a:rPr>
+              <a:t>主之主</a:t>
+            </a:r>
+          </a:p>
+          <a:p>
+            <a:pPr algn="ctr">
+              <a:buNone/>
+            </a:pPr>
+            <a:r>
+              <a:rPr lang="zh-TW" altLang="en-US" sz="4800" b="1" dirty="0">
+                <a:solidFill>
+                  <a:srgbClr val="660033"/>
+                </a:solidFill>
+                <a:latin typeface="微軟正黑體" pitchFamily="34" charset="-120"/>
+                <a:ea typeface="微軟正黑體" pitchFamily="34" charset="-120"/>
+              </a:rPr>
+              <a:t>唯有</a:t>
+            </a:r>
+            <a:r>
+              <a:rPr lang="zh-CN" altLang="en-US" sz="4800" b="1" dirty="0">
+                <a:solidFill>
+                  <a:srgbClr val="660033"/>
+                </a:solidFill>
+                <a:latin typeface="微軟正黑體" pitchFamily="34" charset="-120"/>
+                <a:ea typeface="微軟正黑體" pitchFamily="34" charset="-120"/>
+              </a:rPr>
+              <a:t>袮</a:t>
+            </a:r>
+            <a:r>
+              <a:rPr lang="zh-TW" altLang="en-US" sz="4800" b="1" dirty="0">
+                <a:solidFill>
+                  <a:srgbClr val="660033"/>
+                </a:solidFill>
+                <a:latin typeface="微軟正黑體" pitchFamily="34" charset="-120"/>
+                <a:ea typeface="微軟正黑體" pitchFamily="34" charset="-120"/>
+              </a:rPr>
+              <a:t>配得</a:t>
+            </a:r>
+            <a:r>
+              <a:rPr lang="zh-CN" altLang="en-US" sz="4800" b="1" dirty="0">
+                <a:solidFill>
+                  <a:srgbClr val="660033"/>
+                </a:solidFill>
+                <a:latin typeface="微軟正黑體" pitchFamily="34" charset="-120"/>
+                <a:ea typeface="微軟正黑體" pitchFamily="34" charset="-120"/>
+              </a:rPr>
+              <a:t>敬拜</a:t>
+            </a:r>
+            <a:r>
+              <a:rPr lang="zh-TW" altLang="en-US" sz="4800" b="1" dirty="0">
+                <a:solidFill>
+                  <a:srgbClr val="660033"/>
+                </a:solidFill>
+                <a:latin typeface="微軟正黑體" pitchFamily="34" charset="-120"/>
+                <a:ea typeface="微軟正黑體" pitchFamily="34" charset="-120"/>
+              </a:rPr>
+              <a:t>和尊崇</a:t>
+            </a:r>
+            <a:endParaRPr lang="zh-TW" altLang="en-US" sz="4800" b="1" dirty="0">
+              <a:solidFill>
+                <a:srgbClr val="660033"/>
+              </a:solidFill>
+              <a:latin typeface="微軟正黑體" pitchFamily="34" charset="-120"/>
+              <a:ea typeface="微軟正黑體" pitchFamily="34" charset="-120"/>
+            </a:endParaRPr>
+          </a:p>
+        </p:txBody>
+      </p:sp>
+      <p:sp>
+        <p:nvSpPr>
+          <p:cNvPr id="3" name="TextBox 2"/>
+          <p:cNvSpPr txBox="1"/>
+          <p:nvPr/>
+        </p:nvSpPr>
+        <p:spPr>
+          <a:xfrm>
+            <a:off x="0" y="3795887"/>
+            <a:ext cx="9144000" cy="646331"/>
+          </a:xfrm>
+          <a:prstGeom prst="rect">
+            <a:avLst/>
+          </a:prstGeom>
+          <a:noFill/>
+        </p:spPr>
+        <p:txBody>
+          <a:bodyPr wrap="square" rtlCol="0">
+            <a:spAutoFit/>
+          </a:bodyPr>
+          <a:lstStyle/>
+          <a:p>
+            <a:pPr algn="ctr"/>
+            <a:r>
+              <a:rPr lang="en-US" sz="3600" b="1" dirty="0">
+                <a:solidFill>
+                  <a:srgbClr val="660033"/>
+                </a:solidFill>
+                <a:effectLst/>
+                <a:latin typeface="Microsoft JhengHei" panose="020B0604030504040204" pitchFamily="34" charset="-120"/>
+                <a:ea typeface="Microsoft JhengHei" panose="020B0604030504040204" pitchFamily="34" charset="-120"/>
+              </a:rPr>
+              <a:t>( </a:t>
+            </a:r>
+            <a:r>
+              <a:rPr lang="zh-CN" altLang="en-US" sz="3600" b="1" dirty="0" smtClean="0">
+                <a:solidFill>
+                  <a:srgbClr val="660033"/>
+                </a:solidFill>
+                <a:effectLst/>
+                <a:latin typeface="Microsoft JhengHei" panose="020B0604030504040204" pitchFamily="34" charset="-120"/>
+                <a:ea typeface="Microsoft JhengHei" panose="020B0604030504040204" pitchFamily="34" charset="-120"/>
+              </a:rPr>
+              <a:t>副</a:t>
+            </a:r>
+            <a:r>
+              <a:rPr lang="en-US" altLang="zh-CN" sz="3600" b="1" dirty="0" smtClean="0">
+                <a:solidFill>
+                  <a:srgbClr val="660033"/>
+                </a:solidFill>
+                <a:effectLst/>
+                <a:latin typeface="Microsoft JhengHei" panose="020B0604030504040204" pitchFamily="34" charset="-120"/>
+                <a:ea typeface="Microsoft JhengHei" panose="020B0604030504040204" pitchFamily="34" charset="-120"/>
+              </a:rPr>
+              <a:t> </a:t>
+            </a:r>
+            <a:r>
+              <a:rPr lang="en-US" sz="3600" b="1" dirty="0" smtClean="0">
+                <a:solidFill>
+                  <a:srgbClr val="660033"/>
+                </a:solidFill>
+                <a:effectLst/>
+                <a:latin typeface="Microsoft JhengHei" panose="020B0604030504040204" pitchFamily="34" charset="-120"/>
+                <a:ea typeface="Microsoft JhengHei" panose="020B0604030504040204" pitchFamily="34" charset="-120"/>
+              </a:rPr>
+              <a:t>)</a:t>
+            </a:r>
+            <a:endParaRPr lang="vi-VN" sz="3600" b="1" dirty="0">
+              <a:solidFill>
+                <a:srgbClr val="660033"/>
+              </a:solidFill>
+              <a:effectLst/>
+              <a:ea typeface="Microsoft JhengHei" panose="020B0604030504040204" pitchFamily="34" charset="-120"/>
+            </a:endParaRPr>
+          </a:p>
+        </p:txBody>
+      </p:sp>
+    </p:spTree>
+    <p:extLst>
+      <p:ext uri="{BB962C8B-B14F-4D97-AF65-F5344CB8AC3E}">
+        <p14:creationId xmlns:p14="http://schemas.microsoft.com/office/powerpoint/2010/main" val="103256198"/>
+      </p:ext>
+    </p:extLst>
+  </p:cSld>
+  <p:clrMapOvr>
+    <a:masterClrMapping/>
+  </p:clrMapOvr>
+  <p:timing>
+    <p:tnLst>
+      <p:par>
+        <p:cTn id="1" dur="indefinite" restart="never" nodeType="tmRoot"/>
+      </p:par>
+    </p:tnLst>
+  </p:timing>
+</p:sld>
+</file>
+
+<file path=ppt/slides/slide7.xml><?xml version="1.0" encoding="utf-8"?>
+<p:sld xmlns:a="http://schemas.openxmlformats.org/drawingml/2006/main" xmlns:r="http://schemas.openxmlformats.org/officeDocument/2006/relationships" xmlns:p="http://schemas.openxmlformats.org/presentationml/2006/main">
+  <p:cSld>
+    <p:spTree>
+      <p:nvGrpSpPr>
+        <p:cNvPr id="1" name=""/>
+        <p:cNvGrpSpPr/>
+        <p:nvPr/>
+      </p:nvGrpSpPr>
+      <p:grpSpPr>
+        <a:xfrm>
+          <a:off x="0" y="0"/>
+          <a:ext cx="0" cy="0"/>
+          <a:chOff x="0" y="0"/>
+          <a:chExt cx="0" cy="0"/>
+        </a:xfrm>
+      </p:grpSpPr>
+      <p:sp>
+        <p:nvSpPr>
+          <p:cNvPr id="5" name="內容版面配置區 4"/>
+          <p:cNvSpPr>
+            <a:spLocks noGrp="1"/>
+          </p:cNvSpPr>
+          <p:nvPr>
+            <p:ph idx="1"/>
+          </p:nvPr>
+        </p:nvSpPr>
+        <p:spPr>
+          <a:xfrm>
+            <a:off x="0" y="1563638"/>
+            <a:ext cx="9144000" cy="1803647"/>
+          </a:xfrm>
+        </p:spPr>
+        <p:txBody>
+          <a:bodyPr anchor="ctr">
+            <a:normAutofit/>
+          </a:bodyPr>
+          <a:lstStyle/>
+          <a:p>
+            <a:pPr algn="ctr">
+              <a:buNone/>
+            </a:pPr>
+            <a:r>
+              <a:rPr lang="zh-TW" altLang="en-US" sz="4800" b="1" dirty="0">
+                <a:solidFill>
+                  <a:srgbClr val="660033"/>
+                </a:solidFill>
+                <a:latin typeface="微軟正黑體" pitchFamily="34" charset="-120"/>
+                <a:ea typeface="微軟正黑體" pitchFamily="34" charset="-120"/>
+              </a:rPr>
+              <a:t>萬王之王 </a:t>
+            </a:r>
+            <a:r>
+              <a:rPr lang="zh-TW" altLang="en-US" sz="4800" b="1" dirty="0" smtClean="0">
+                <a:solidFill>
+                  <a:srgbClr val="660033"/>
+                </a:solidFill>
+                <a:latin typeface="微軟正黑體" pitchFamily="34" charset="-120"/>
+                <a:ea typeface="微軟正黑體" pitchFamily="34" charset="-120"/>
+              </a:rPr>
+              <a:t>  萬</a:t>
+            </a:r>
+            <a:r>
+              <a:rPr lang="zh-TW" altLang="en-US" sz="4800" b="1" dirty="0">
+                <a:solidFill>
+                  <a:srgbClr val="660033"/>
+                </a:solidFill>
+                <a:latin typeface="微軟正黑體" pitchFamily="34" charset="-120"/>
+                <a:ea typeface="微軟正黑體" pitchFamily="34" charset="-120"/>
+              </a:rPr>
+              <a:t>主之主</a:t>
+            </a:r>
+          </a:p>
+          <a:p>
+            <a:pPr algn="ctr">
+              <a:buNone/>
+            </a:pPr>
+            <a:r>
+              <a:rPr lang="zh-TW" altLang="en-US" sz="4800" b="1" dirty="0">
+                <a:solidFill>
+                  <a:srgbClr val="660033"/>
+                </a:solidFill>
+                <a:latin typeface="微軟正黑體" pitchFamily="34" charset="-120"/>
+                <a:ea typeface="微軟正黑體" pitchFamily="34" charset="-120"/>
+              </a:rPr>
+              <a:t>我們高舉</a:t>
+            </a:r>
+            <a:r>
+              <a:rPr lang="zh-CN" altLang="en-US" sz="4800" b="1" dirty="0">
+                <a:solidFill>
+                  <a:srgbClr val="660033"/>
+                </a:solidFill>
+                <a:latin typeface="微軟正黑體" pitchFamily="34" charset="-120"/>
+                <a:ea typeface="微軟正黑體" pitchFamily="34" charset="-120"/>
+              </a:rPr>
+              <a:t>袮</a:t>
+            </a:r>
+            <a:r>
+              <a:rPr lang="zh-TW" altLang="en-US" sz="4800" b="1" dirty="0">
+                <a:solidFill>
+                  <a:srgbClr val="660033"/>
+                </a:solidFill>
+                <a:latin typeface="微軟正黑體" pitchFamily="34" charset="-120"/>
+                <a:ea typeface="微軟正黑體" pitchFamily="34" charset="-120"/>
+              </a:rPr>
+              <a:t>聖名直到永遠</a:t>
+            </a:r>
+            <a:endParaRPr lang="zh-TW" altLang="en-US" sz="4800" b="1" dirty="0">
+              <a:solidFill>
+                <a:srgbClr val="660033"/>
+              </a:solidFill>
+              <a:latin typeface="微軟正黑體" pitchFamily="34" charset="-120"/>
+              <a:ea typeface="微軟正黑體" pitchFamily="34" charset="-120"/>
+            </a:endParaRPr>
+          </a:p>
+        </p:txBody>
+      </p:sp>
+      <p:sp>
+        <p:nvSpPr>
+          <p:cNvPr id="3" name="TextBox 2"/>
+          <p:cNvSpPr txBox="1"/>
+          <p:nvPr/>
+        </p:nvSpPr>
+        <p:spPr>
+          <a:xfrm>
+            <a:off x="0" y="3795887"/>
+            <a:ext cx="9144000" cy="646331"/>
+          </a:xfrm>
+          <a:prstGeom prst="rect">
+            <a:avLst/>
+          </a:prstGeom>
+          <a:noFill/>
+        </p:spPr>
+        <p:txBody>
+          <a:bodyPr wrap="square" rtlCol="0">
+            <a:spAutoFit/>
+          </a:bodyPr>
+          <a:lstStyle/>
+          <a:p>
+            <a:pPr algn="ctr"/>
+            <a:r>
+              <a:rPr lang="en-US" sz="3600" b="1" dirty="0" smtClean="0">
+                <a:solidFill>
+                  <a:srgbClr val="660033"/>
+                </a:solidFill>
+                <a:effectLst/>
+                <a:latin typeface="Microsoft JhengHei" panose="020B0604030504040204" pitchFamily="34" charset="-120"/>
+                <a:ea typeface="Microsoft JhengHei" panose="020B0604030504040204" pitchFamily="34" charset="-120"/>
+              </a:rPr>
+              <a:t>( </a:t>
+            </a:r>
+            <a:r>
+              <a:rPr lang="zh-CN" altLang="en-US" sz="3600" b="1" dirty="0" smtClean="0">
+                <a:solidFill>
+                  <a:srgbClr val="660033"/>
+                </a:solidFill>
+                <a:latin typeface="Microsoft JhengHei" panose="020B0604030504040204" pitchFamily="34" charset="-120"/>
+                <a:ea typeface="Microsoft JhengHei" panose="020B0604030504040204" pitchFamily="34" charset="-120"/>
+              </a:rPr>
+              <a:t>副 </a:t>
+            </a:r>
+            <a:r>
+              <a:rPr lang="en-US" sz="3600" b="1" dirty="0" smtClean="0">
+                <a:solidFill>
+                  <a:srgbClr val="660033"/>
+                </a:solidFill>
+                <a:effectLst/>
+                <a:latin typeface="Microsoft JhengHei" panose="020B0604030504040204" pitchFamily="34" charset="-120"/>
+                <a:ea typeface="Microsoft JhengHei" panose="020B0604030504040204" pitchFamily="34" charset="-120"/>
+              </a:rPr>
+              <a:t>)</a:t>
+            </a:r>
+            <a:endParaRPr lang="vi-VN" sz="3600" b="1" dirty="0">
+              <a:solidFill>
+                <a:srgbClr val="660033"/>
+              </a:solidFill>
+              <a:effectLst/>
+              <a:ea typeface="Microsoft JhengHei" panose="020B0604030504040204" pitchFamily="34" charset="-120"/>
+            </a:endParaRPr>
+          </a:p>
+        </p:txBody>
+      </p:sp>
+    </p:spTree>
+    <p:extLst>
+      <p:ext uri="{BB962C8B-B14F-4D97-AF65-F5344CB8AC3E}">
+        <p14:creationId xmlns:p14="http://schemas.microsoft.com/office/powerpoint/2010/main" val="944248445"/>
+      </p:ext>
+    </p:extLst>
   </p:cSld>
   <p:clrMapOvr>
     <a:masterClrMapping/>

--- a/坐在寶座上聖潔羔羊.pptx
+++ b/坐在寶座上聖潔羔羊.pptx
@@ -215,7 +215,7 @@
             <a:fld id="{007A548E-7098-4CE3-810E-47A3ADCC1150}" type="datetimeFigureOut">
               <a:rPr lang="zh-TW" altLang="en-US" smtClean="0"/>
               <a:pPr/>
-              <a:t>2021/12/4</a:t>
+              <a:t>2023/3/18</a:t>
             </a:fld>
             <a:endParaRPr lang="zh-TW" altLang="en-US"/>
           </a:p>
@@ -668,7 +668,7 @@
             <a:fld id="{14DD3661-1E76-4273-BDC4-E36D4AAA0C58}" type="datetimeFigureOut">
               <a:rPr lang="zh-TW" altLang="en-US" smtClean="0"/>
               <a:pPr/>
-              <a:t>2021/12/4</a:t>
+              <a:t>2023/3/18</a:t>
             </a:fld>
             <a:endParaRPr lang="zh-TW" altLang="en-US"/>
           </a:p>
@@ -835,7 +835,7 @@
             <a:fld id="{14DD3661-1E76-4273-BDC4-E36D4AAA0C58}" type="datetimeFigureOut">
               <a:rPr lang="zh-TW" altLang="en-US" smtClean="0"/>
               <a:pPr/>
-              <a:t>2021/12/4</a:t>
+              <a:t>2023/3/18</a:t>
             </a:fld>
             <a:endParaRPr lang="zh-TW" altLang="en-US"/>
           </a:p>
@@ -1012,7 +1012,7 @@
             <a:fld id="{14DD3661-1E76-4273-BDC4-E36D4AAA0C58}" type="datetimeFigureOut">
               <a:rPr lang="zh-TW" altLang="en-US" smtClean="0"/>
               <a:pPr/>
-              <a:t>2021/12/4</a:t>
+              <a:t>2023/3/18</a:t>
             </a:fld>
             <a:endParaRPr lang="zh-TW" altLang="en-US"/>
           </a:p>
@@ -1179,7 +1179,7 @@
             <a:fld id="{14DD3661-1E76-4273-BDC4-E36D4AAA0C58}" type="datetimeFigureOut">
               <a:rPr lang="zh-TW" altLang="en-US" smtClean="0"/>
               <a:pPr/>
-              <a:t>2021/12/4</a:t>
+              <a:t>2023/3/18</a:t>
             </a:fld>
             <a:endParaRPr lang="zh-TW" altLang="en-US"/>
           </a:p>
@@ -1422,7 +1422,7 @@
             <a:fld id="{14DD3661-1E76-4273-BDC4-E36D4AAA0C58}" type="datetimeFigureOut">
               <a:rPr lang="zh-TW" altLang="en-US" smtClean="0"/>
               <a:pPr/>
-              <a:t>2021/12/4</a:t>
+              <a:t>2023/3/18</a:t>
             </a:fld>
             <a:endParaRPr lang="zh-TW" altLang="en-US"/>
           </a:p>
@@ -1707,7 +1707,7 @@
             <a:fld id="{14DD3661-1E76-4273-BDC4-E36D4AAA0C58}" type="datetimeFigureOut">
               <a:rPr lang="zh-TW" altLang="en-US" smtClean="0"/>
               <a:pPr/>
-              <a:t>2021/12/4</a:t>
+              <a:t>2023/3/18</a:t>
             </a:fld>
             <a:endParaRPr lang="zh-TW" altLang="en-US"/>
           </a:p>
@@ -2126,7 +2126,7 @@
             <a:fld id="{14DD3661-1E76-4273-BDC4-E36D4AAA0C58}" type="datetimeFigureOut">
               <a:rPr lang="zh-TW" altLang="en-US" smtClean="0"/>
               <a:pPr/>
-              <a:t>2021/12/4</a:t>
+              <a:t>2023/3/18</a:t>
             </a:fld>
             <a:endParaRPr lang="zh-TW" altLang="en-US"/>
           </a:p>
@@ -2241,7 +2241,7 @@
             <a:fld id="{14DD3661-1E76-4273-BDC4-E36D4AAA0C58}" type="datetimeFigureOut">
               <a:rPr lang="zh-TW" altLang="en-US" smtClean="0"/>
               <a:pPr/>
-              <a:t>2021/12/4</a:t>
+              <a:t>2023/3/18</a:t>
             </a:fld>
             <a:endParaRPr lang="zh-TW" altLang="en-US"/>
           </a:p>
@@ -2333,7 +2333,7 @@
             <a:fld id="{14DD3661-1E76-4273-BDC4-E36D4AAA0C58}" type="datetimeFigureOut">
               <a:rPr lang="zh-TW" altLang="en-US" smtClean="0"/>
               <a:pPr/>
-              <a:t>2021/12/4</a:t>
+              <a:t>2023/3/18</a:t>
             </a:fld>
             <a:endParaRPr lang="zh-TW" altLang="en-US"/>
           </a:p>
@@ -2607,7 +2607,7 @@
             <a:fld id="{14DD3661-1E76-4273-BDC4-E36D4AAA0C58}" type="datetimeFigureOut">
               <a:rPr lang="zh-TW" altLang="en-US" smtClean="0"/>
               <a:pPr/>
-              <a:t>2021/12/4</a:t>
+              <a:t>2023/3/18</a:t>
             </a:fld>
             <a:endParaRPr lang="zh-TW" altLang="en-US"/>
           </a:p>
@@ -2861,7 +2861,7 @@
             <a:fld id="{14DD3661-1E76-4273-BDC4-E36D4AAA0C58}" type="datetimeFigureOut">
               <a:rPr lang="zh-TW" altLang="en-US" smtClean="0"/>
               <a:pPr/>
-              <a:t>2021/12/4</a:t>
+              <a:t>2023/3/18</a:t>
             </a:fld>
             <a:endParaRPr lang="zh-TW" altLang="en-US"/>
           </a:p>
@@ -3076,7 +3076,7 @@
             <a:fld id="{14DD3661-1E76-4273-BDC4-E36D4AAA0C58}" type="datetimeFigureOut">
               <a:rPr lang="zh-TW" altLang="en-US" smtClean="0"/>
               <a:pPr/>
-              <a:t>2021/12/4</a:t>
+              <a:t>2023/3/18</a:t>
             </a:fld>
             <a:endParaRPr lang="zh-TW" altLang="en-US"/>
           </a:p>
@@ -3591,25 +3591,28 @@
                 <a:latin typeface="微軟正黑體" pitchFamily="34" charset="-120"/>
                 <a:ea typeface="微軟正黑體" pitchFamily="34" charset="-120"/>
               </a:rPr>
-              <a:t>我們俯伏敬拜</a:t>
-            </a:r>
-            <a:r>
-              <a:rPr lang="zh-CN" altLang="en-US" sz="4800" b="1" dirty="0">
+              <a:t>我們俯伏敬</a:t>
+            </a:r>
+            <a:r>
+              <a:rPr lang="zh-TW" altLang="en-US" sz="4800" b="1" dirty="0">
                 <a:solidFill>
                   <a:srgbClr val="660033"/>
                 </a:solidFill>
                 <a:latin typeface="微軟正黑體" pitchFamily="34" charset="-120"/>
                 <a:ea typeface="微軟正黑體" pitchFamily="34" charset="-120"/>
               </a:rPr>
-              <a:t>袮</a:t>
-            </a:r>
-            <a:endParaRPr lang="zh-TW" altLang="en-US" sz="4800" b="1" dirty="0">
-              <a:solidFill>
-                <a:srgbClr val="660033"/>
-              </a:solidFill>
-              <a:latin typeface="微軟正黑體" pitchFamily="34" charset="-120"/>
-              <a:ea typeface="微軟正黑體" pitchFamily="34" charset="-120"/>
-            </a:endParaRPr>
+              <a:t>拜</a:t>
+            </a:r>
+            <a:r>
+              <a:rPr lang="zh-TW" altLang="en-US" sz="4800" b="1" dirty="0">
+                <a:solidFill>
+                  <a:srgbClr val="660033"/>
+                </a:solidFill>
+                <a:latin typeface="微軟正黑體" pitchFamily="34" charset="-120"/>
+                <a:ea typeface="微軟正黑體" pitchFamily="34" charset="-120"/>
+              </a:rPr>
+              <a:t>祢</a:t>
+            </a:r>
           </a:p>
         </p:txBody>
       </p:sp>
@@ -3622,7 +3625,7 @@
         <p:spPr>
           <a:xfrm>
             <a:off x="0" y="3795887"/>
-            <a:ext cx="9144000" cy="646331"/>
+            <a:ext cx="9144000" cy="523220"/>
           </a:xfrm>
           <a:prstGeom prst="rect">
             <a:avLst/>
@@ -3637,7 +3640,7 @@
           <a:p>
             <a:pPr algn="ctr"/>
             <a:r>
-              <a:rPr lang="en-US" sz="3600" b="1" dirty="0">
+              <a:rPr lang="en-US" sz="2800" b="1" dirty="0">
                 <a:solidFill>
                   <a:srgbClr val="660033"/>
                 </a:solidFill>
@@ -3648,7 +3651,7 @@
               <a:t>( </a:t>
             </a:r>
             <a:r>
-              <a:rPr lang="zh-CN" altLang="en-US" sz="3600" b="1" dirty="0" smtClean="0">
+              <a:rPr lang="zh-CN" altLang="en-US" sz="2800" b="1" dirty="0" smtClean="0">
                 <a:solidFill>
                   <a:srgbClr val="660033"/>
                 </a:solidFill>
@@ -3659,7 +3662,7 @@
               <a:t>正</a:t>
             </a:r>
             <a:r>
-              <a:rPr lang="en-US" altLang="zh-CN" sz="3600" b="1" dirty="0" smtClean="0">
+              <a:rPr lang="en-US" altLang="zh-CN" sz="2800" b="1" dirty="0" smtClean="0">
                 <a:solidFill>
                   <a:srgbClr val="660033"/>
                 </a:solidFill>
@@ -3670,7 +3673,7 @@
               <a:t> </a:t>
             </a:r>
             <a:r>
-              <a:rPr lang="en-US" sz="3600" b="1" dirty="0" smtClean="0">
+              <a:rPr lang="en-US" sz="2800" b="1" dirty="0" smtClean="0">
                 <a:solidFill>
                   <a:srgbClr val="660033"/>
                 </a:solidFill>
@@ -3680,7 +3683,7 @@
               </a:rPr>
               <a:t>)</a:t>
             </a:r>
-            <a:endParaRPr lang="vi-VN" sz="3600" b="1" dirty="0">
+            <a:endParaRPr lang="vi-VN" sz="2800" b="1" dirty="0">
               <a:solidFill>
                 <a:srgbClr val="660033"/>
               </a:solidFill>
@@ -3795,17 +3798,17 @@
                 <a:latin typeface="微軟正黑體" pitchFamily="34" charset="-120"/>
                 <a:ea typeface="微軟正黑體" pitchFamily="34" charset="-120"/>
               </a:rPr>
-              <a:t>唯有</a:t>
-            </a:r>
-            <a:r>
-              <a:rPr lang="zh-CN" altLang="en-US" sz="4800" b="1" dirty="0">
+              <a:t>唯</a:t>
+            </a:r>
+            <a:r>
+              <a:rPr lang="zh-TW" altLang="en-US" sz="4800" b="1" dirty="0">
                 <a:solidFill>
                   <a:srgbClr val="660033"/>
                 </a:solidFill>
                 <a:latin typeface="微軟正黑體" pitchFamily="34" charset="-120"/>
                 <a:ea typeface="微軟正黑體" pitchFamily="34" charset="-120"/>
               </a:rPr>
-              <a:t>袮</a:t>
+              <a:t>有祢是</a:t>
             </a:r>
             <a:r>
               <a:rPr lang="zh-TW" altLang="en-US" sz="4800" b="1" dirty="0">
@@ -3815,15 +3818,8 @@
                 <a:latin typeface="微軟正黑體" pitchFamily="34" charset="-120"/>
                 <a:ea typeface="微軟正黑體" pitchFamily="34" charset="-120"/>
               </a:rPr>
-              <a:t>是全能真神</a:t>
-            </a:r>
-            <a:endParaRPr lang="zh-TW" altLang="en-US" sz="4800" b="1" dirty="0">
-              <a:solidFill>
-                <a:srgbClr val="660033"/>
-              </a:solidFill>
-              <a:latin typeface="微軟正黑體" pitchFamily="34" charset="-120"/>
-              <a:ea typeface="微軟正黑體" pitchFamily="34" charset="-120"/>
-            </a:endParaRPr>
+              <a:t>全能真神</a:t>
+            </a:r>
           </a:p>
         </p:txBody>
       </p:sp>
@@ -3836,7 +3832,7 @@
         <p:spPr>
           <a:xfrm>
             <a:off x="0" y="3795887"/>
-            <a:ext cx="9144000" cy="646331"/>
+            <a:ext cx="9144000" cy="523220"/>
           </a:xfrm>
           <a:prstGeom prst="rect">
             <a:avLst/>
@@ -3851,54 +3847,50 @@
           <a:p>
             <a:pPr algn="ctr"/>
             <a:r>
-              <a:rPr lang="en-US" sz="3600" b="1" dirty="0">
-                <a:solidFill>
-                  <a:srgbClr val="660033"/>
-                </a:solidFill>
-                <a:effectLst/>
+              <a:rPr lang="en-US" sz="2800" b="1" dirty="0">
+                <a:solidFill>
+                  <a:srgbClr val="660033"/>
+                </a:solidFill>
                 <a:latin typeface="Microsoft JhengHei" panose="020B0604030504040204" pitchFamily="34" charset="-120"/>
                 <a:ea typeface="Microsoft JhengHei" panose="020B0604030504040204" pitchFamily="34" charset="-120"/>
               </a:rPr>
               <a:t>( </a:t>
             </a:r>
             <a:r>
-              <a:rPr lang="zh-CN" altLang="en-US" sz="3600" b="1" dirty="0" smtClean="0">
-                <a:solidFill>
-                  <a:srgbClr val="660033"/>
-                </a:solidFill>
-                <a:effectLst/>
+              <a:rPr lang="zh-CN" altLang="en-US" sz="2800" b="1" dirty="0">
+                <a:solidFill>
+                  <a:srgbClr val="660033"/>
+                </a:solidFill>
                 <a:latin typeface="Microsoft JhengHei" panose="020B0604030504040204" pitchFamily="34" charset="-120"/>
                 <a:ea typeface="Microsoft JhengHei" panose="020B0604030504040204" pitchFamily="34" charset="-120"/>
               </a:rPr>
               <a:t>正</a:t>
             </a:r>
             <a:r>
-              <a:rPr lang="en-US" altLang="zh-CN" sz="3600" b="1" dirty="0" smtClean="0">
-                <a:solidFill>
-                  <a:srgbClr val="660033"/>
-                </a:solidFill>
-                <a:effectLst/>
+              <a:rPr lang="en-US" altLang="zh-CN" sz="2800" b="1" dirty="0">
+                <a:solidFill>
+                  <a:srgbClr val="660033"/>
+                </a:solidFill>
                 <a:latin typeface="Microsoft JhengHei" panose="020B0604030504040204" pitchFamily="34" charset="-120"/>
                 <a:ea typeface="Microsoft JhengHei" panose="020B0604030504040204" pitchFamily="34" charset="-120"/>
               </a:rPr>
               <a:t> </a:t>
             </a:r>
             <a:r>
-              <a:rPr lang="en-US" sz="3600" b="1" dirty="0" smtClean="0">
-                <a:solidFill>
-                  <a:srgbClr val="660033"/>
-                </a:solidFill>
-                <a:effectLst/>
+              <a:rPr lang="en-US" sz="2800" b="1" dirty="0">
+                <a:solidFill>
+                  <a:srgbClr val="660033"/>
+                </a:solidFill>
                 <a:latin typeface="Microsoft JhengHei" panose="020B0604030504040204" pitchFamily="34" charset="-120"/>
                 <a:ea typeface="Microsoft JhengHei" panose="020B0604030504040204" pitchFamily="34" charset="-120"/>
               </a:rPr>
               <a:t>)</a:t>
             </a:r>
-            <a:endParaRPr lang="vi-VN" sz="3600" b="1" dirty="0">
+            <a:endParaRPr lang="vi-VN" sz="2800" b="1" dirty="0">
               <a:solidFill>
                 <a:srgbClr val="660033"/>
               </a:solidFill>
-              <a:effectLst/>
+              <a:latin typeface="Microsoft JhengHei" panose="020B0604030504040204" pitchFamily="34" charset="-120"/>
               <a:ea typeface="Microsoft JhengHei" panose="020B0604030504040204" pitchFamily="34" charset="-120"/>
             </a:endParaRPr>
           </a:p>
@@ -4009,17 +4001,17 @@
                 <a:latin typeface="微軟正黑體" pitchFamily="34" charset="-120"/>
                 <a:ea typeface="微軟正黑體" pitchFamily="34" charset="-120"/>
               </a:rPr>
-              <a:t>我們俯伏敬拜</a:t>
-            </a:r>
-            <a:r>
-              <a:rPr lang="zh-CN" altLang="en-US" sz="4800" b="1" dirty="0">
+              <a:t>我們俯伏敬</a:t>
+            </a:r>
+            <a:r>
+              <a:rPr lang="zh-TW" altLang="en-US" sz="4800" b="1" dirty="0">
                 <a:solidFill>
                   <a:srgbClr val="660033"/>
                 </a:solidFill>
                 <a:latin typeface="微軟正黑體" pitchFamily="34" charset="-120"/>
                 <a:ea typeface="微軟正黑體" pitchFamily="34" charset="-120"/>
               </a:rPr>
-              <a:t>袮</a:t>
+              <a:t>拜祢</a:t>
             </a:r>
             <a:endParaRPr lang="zh-TW" altLang="en-US" sz="4800" b="1" dirty="0">
               <a:solidFill>
@@ -4040,7 +4032,7 @@
         <p:spPr>
           <a:xfrm>
             <a:off x="0" y="3795887"/>
-            <a:ext cx="9144000" cy="646331"/>
+            <a:ext cx="9144000" cy="523220"/>
           </a:xfrm>
           <a:prstGeom prst="rect">
             <a:avLst/>
@@ -4055,54 +4047,50 @@
           <a:p>
             <a:pPr algn="ctr"/>
             <a:r>
-              <a:rPr lang="en-US" sz="3600" b="1" dirty="0">
-                <a:solidFill>
-                  <a:srgbClr val="660033"/>
-                </a:solidFill>
-                <a:effectLst/>
+              <a:rPr lang="en-US" sz="2800" b="1" dirty="0">
+                <a:solidFill>
+                  <a:srgbClr val="660033"/>
+                </a:solidFill>
                 <a:latin typeface="Microsoft JhengHei" panose="020B0604030504040204" pitchFamily="34" charset="-120"/>
                 <a:ea typeface="Microsoft JhengHei" panose="020B0604030504040204" pitchFamily="34" charset="-120"/>
               </a:rPr>
               <a:t>( </a:t>
             </a:r>
             <a:r>
-              <a:rPr lang="zh-CN" altLang="en-US" sz="3600" b="1" dirty="0" smtClean="0">
-                <a:solidFill>
-                  <a:srgbClr val="660033"/>
-                </a:solidFill>
-                <a:effectLst/>
+              <a:rPr lang="zh-CN" altLang="en-US" sz="2800" b="1" dirty="0">
+                <a:solidFill>
+                  <a:srgbClr val="660033"/>
+                </a:solidFill>
                 <a:latin typeface="Microsoft JhengHei" panose="020B0604030504040204" pitchFamily="34" charset="-120"/>
                 <a:ea typeface="Microsoft JhengHei" panose="020B0604030504040204" pitchFamily="34" charset="-120"/>
               </a:rPr>
               <a:t>正</a:t>
             </a:r>
             <a:r>
-              <a:rPr lang="en-US" altLang="zh-CN" sz="3600" b="1" dirty="0" smtClean="0">
-                <a:solidFill>
-                  <a:srgbClr val="660033"/>
-                </a:solidFill>
-                <a:effectLst/>
+              <a:rPr lang="en-US" altLang="zh-CN" sz="2800" b="1" dirty="0">
+                <a:solidFill>
+                  <a:srgbClr val="660033"/>
+                </a:solidFill>
                 <a:latin typeface="Microsoft JhengHei" panose="020B0604030504040204" pitchFamily="34" charset="-120"/>
                 <a:ea typeface="Microsoft JhengHei" panose="020B0604030504040204" pitchFamily="34" charset="-120"/>
               </a:rPr>
               <a:t> </a:t>
             </a:r>
             <a:r>
-              <a:rPr lang="en-US" sz="3600" b="1" dirty="0" smtClean="0">
-                <a:solidFill>
-                  <a:srgbClr val="660033"/>
-                </a:solidFill>
-                <a:effectLst/>
+              <a:rPr lang="en-US" sz="2800" b="1" dirty="0">
+                <a:solidFill>
+                  <a:srgbClr val="660033"/>
+                </a:solidFill>
                 <a:latin typeface="Microsoft JhengHei" panose="020B0604030504040204" pitchFamily="34" charset="-120"/>
                 <a:ea typeface="Microsoft JhengHei" panose="020B0604030504040204" pitchFamily="34" charset="-120"/>
               </a:rPr>
               <a:t>)</a:t>
             </a:r>
-            <a:endParaRPr lang="vi-VN" sz="3600" b="1" dirty="0">
+            <a:endParaRPr lang="vi-VN" sz="2800" b="1" dirty="0">
               <a:solidFill>
                 <a:srgbClr val="660033"/>
               </a:solidFill>
-              <a:effectLst/>
+              <a:latin typeface="Microsoft JhengHei" panose="020B0604030504040204" pitchFamily="34" charset="-120"/>
               <a:ea typeface="Microsoft JhengHei" panose="020B0604030504040204" pitchFamily="34" charset="-120"/>
             </a:endParaRPr>
           </a:p>
@@ -4213,17 +4201,17 @@
                 <a:latin typeface="微軟正黑體" pitchFamily="34" charset="-120"/>
                 <a:ea typeface="微軟正黑體" pitchFamily="34" charset="-120"/>
               </a:rPr>
-              <a:t>都歸給</a:t>
-            </a:r>
-            <a:r>
-              <a:rPr lang="zh-CN" altLang="en-US" sz="4800" b="1" dirty="0">
+              <a:t>都歸</a:t>
+            </a:r>
+            <a:r>
+              <a:rPr lang="zh-TW" altLang="en-US" sz="4800" b="1" dirty="0">
                 <a:solidFill>
                   <a:srgbClr val="660033"/>
                 </a:solidFill>
                 <a:latin typeface="微軟正黑體" pitchFamily="34" charset="-120"/>
                 <a:ea typeface="微軟正黑體" pitchFamily="34" charset="-120"/>
               </a:rPr>
-              <a:t>袮</a:t>
+              <a:t>給祢直</a:t>
             </a:r>
             <a:r>
               <a:rPr lang="zh-TW" altLang="en-US" sz="4800" b="1" dirty="0">
@@ -4233,15 +4221,8 @@
                 <a:latin typeface="微軟正黑體" pitchFamily="34" charset="-120"/>
                 <a:ea typeface="微軟正黑體" pitchFamily="34" charset="-120"/>
               </a:rPr>
-              <a:t>直到永遠</a:t>
-            </a:r>
-            <a:endParaRPr lang="zh-TW" altLang="en-US" sz="4800" b="1" dirty="0">
-              <a:solidFill>
-                <a:srgbClr val="660033"/>
-              </a:solidFill>
-              <a:latin typeface="微軟正黑體" pitchFamily="34" charset="-120"/>
-              <a:ea typeface="微軟正黑體" pitchFamily="34" charset="-120"/>
-            </a:endParaRPr>
+              <a:t>到永遠</a:t>
+            </a:r>
           </a:p>
         </p:txBody>
       </p:sp>
@@ -4254,7 +4235,7 @@
         <p:spPr>
           <a:xfrm>
             <a:off x="0" y="3795887"/>
-            <a:ext cx="9144000" cy="646331"/>
+            <a:ext cx="9144000" cy="523220"/>
           </a:xfrm>
           <a:prstGeom prst="rect">
             <a:avLst/>
@@ -4269,54 +4250,50 @@
           <a:p>
             <a:pPr algn="ctr"/>
             <a:r>
-              <a:rPr lang="en-US" sz="3600" b="1" dirty="0">
-                <a:solidFill>
-                  <a:srgbClr val="660033"/>
-                </a:solidFill>
-                <a:effectLst/>
+              <a:rPr lang="en-US" sz="2800" b="1" dirty="0">
+                <a:solidFill>
+                  <a:srgbClr val="660033"/>
+                </a:solidFill>
                 <a:latin typeface="Microsoft JhengHei" panose="020B0604030504040204" pitchFamily="34" charset="-120"/>
                 <a:ea typeface="Microsoft JhengHei" panose="020B0604030504040204" pitchFamily="34" charset="-120"/>
               </a:rPr>
               <a:t>( </a:t>
             </a:r>
             <a:r>
-              <a:rPr lang="zh-CN" altLang="en-US" sz="3600" b="1" dirty="0" smtClean="0">
-                <a:solidFill>
-                  <a:srgbClr val="660033"/>
-                </a:solidFill>
-                <a:effectLst/>
+              <a:rPr lang="zh-CN" altLang="en-US" sz="2800" b="1" dirty="0">
+                <a:solidFill>
+                  <a:srgbClr val="660033"/>
+                </a:solidFill>
                 <a:latin typeface="Microsoft JhengHei" panose="020B0604030504040204" pitchFamily="34" charset="-120"/>
                 <a:ea typeface="Microsoft JhengHei" panose="020B0604030504040204" pitchFamily="34" charset="-120"/>
               </a:rPr>
               <a:t>正</a:t>
             </a:r>
             <a:r>
-              <a:rPr lang="en-US" altLang="zh-CN" sz="3600" b="1" dirty="0" smtClean="0">
-                <a:solidFill>
-                  <a:srgbClr val="660033"/>
-                </a:solidFill>
-                <a:effectLst/>
+              <a:rPr lang="en-US" altLang="zh-CN" sz="2800" b="1" dirty="0">
+                <a:solidFill>
+                  <a:srgbClr val="660033"/>
+                </a:solidFill>
                 <a:latin typeface="Microsoft JhengHei" panose="020B0604030504040204" pitchFamily="34" charset="-120"/>
                 <a:ea typeface="Microsoft JhengHei" panose="020B0604030504040204" pitchFamily="34" charset="-120"/>
               </a:rPr>
               <a:t> </a:t>
             </a:r>
             <a:r>
-              <a:rPr lang="en-US" sz="3600" b="1" dirty="0" smtClean="0">
-                <a:solidFill>
-                  <a:srgbClr val="660033"/>
-                </a:solidFill>
-                <a:effectLst/>
+              <a:rPr lang="en-US" sz="2800" b="1" dirty="0">
+                <a:solidFill>
+                  <a:srgbClr val="660033"/>
+                </a:solidFill>
                 <a:latin typeface="Microsoft JhengHei" panose="020B0604030504040204" pitchFamily="34" charset="-120"/>
                 <a:ea typeface="Microsoft JhengHei" panose="020B0604030504040204" pitchFamily="34" charset="-120"/>
               </a:rPr>
               <a:t>)</a:t>
             </a:r>
-            <a:endParaRPr lang="vi-VN" sz="3600" b="1" dirty="0">
+            <a:endParaRPr lang="vi-VN" sz="2800" b="1" dirty="0">
               <a:solidFill>
                 <a:srgbClr val="660033"/>
               </a:solidFill>
-              <a:effectLst/>
+              <a:latin typeface="Microsoft JhengHei" panose="020B0604030504040204" pitchFamily="34" charset="-120"/>
               <a:ea typeface="Microsoft JhengHei" panose="020B0604030504040204" pitchFamily="34" charset="-120"/>
             </a:endParaRPr>
           </a:p>
@@ -4427,17 +4404,17 @@
                 <a:latin typeface="微軟正黑體" pitchFamily="34" charset="-120"/>
                 <a:ea typeface="微軟正黑體" pitchFamily="34" charset="-120"/>
               </a:rPr>
-              <a:t>唯有</a:t>
-            </a:r>
-            <a:r>
-              <a:rPr lang="zh-CN" altLang="en-US" sz="4800" b="1" dirty="0">
+              <a:t>唯</a:t>
+            </a:r>
+            <a:r>
+              <a:rPr lang="zh-TW" altLang="en-US" sz="4800" b="1" dirty="0">
                 <a:solidFill>
                   <a:srgbClr val="660033"/>
                 </a:solidFill>
                 <a:latin typeface="微軟正黑體" pitchFamily="34" charset="-120"/>
                 <a:ea typeface="微軟正黑體" pitchFamily="34" charset="-120"/>
               </a:rPr>
-              <a:t>袮</a:t>
+              <a:t>有祢配</a:t>
             </a:r>
             <a:r>
               <a:rPr lang="zh-TW" altLang="en-US" sz="4800" b="1" dirty="0">
@@ -4447,7 +4424,7 @@
                 <a:latin typeface="微軟正黑體" pitchFamily="34" charset="-120"/>
                 <a:ea typeface="微軟正黑體" pitchFamily="34" charset="-120"/>
               </a:rPr>
-              <a:t>配得</a:t>
+              <a:t>得</a:t>
             </a:r>
             <a:r>
               <a:rPr lang="zh-CN" altLang="en-US" sz="4800" b="1" dirty="0">
@@ -4469,13 +4446,6 @@
               </a:rPr>
               <a:t>和尊崇</a:t>
             </a:r>
-            <a:endParaRPr lang="zh-TW" altLang="en-US" sz="4800" b="1" dirty="0">
-              <a:solidFill>
-                <a:srgbClr val="660033"/>
-              </a:solidFill>
-              <a:latin typeface="微軟正黑體" pitchFamily="34" charset="-120"/>
-              <a:ea typeface="微軟正黑體" pitchFamily="34" charset="-120"/>
-            </a:endParaRPr>
           </a:p>
         </p:txBody>
       </p:sp>
@@ -4488,7 +4458,7 @@
         <p:spPr>
           <a:xfrm>
             <a:off x="0" y="3795887"/>
-            <a:ext cx="9144000" cy="646331"/>
+            <a:ext cx="9144000" cy="523220"/>
           </a:xfrm>
           <a:prstGeom prst="rect">
             <a:avLst/>
@@ -4503,54 +4473,50 @@
           <a:p>
             <a:pPr algn="ctr"/>
             <a:r>
-              <a:rPr lang="en-US" sz="3600" b="1" dirty="0">
-                <a:solidFill>
-                  <a:srgbClr val="660033"/>
-                </a:solidFill>
-                <a:effectLst/>
+              <a:rPr lang="en-US" sz="2800" b="1" dirty="0">
+                <a:solidFill>
+                  <a:srgbClr val="660033"/>
+                </a:solidFill>
                 <a:latin typeface="Microsoft JhengHei" panose="020B0604030504040204" pitchFamily="34" charset="-120"/>
                 <a:ea typeface="Microsoft JhengHei" panose="020B0604030504040204" pitchFamily="34" charset="-120"/>
               </a:rPr>
               <a:t>( </a:t>
             </a:r>
             <a:r>
-              <a:rPr lang="zh-CN" altLang="en-US" sz="3600" b="1" dirty="0" smtClean="0">
-                <a:solidFill>
-                  <a:srgbClr val="660033"/>
-                </a:solidFill>
-                <a:effectLst/>
+              <a:rPr lang="zh-CN" altLang="en-US" sz="2800" b="1" dirty="0">
+                <a:solidFill>
+                  <a:srgbClr val="660033"/>
+                </a:solidFill>
                 <a:latin typeface="Microsoft JhengHei" panose="020B0604030504040204" pitchFamily="34" charset="-120"/>
                 <a:ea typeface="Microsoft JhengHei" panose="020B0604030504040204" pitchFamily="34" charset="-120"/>
               </a:rPr>
               <a:t>副</a:t>
             </a:r>
             <a:r>
-              <a:rPr lang="en-US" altLang="zh-CN" sz="3600" b="1" dirty="0" smtClean="0">
-                <a:solidFill>
-                  <a:srgbClr val="660033"/>
-                </a:solidFill>
-                <a:effectLst/>
+              <a:rPr lang="en-US" altLang="zh-CN" sz="2800" b="1" dirty="0">
+                <a:solidFill>
+                  <a:srgbClr val="660033"/>
+                </a:solidFill>
                 <a:latin typeface="Microsoft JhengHei" panose="020B0604030504040204" pitchFamily="34" charset="-120"/>
                 <a:ea typeface="Microsoft JhengHei" panose="020B0604030504040204" pitchFamily="34" charset="-120"/>
               </a:rPr>
               <a:t> </a:t>
             </a:r>
             <a:r>
-              <a:rPr lang="en-US" sz="3600" b="1" dirty="0" smtClean="0">
-                <a:solidFill>
-                  <a:srgbClr val="660033"/>
-                </a:solidFill>
-                <a:effectLst/>
+              <a:rPr lang="en-US" sz="2800" b="1" dirty="0">
+                <a:solidFill>
+                  <a:srgbClr val="660033"/>
+                </a:solidFill>
                 <a:latin typeface="Microsoft JhengHei" panose="020B0604030504040204" pitchFamily="34" charset="-120"/>
                 <a:ea typeface="Microsoft JhengHei" panose="020B0604030504040204" pitchFamily="34" charset="-120"/>
               </a:rPr>
               <a:t>)</a:t>
             </a:r>
-            <a:endParaRPr lang="vi-VN" sz="3600" b="1" dirty="0">
+            <a:endParaRPr lang="vi-VN" sz="2800" b="1" dirty="0">
               <a:solidFill>
                 <a:srgbClr val="660033"/>
               </a:solidFill>
-              <a:effectLst/>
+              <a:latin typeface="Microsoft JhengHei" panose="020B0604030504040204" pitchFamily="34" charset="-120"/>
               <a:ea typeface="Microsoft JhengHei" panose="020B0604030504040204" pitchFamily="34" charset="-120"/>
             </a:endParaRPr>
           </a:p>
@@ -4661,17 +4627,17 @@
                 <a:latin typeface="微軟正黑體" pitchFamily="34" charset="-120"/>
                 <a:ea typeface="微軟正黑體" pitchFamily="34" charset="-120"/>
               </a:rPr>
-              <a:t>我們高舉</a:t>
-            </a:r>
-            <a:r>
-              <a:rPr lang="zh-CN" altLang="en-US" sz="4800" b="1" dirty="0">
+              <a:t>我們高</a:t>
+            </a:r>
+            <a:r>
+              <a:rPr lang="zh-TW" altLang="en-US" sz="4800" b="1" dirty="0">
                 <a:solidFill>
                   <a:srgbClr val="660033"/>
                 </a:solidFill>
                 <a:latin typeface="微軟正黑體" pitchFamily="34" charset="-120"/>
                 <a:ea typeface="微軟正黑體" pitchFamily="34" charset="-120"/>
               </a:rPr>
-              <a:t>袮</a:t>
+              <a:t>舉祢聖</a:t>
             </a:r>
             <a:r>
               <a:rPr lang="zh-TW" altLang="en-US" sz="4800" b="1" dirty="0">
@@ -4681,15 +4647,8 @@
                 <a:latin typeface="微軟正黑體" pitchFamily="34" charset="-120"/>
                 <a:ea typeface="微軟正黑體" pitchFamily="34" charset="-120"/>
               </a:rPr>
-              <a:t>聖名直到永遠</a:t>
-            </a:r>
-            <a:endParaRPr lang="zh-TW" altLang="en-US" sz="4800" b="1" dirty="0">
-              <a:solidFill>
-                <a:srgbClr val="660033"/>
-              </a:solidFill>
-              <a:latin typeface="微軟正黑體" pitchFamily="34" charset="-120"/>
-              <a:ea typeface="微軟正黑體" pitchFamily="34" charset="-120"/>
-            </a:endParaRPr>
+              <a:t>名直到永遠</a:t>
+            </a:r>
           </a:p>
         </p:txBody>
       </p:sp>
@@ -4702,7 +4661,7 @@
         <p:spPr>
           <a:xfrm>
             <a:off x="0" y="3795887"/>
-            <a:ext cx="9144000" cy="646331"/>
+            <a:ext cx="9144000" cy="523220"/>
           </a:xfrm>
           <a:prstGeom prst="rect">
             <a:avLst/>
@@ -4717,18 +4676,17 @@
           <a:p>
             <a:pPr algn="ctr"/>
             <a:r>
-              <a:rPr lang="en-US" sz="3600" b="1" dirty="0" smtClean="0">
-                <a:solidFill>
-                  <a:srgbClr val="660033"/>
-                </a:solidFill>
-                <a:effectLst/>
+              <a:rPr lang="en-US" sz="2800" b="1" dirty="0">
+                <a:solidFill>
+                  <a:srgbClr val="660033"/>
+                </a:solidFill>
                 <a:latin typeface="Microsoft JhengHei" panose="020B0604030504040204" pitchFamily="34" charset="-120"/>
                 <a:ea typeface="Microsoft JhengHei" panose="020B0604030504040204" pitchFamily="34" charset="-120"/>
               </a:rPr>
               <a:t>( </a:t>
             </a:r>
             <a:r>
-              <a:rPr lang="zh-CN" altLang="en-US" sz="3600" b="1" dirty="0" smtClean="0">
+              <a:rPr lang="zh-CN" altLang="en-US" sz="2800" b="1" dirty="0">
                 <a:solidFill>
                   <a:srgbClr val="660033"/>
                 </a:solidFill>
@@ -4738,21 +4696,20 @@
               <a:t>副 </a:t>
             </a:r>
             <a:r>
-              <a:rPr lang="en-US" sz="3600" b="1" dirty="0" smtClean="0">
-                <a:solidFill>
-                  <a:srgbClr val="660033"/>
-                </a:solidFill>
-                <a:effectLst/>
+              <a:rPr lang="en-US" sz="2800" b="1" dirty="0">
+                <a:solidFill>
+                  <a:srgbClr val="660033"/>
+                </a:solidFill>
                 <a:latin typeface="Microsoft JhengHei" panose="020B0604030504040204" pitchFamily="34" charset="-120"/>
                 <a:ea typeface="Microsoft JhengHei" panose="020B0604030504040204" pitchFamily="34" charset="-120"/>
               </a:rPr>
               <a:t>)</a:t>
             </a:r>
-            <a:endParaRPr lang="vi-VN" sz="3600" b="1" dirty="0">
+            <a:endParaRPr lang="vi-VN" sz="2800" b="1" dirty="0">
               <a:solidFill>
                 <a:srgbClr val="660033"/>
               </a:solidFill>
-              <a:effectLst/>
+              <a:latin typeface="Microsoft JhengHei" panose="020B0604030504040204" pitchFamily="34" charset="-120"/>
               <a:ea typeface="Microsoft JhengHei" panose="020B0604030504040204" pitchFamily="34" charset="-120"/>
             </a:endParaRPr>
           </a:p>
